--- a/numpy/fig/fig.pptx
+++ b/numpy/fig/fig.pptx
@@ -5,9 +5,11 @@
     <p:sldMasterId id="2147483660" r:id="rId1"/>
   </p:sldMasterIdLst>
   <p:sldIdLst>
-    <p:sldId id="256" r:id="rId2"/>
-    <p:sldId id="257" r:id="rId3"/>
-    <p:sldId id="258" r:id="rId4"/>
+    <p:sldId id="259" r:id="rId2"/>
+    <p:sldId id="260" r:id="rId3"/>
+    <p:sldId id="256" r:id="rId4"/>
+    <p:sldId id="257" r:id="rId5"/>
+    <p:sldId id="258" r:id="rId6"/>
   </p:sldIdLst>
   <p:sldSz cx="9144000" cy="6858000" type="screen4x3"/>
   <p:notesSz cx="6858000" cy="9144000"/>
@@ -488,6 +490,5182 @@
           <a:chExt cx="0" cy="0"/>
         </a:xfrm>
       </p:grpSpPr>
+      <p:cxnSp>
+        <p:nvCxnSpPr>
+          <p:cNvPr id="3" name="直線コネクタ 2">
+            <a:extLst>
+              <a:ext uri="{FF2B5EF4-FFF2-40B4-BE49-F238E27FC236}">
+                <a16:creationId xmlns:a16="http://schemas.microsoft.com/office/drawing/2014/main" id="{70FDE05A-91CD-F147-B65A-E3DE7AD2057C}"/>
+              </a:ext>
+            </a:extLst>
+          </p:cNvPr>
+          <p:cNvCxnSpPr/>
+          <p:nvPr/>
+        </p:nvCxnSpPr>
+        <p:spPr>
+          <a:xfrm>
+            <a:off x="1893104" y="1530752"/>
+            <a:ext cx="5400600" cy="0"/>
+          </a:xfrm>
+          <a:prstGeom prst="line">
+            <a:avLst/>
+          </a:prstGeom>
+          <a:ln w="12700">
+            <a:solidFill>
+              <a:schemeClr val="tx1"/>
+            </a:solidFill>
+          </a:ln>
+        </p:spPr>
+        <p:style>
+          <a:lnRef idx="1">
+            <a:schemeClr val="accent1"/>
+          </a:lnRef>
+          <a:fillRef idx="0">
+            <a:schemeClr val="accent1"/>
+          </a:fillRef>
+          <a:effectRef idx="0">
+            <a:schemeClr val="accent1"/>
+          </a:effectRef>
+          <a:fontRef idx="minor">
+            <a:schemeClr val="tx1"/>
+          </a:fontRef>
+        </p:style>
+      </p:cxnSp>
+      <p:sp>
+        <p:nvSpPr>
+          <p:cNvPr id="7" name="フリーフォーム 6">
+            <a:extLst>
+              <a:ext uri="{FF2B5EF4-FFF2-40B4-BE49-F238E27FC236}">
+                <a16:creationId xmlns:a16="http://schemas.microsoft.com/office/drawing/2014/main" id="{B62FAA41-C927-1B46-931C-322DE534ED1B}"/>
+              </a:ext>
+            </a:extLst>
+          </p:cNvPr>
+          <p:cNvSpPr/>
+          <p:nvPr/>
+        </p:nvSpPr>
+        <p:spPr>
+          <a:xfrm>
+            <a:off x="3765312" y="738664"/>
+            <a:ext cx="2160240" cy="795496"/>
+          </a:xfrm>
+          <a:custGeom>
+            <a:avLst/>
+            <a:gdLst>
+              <a:gd name="connsiteX0" fmla="*/ 0 w 3830320"/>
+              <a:gd name="connsiteY0" fmla="*/ 538644 h 538644"/>
+              <a:gd name="connsiteX1" fmla="*/ 812800 w 3830320"/>
+              <a:gd name="connsiteY1" fmla="*/ 447204 h 538644"/>
+              <a:gd name="connsiteX2" fmla="*/ 1828800 w 3830320"/>
+              <a:gd name="connsiteY2" fmla="*/ 164 h 538644"/>
+              <a:gd name="connsiteX3" fmla="*/ 2702560 w 3830320"/>
+              <a:gd name="connsiteY3" fmla="*/ 396404 h 538644"/>
+              <a:gd name="connsiteX4" fmla="*/ 3169920 w 3830320"/>
+              <a:gd name="connsiteY4" fmla="*/ 508164 h 538644"/>
+              <a:gd name="connsiteX5" fmla="*/ 3830320 w 3830320"/>
+              <a:gd name="connsiteY5" fmla="*/ 538644 h 538644"/>
+            </a:gdLst>
+            <a:ahLst/>
+            <a:cxnLst>
+              <a:cxn ang="0">
+                <a:pos x="connsiteX0" y="connsiteY0"/>
+              </a:cxn>
+              <a:cxn ang="0">
+                <a:pos x="connsiteX1" y="connsiteY1"/>
+              </a:cxn>
+              <a:cxn ang="0">
+                <a:pos x="connsiteX2" y="connsiteY2"/>
+              </a:cxn>
+              <a:cxn ang="0">
+                <a:pos x="connsiteX3" y="connsiteY3"/>
+              </a:cxn>
+              <a:cxn ang="0">
+                <a:pos x="connsiteX4" y="connsiteY4"/>
+              </a:cxn>
+              <a:cxn ang="0">
+                <a:pos x="connsiteX5" y="connsiteY5"/>
+              </a:cxn>
+            </a:cxnLst>
+            <a:rect l="l" t="t" r="r" b="b"/>
+            <a:pathLst>
+              <a:path w="3830320" h="538644">
+                <a:moveTo>
+                  <a:pt x="0" y="538644"/>
+                </a:moveTo>
+                <a:cubicBezTo>
+                  <a:pt x="254000" y="537797"/>
+                  <a:pt x="508000" y="536951"/>
+                  <a:pt x="812800" y="447204"/>
+                </a:cubicBezTo>
+                <a:cubicBezTo>
+                  <a:pt x="1117600" y="357457"/>
+                  <a:pt x="1513840" y="8631"/>
+                  <a:pt x="1828800" y="164"/>
+                </a:cubicBezTo>
+                <a:cubicBezTo>
+                  <a:pt x="2143760" y="-8303"/>
+                  <a:pt x="2479040" y="311737"/>
+                  <a:pt x="2702560" y="396404"/>
+                </a:cubicBezTo>
+                <a:cubicBezTo>
+                  <a:pt x="2926080" y="481071"/>
+                  <a:pt x="2981960" y="484457"/>
+                  <a:pt x="3169920" y="508164"/>
+                </a:cubicBezTo>
+                <a:cubicBezTo>
+                  <a:pt x="3357880" y="531871"/>
+                  <a:pt x="3594100" y="535257"/>
+                  <a:pt x="3830320" y="538644"/>
+                </a:cubicBezTo>
+              </a:path>
+            </a:pathLst>
+          </a:custGeom>
+          <a:noFill/>
+          <a:ln>
+            <a:solidFill>
+              <a:schemeClr val="tx1"/>
+            </a:solidFill>
+          </a:ln>
+        </p:spPr>
+        <p:style>
+          <a:lnRef idx="2">
+            <a:schemeClr val="accent1">
+              <a:shade val="50000"/>
+            </a:schemeClr>
+          </a:lnRef>
+          <a:fillRef idx="1">
+            <a:schemeClr val="accent1"/>
+          </a:fillRef>
+          <a:effectRef idx="0">
+            <a:schemeClr val="accent1"/>
+          </a:effectRef>
+          <a:fontRef idx="minor">
+            <a:schemeClr val="lt1"/>
+          </a:fontRef>
+        </p:style>
+        <p:txBody>
+          <a:bodyPr rtlCol="0" anchor="ctr"/>
+          <a:lstStyle/>
+          <a:p>
+            <a:pPr algn="ctr"/>
+            <a:endParaRPr kumimoji="1" lang="ja-JP" altLang="en-US"/>
+          </a:p>
+        </p:txBody>
+      </p:sp>
+      <p:cxnSp>
+        <p:nvCxnSpPr>
+          <p:cNvPr id="9" name="直線矢印コネクタ 8">
+            <a:extLst>
+              <a:ext uri="{FF2B5EF4-FFF2-40B4-BE49-F238E27FC236}">
+                <a16:creationId xmlns:a16="http://schemas.microsoft.com/office/drawing/2014/main" id="{151F145B-7CBF-1242-9AD2-83AA43CBD6A7}"/>
+              </a:ext>
+            </a:extLst>
+          </p:cNvPr>
+          <p:cNvCxnSpPr>
+            <a:cxnSpLocks/>
+          </p:cNvCxnSpPr>
+          <p:nvPr/>
+        </p:nvCxnSpPr>
+        <p:spPr>
+          <a:xfrm>
+            <a:off x="4773424" y="738664"/>
+            <a:ext cx="0" cy="791846"/>
+          </a:xfrm>
+          <a:prstGeom prst="straightConnector1">
+            <a:avLst/>
+          </a:prstGeom>
+          <a:ln w="12700">
+            <a:solidFill>
+              <a:schemeClr val="tx1"/>
+            </a:solidFill>
+            <a:headEnd type="triangle"/>
+            <a:tailEnd type="triangle"/>
+          </a:ln>
+        </p:spPr>
+        <p:style>
+          <a:lnRef idx="1">
+            <a:schemeClr val="accent1"/>
+          </a:lnRef>
+          <a:fillRef idx="0">
+            <a:schemeClr val="accent1"/>
+          </a:fillRef>
+          <a:effectRef idx="0">
+            <a:schemeClr val="accent1"/>
+          </a:effectRef>
+          <a:fontRef idx="minor">
+            <a:schemeClr val="tx1"/>
+          </a:fontRef>
+        </p:style>
+      </p:cxnSp>
+      <p:sp>
+        <p:nvSpPr>
+          <p:cNvPr id="12" name="円/楕円 11">
+            <a:extLst>
+              <a:ext uri="{FF2B5EF4-FFF2-40B4-BE49-F238E27FC236}">
+                <a16:creationId xmlns:a16="http://schemas.microsoft.com/office/drawing/2014/main" id="{3D54CE3C-54BE-E04F-9A57-9303F780F428}"/>
+              </a:ext>
+            </a:extLst>
+          </p:cNvPr>
+          <p:cNvSpPr/>
+          <p:nvPr/>
+        </p:nvSpPr>
+        <p:spPr>
+          <a:xfrm>
+            <a:off x="2253144" y="1314728"/>
+            <a:ext cx="216024" cy="216024"/>
+          </a:xfrm>
+          <a:prstGeom prst="ellipse">
+            <a:avLst/>
+          </a:prstGeom>
+          <a:solidFill>
+            <a:srgbClr val="FF0000"/>
+          </a:solidFill>
+          <a:ln>
+            <a:solidFill>
+              <a:schemeClr val="tx1"/>
+            </a:solidFill>
+          </a:ln>
+        </p:spPr>
+        <p:style>
+          <a:lnRef idx="2">
+            <a:schemeClr val="accent1">
+              <a:shade val="50000"/>
+            </a:schemeClr>
+          </a:lnRef>
+          <a:fillRef idx="1">
+            <a:schemeClr val="accent1"/>
+          </a:fillRef>
+          <a:effectRef idx="0">
+            <a:schemeClr val="accent1"/>
+          </a:effectRef>
+          <a:fontRef idx="minor">
+            <a:schemeClr val="lt1"/>
+          </a:fontRef>
+        </p:style>
+        <p:txBody>
+          <a:bodyPr rtlCol="0" anchor="ctr"/>
+          <a:lstStyle/>
+          <a:p>
+            <a:pPr algn="ctr"/>
+            <a:endParaRPr kumimoji="1" lang="ja-JP" altLang="en-US"/>
+          </a:p>
+        </p:txBody>
+      </p:sp>
+      <p:cxnSp>
+        <p:nvCxnSpPr>
+          <p:cNvPr id="14" name="直線矢印コネクタ 13">
+            <a:extLst>
+              <a:ext uri="{FF2B5EF4-FFF2-40B4-BE49-F238E27FC236}">
+                <a16:creationId xmlns:a16="http://schemas.microsoft.com/office/drawing/2014/main" id="{E77ECE7B-9487-FE46-8B46-2AF5BD3F7A79}"/>
+              </a:ext>
+            </a:extLst>
+          </p:cNvPr>
+          <p:cNvCxnSpPr>
+            <a:cxnSpLocks/>
+          </p:cNvCxnSpPr>
+          <p:nvPr/>
+        </p:nvCxnSpPr>
+        <p:spPr>
+          <a:xfrm>
+            <a:off x="2470056" y="1407944"/>
+            <a:ext cx="415384" cy="0"/>
+          </a:xfrm>
+          <a:prstGeom prst="straightConnector1">
+            <a:avLst/>
+          </a:prstGeom>
+          <a:ln w="12700">
+            <a:solidFill>
+              <a:schemeClr val="tx1"/>
+            </a:solidFill>
+            <a:tailEnd type="triangle"/>
+          </a:ln>
+        </p:spPr>
+        <p:style>
+          <a:lnRef idx="1">
+            <a:schemeClr val="accent1"/>
+          </a:lnRef>
+          <a:fillRef idx="0">
+            <a:schemeClr val="accent1"/>
+          </a:fillRef>
+          <a:effectRef idx="0">
+            <a:schemeClr val="accent1"/>
+          </a:effectRef>
+          <a:fontRef idx="minor">
+            <a:schemeClr val="tx1"/>
+          </a:fontRef>
+        </p:style>
+      </p:cxnSp>
+      <mc:AlternateContent xmlns:mc="http://schemas.openxmlformats.org/markup-compatibility/2006">
+        <mc:Choice xmlns:a14="http://schemas.microsoft.com/office/drawing/2010/main" Requires="a14">
+          <p:sp>
+            <p:nvSpPr>
+              <p:cNvPr id="17" name="テキスト ボックス 16">
+                <a:extLst>
+                  <a:ext uri="{FF2B5EF4-FFF2-40B4-BE49-F238E27FC236}">
+                    <a16:creationId xmlns:a16="http://schemas.microsoft.com/office/drawing/2014/main" id="{81E22A73-14B4-A842-BC92-F9B427110616}"/>
+                  </a:ext>
+                </a:extLst>
+              </p:cNvPr>
+              <p:cNvSpPr txBox="1"/>
+              <p:nvPr/>
+            </p:nvSpPr>
+            <p:spPr>
+              <a:xfrm>
+                <a:off x="2570480" y="1102360"/>
+                <a:ext cx="184666" cy="276999"/>
+              </a:xfrm>
+              <a:prstGeom prst="rect">
+                <a:avLst/>
+              </a:prstGeom>
+              <a:noFill/>
+            </p:spPr>
+            <p:txBody>
+              <a:bodyPr wrap="none" lIns="0" tIns="0" rIns="0" bIns="0" rtlCol="0">
+                <a:spAutoFit/>
+              </a:bodyPr>
+              <a:lstStyle/>
+              <a:p>
+                <a14:m>
+                  <m:oMathPara xmlns:m="http://schemas.openxmlformats.org/officeDocument/2006/math">
+                    <m:oMathParaPr>
+                      <m:jc m:val="centerGroup"/>
+                    </m:oMathParaPr>
+                    <m:oMath xmlns:m="http://schemas.openxmlformats.org/officeDocument/2006/math">
+                      <m:r>
+                        <a:rPr kumimoji="1" lang="en-US" altLang="ja-JP" b="0" i="1">
+                          <a:latin typeface="Cambria Math" panose="02040503050406030204" pitchFamily="18" charset="0"/>
+                        </a:rPr>
+                        <m:t>𝑣</m:t>
+                      </m:r>
+                    </m:oMath>
+                  </m:oMathPara>
+                </a14:m>
+                <a:endParaRPr kumimoji="1" lang="ja-JP" altLang="en-US"/>
+              </a:p>
+            </p:txBody>
+          </p:sp>
+        </mc:Choice>
+        <mc:Fallback>
+          <p:sp>
+            <p:nvSpPr>
+              <p:cNvPr id="17" name="テキスト ボックス 16">
+                <a:extLst>
+                  <a:ext uri="{FF2B5EF4-FFF2-40B4-BE49-F238E27FC236}">
+                    <a16:creationId xmlns:a16="http://schemas.microsoft.com/office/drawing/2014/main" id="{81E22A73-14B4-A842-BC92-F9B427110616}"/>
+                  </a:ext>
+                </a:extLst>
+              </p:cNvPr>
+              <p:cNvSpPr txBox="1">
+                <a:spLocks noRot="1" noChangeAspect="1" noMove="1" noResize="1" noEditPoints="1" noAdjustHandles="1" noChangeArrowheads="1" noChangeShapeType="1" noTextEdit="1"/>
+              </p:cNvSpPr>
+              <p:nvPr/>
+            </p:nvSpPr>
+            <p:spPr>
+              <a:xfrm>
+                <a:off x="2570480" y="1102360"/>
+                <a:ext cx="184666" cy="276999"/>
+              </a:xfrm>
+              <a:prstGeom prst="rect">
+                <a:avLst/>
+              </a:prstGeom>
+              <a:blipFill>
+                <a:blip r:embed="rId2"/>
+                <a:stretch>
+                  <a:fillRect l="-12500" r="-6250"/>
+                </a:stretch>
+              </a:blipFill>
+            </p:spPr>
+            <p:txBody>
+              <a:bodyPr/>
+              <a:lstStyle/>
+              <a:p>
+                <a:r>
+                  <a:rPr lang="ja-JP" altLang="en-US">
+                    <a:noFill/>
+                  </a:rPr>
+                  <a:t> </a:t>
+                </a:r>
+              </a:p>
+            </p:txBody>
+          </p:sp>
+        </mc:Fallback>
+      </mc:AlternateContent>
+      <mc:AlternateContent xmlns:mc="http://schemas.openxmlformats.org/markup-compatibility/2006">
+        <mc:Choice xmlns:a14="http://schemas.microsoft.com/office/drawing/2010/main" Requires="a14">
+          <p:sp>
+            <p:nvSpPr>
+              <p:cNvPr id="18" name="テキスト ボックス 17">
+                <a:extLst>
+                  <a:ext uri="{FF2B5EF4-FFF2-40B4-BE49-F238E27FC236}">
+                    <a16:creationId xmlns:a16="http://schemas.microsoft.com/office/drawing/2014/main" id="{B31EE581-87CF-CC47-ADD7-0C4E8C39FFC7}"/>
+                  </a:ext>
+                </a:extLst>
+              </p:cNvPr>
+              <p:cNvSpPr txBox="1"/>
+              <p:nvPr/>
+            </p:nvSpPr>
+            <p:spPr>
+              <a:xfrm>
+                <a:off x="4876800" y="1082040"/>
+                <a:ext cx="184666" cy="276999"/>
+              </a:xfrm>
+              <a:prstGeom prst="rect">
+                <a:avLst/>
+              </a:prstGeom>
+              <a:noFill/>
+            </p:spPr>
+            <p:txBody>
+              <a:bodyPr wrap="none" lIns="0" tIns="0" rIns="0" bIns="0" rtlCol="0">
+                <a:spAutoFit/>
+              </a:bodyPr>
+              <a:lstStyle/>
+              <a:p>
+                <a14:m>
+                  <m:oMathPara xmlns:m="http://schemas.openxmlformats.org/officeDocument/2006/math">
+                    <m:oMathParaPr>
+                      <m:jc m:val="centerGroup"/>
+                    </m:oMathParaPr>
+                    <m:oMath xmlns:m="http://schemas.openxmlformats.org/officeDocument/2006/math">
+                      <m:r>
+                        <a:rPr kumimoji="1" lang="en-US" altLang="ja-JP" b="0" i="1">
+                          <a:latin typeface="Cambria Math" panose="02040503050406030204" pitchFamily="18" charset="0"/>
+                        </a:rPr>
+                        <m:t>h</m:t>
+                      </m:r>
+                    </m:oMath>
+                  </m:oMathPara>
+                </a14:m>
+                <a:endParaRPr kumimoji="1" lang="ja-JP" altLang="en-US"/>
+              </a:p>
+            </p:txBody>
+          </p:sp>
+        </mc:Choice>
+        <mc:Fallback>
+          <p:sp>
+            <p:nvSpPr>
+              <p:cNvPr id="18" name="テキスト ボックス 17">
+                <a:extLst>
+                  <a:ext uri="{FF2B5EF4-FFF2-40B4-BE49-F238E27FC236}">
+                    <a16:creationId xmlns:a16="http://schemas.microsoft.com/office/drawing/2014/main" id="{B31EE581-87CF-CC47-ADD7-0C4E8C39FFC7}"/>
+                  </a:ext>
+                </a:extLst>
+              </p:cNvPr>
+              <p:cNvSpPr txBox="1">
+                <a:spLocks noRot="1" noChangeAspect="1" noMove="1" noResize="1" noEditPoints="1" noAdjustHandles="1" noChangeArrowheads="1" noChangeShapeType="1" noTextEdit="1"/>
+              </p:cNvSpPr>
+              <p:nvPr/>
+            </p:nvSpPr>
+            <p:spPr>
+              <a:xfrm>
+                <a:off x="4876800" y="1082040"/>
+                <a:ext cx="184666" cy="276999"/>
+              </a:xfrm>
+              <a:prstGeom prst="rect">
+                <a:avLst/>
+              </a:prstGeom>
+              <a:blipFill>
+                <a:blip r:embed="rId3"/>
+                <a:stretch>
+                  <a:fillRect l="-33333" r="-20000" b="-4348"/>
+                </a:stretch>
+              </a:blipFill>
+            </p:spPr>
+            <p:txBody>
+              <a:bodyPr/>
+              <a:lstStyle/>
+              <a:p>
+                <a:r>
+                  <a:rPr lang="ja-JP" altLang="en-US">
+                    <a:noFill/>
+                  </a:rPr>
+                  <a:t> </a:t>
+                </a:r>
+              </a:p>
+            </p:txBody>
+          </p:sp>
+        </mc:Fallback>
+      </mc:AlternateContent>
+      <mc:AlternateContent xmlns:mc="http://schemas.openxmlformats.org/markup-compatibility/2006">
+        <mc:Choice xmlns:a14="http://schemas.microsoft.com/office/drawing/2010/main" Requires="a14">
+          <p:sp>
+            <p:nvSpPr>
+              <p:cNvPr id="19" name="テキスト ボックス 18">
+                <a:extLst>
+                  <a:ext uri="{FF2B5EF4-FFF2-40B4-BE49-F238E27FC236}">
+                    <a16:creationId xmlns:a16="http://schemas.microsoft.com/office/drawing/2014/main" id="{4C08DB26-4C2C-EA4A-A061-FE9AAB14F019}"/>
+                  </a:ext>
+                </a:extLst>
+              </p:cNvPr>
+              <p:cNvSpPr txBox="1"/>
+              <p:nvPr/>
+            </p:nvSpPr>
+            <p:spPr>
+              <a:xfrm>
+                <a:off x="5689600" y="116840"/>
+                <a:ext cx="1009187" cy="369332"/>
+              </a:xfrm>
+              <a:prstGeom prst="rect">
+                <a:avLst/>
+              </a:prstGeom>
+              <a:noFill/>
+            </p:spPr>
+            <p:txBody>
+              <a:bodyPr wrap="none" lIns="0" tIns="0" rIns="0" bIns="0" rtlCol="0">
+                <a:spAutoFit/>
+              </a:bodyPr>
+              <a:lstStyle/>
+              <a:p>
+                <a14:m>
+                  <m:oMathPara xmlns:m="http://schemas.openxmlformats.org/officeDocument/2006/math">
+                    <m:oMathParaPr>
+                      <m:jc m:val="centerGroup"/>
+                    </m:oMathParaPr>
+                    <m:oMath xmlns:m="http://schemas.openxmlformats.org/officeDocument/2006/math">
+                      <m:r>
+                        <a:rPr kumimoji="1" lang="en-US" altLang="ja-JP" sz="2400" b="0" i="1">
+                          <a:latin typeface="Cambria Math" panose="02040503050406030204" pitchFamily="18" charset="0"/>
+                        </a:rPr>
+                        <m:t>𝑣</m:t>
+                      </m:r>
+                      <m:r>
+                        <a:rPr kumimoji="1" lang="en-US" altLang="ja-JP" sz="2400" b="0" i="1">
+                          <a:latin typeface="Cambria Math" panose="02040503050406030204" pitchFamily="18" charset="0"/>
+                        </a:rPr>
+                        <m:t>&lt;</m:t>
+                      </m:r>
+                      <m:r>
+                        <a:rPr kumimoji="1" lang="en-US" altLang="ja-JP" sz="2400" b="0" i="1">
+                          <a:latin typeface="Cambria Math" panose="02040503050406030204" pitchFamily="18" charset="0"/>
+                        </a:rPr>
+                        <m:t>h𝑔</m:t>
+                      </m:r>
+                    </m:oMath>
+                  </m:oMathPara>
+                </a14:m>
+                <a:endParaRPr kumimoji="1" lang="ja-JP" altLang="en-US" sz="2400"/>
+              </a:p>
+            </p:txBody>
+          </p:sp>
+        </mc:Choice>
+        <mc:Fallback>
+          <p:sp>
+            <p:nvSpPr>
+              <p:cNvPr id="19" name="テキスト ボックス 18">
+                <a:extLst>
+                  <a:ext uri="{FF2B5EF4-FFF2-40B4-BE49-F238E27FC236}">
+                    <a16:creationId xmlns:a16="http://schemas.microsoft.com/office/drawing/2014/main" id="{4C08DB26-4C2C-EA4A-A061-FE9AAB14F019}"/>
+                  </a:ext>
+                </a:extLst>
+              </p:cNvPr>
+              <p:cNvSpPr txBox="1">
+                <a:spLocks noRot="1" noChangeAspect="1" noMove="1" noResize="1" noEditPoints="1" noAdjustHandles="1" noChangeArrowheads="1" noChangeShapeType="1" noTextEdit="1"/>
+              </p:cNvSpPr>
+              <p:nvPr/>
+            </p:nvSpPr>
+            <p:spPr>
+              <a:xfrm>
+                <a:off x="5689600" y="116840"/>
+                <a:ext cx="1009187" cy="369332"/>
+              </a:xfrm>
+              <a:prstGeom prst="rect">
+                <a:avLst/>
+              </a:prstGeom>
+              <a:blipFill>
+                <a:blip r:embed="rId4"/>
+                <a:stretch>
+                  <a:fillRect l="-2500" r="-10000" b="-33333"/>
+                </a:stretch>
+              </a:blipFill>
+            </p:spPr>
+            <p:txBody>
+              <a:bodyPr/>
+              <a:lstStyle/>
+              <a:p>
+                <a:r>
+                  <a:rPr lang="ja-JP" altLang="en-US">
+                    <a:noFill/>
+                  </a:rPr>
+                  <a:t> </a:t>
+                </a:r>
+              </a:p>
+            </p:txBody>
+          </p:sp>
+        </mc:Fallback>
+      </mc:AlternateContent>
+      <p:sp>
+        <p:nvSpPr>
+          <p:cNvPr id="20" name="テキスト ボックス 19">
+            <a:extLst>
+              <a:ext uri="{FF2B5EF4-FFF2-40B4-BE49-F238E27FC236}">
+                <a16:creationId xmlns:a16="http://schemas.microsoft.com/office/drawing/2014/main" id="{F101C866-A6A3-9145-9207-5C3D43CF9628}"/>
+              </a:ext>
+            </a:extLst>
+          </p:cNvPr>
+          <p:cNvSpPr txBox="1"/>
+          <p:nvPr/>
+        </p:nvSpPr>
+        <p:spPr>
+          <a:xfrm>
+            <a:off x="2255520" y="142240"/>
+            <a:ext cx="3416320" cy="369332"/>
+          </a:xfrm>
+          <a:prstGeom prst="rect">
+            <a:avLst/>
+          </a:prstGeom>
+          <a:noFill/>
+        </p:spPr>
+        <p:txBody>
+          <a:bodyPr wrap="none" rtlCol="0">
+            <a:spAutoFit/>
+          </a:bodyPr>
+          <a:lstStyle/>
+          <a:p>
+            <a:r>
+              <a:rPr kumimoji="1" lang="ja-JP" altLang="en-US"/>
+              <a:t>障壁の高さを超えられない初速</a:t>
+            </a:r>
+          </a:p>
+        </p:txBody>
+      </p:sp>
+      <p:grpSp>
+        <p:nvGrpSpPr>
+          <p:cNvPr id="60" name="グループ化 59">
+            <a:extLst>
+              <a:ext uri="{FF2B5EF4-FFF2-40B4-BE49-F238E27FC236}">
+                <a16:creationId xmlns:a16="http://schemas.microsoft.com/office/drawing/2014/main" id="{6E13C7AC-98F9-344F-89CC-5A1928529192}"/>
+              </a:ext>
+            </a:extLst>
+          </p:cNvPr>
+          <p:cNvGrpSpPr/>
+          <p:nvPr/>
+        </p:nvGrpSpPr>
+        <p:grpSpPr>
+          <a:xfrm>
+            <a:off x="1117600" y="3098800"/>
+            <a:ext cx="2987040" cy="812800"/>
+            <a:chOff x="1117600" y="3098800"/>
+            <a:chExt cx="2987040" cy="812800"/>
+          </a:xfrm>
+        </p:grpSpPr>
+        <p:cxnSp>
+          <p:nvCxnSpPr>
+            <p:cNvPr id="21" name="直線コネクタ 20">
+              <a:extLst>
+                <a:ext uri="{FF2B5EF4-FFF2-40B4-BE49-F238E27FC236}">
+                  <a16:creationId xmlns:a16="http://schemas.microsoft.com/office/drawing/2014/main" id="{805F77C5-ED79-2F4E-88D4-138F9C5D2612}"/>
+                </a:ext>
+              </a:extLst>
+            </p:cNvPr>
+            <p:cNvCxnSpPr>
+              <a:cxnSpLocks/>
+            </p:cNvCxnSpPr>
+            <p:nvPr/>
+          </p:nvCxnSpPr>
+          <p:spPr>
+            <a:xfrm>
+              <a:off x="1117600" y="3908192"/>
+              <a:ext cx="2987040" cy="0"/>
+            </a:xfrm>
+            <a:prstGeom prst="line">
+              <a:avLst/>
+            </a:prstGeom>
+            <a:ln w="12700">
+              <a:solidFill>
+                <a:schemeClr val="tx1"/>
+              </a:solidFill>
+            </a:ln>
+          </p:spPr>
+          <p:style>
+            <a:lnRef idx="1">
+              <a:schemeClr val="accent1"/>
+            </a:lnRef>
+            <a:fillRef idx="0">
+              <a:schemeClr val="accent1"/>
+            </a:fillRef>
+            <a:effectRef idx="0">
+              <a:schemeClr val="accent1"/>
+            </a:effectRef>
+            <a:fontRef idx="minor">
+              <a:schemeClr val="tx1"/>
+            </a:fontRef>
+          </p:style>
+        </p:cxnSp>
+        <p:sp>
+          <p:nvSpPr>
+            <p:cNvPr id="22" name="フリーフォーム 21">
+              <a:extLst>
+                <a:ext uri="{FF2B5EF4-FFF2-40B4-BE49-F238E27FC236}">
+                  <a16:creationId xmlns:a16="http://schemas.microsoft.com/office/drawing/2014/main" id="{C3ED4775-F447-AC48-9787-E7A02A1E2007}"/>
+                </a:ext>
+              </a:extLst>
+            </p:cNvPr>
+            <p:cNvSpPr/>
+            <p:nvPr/>
+          </p:nvSpPr>
+          <p:spPr>
+            <a:xfrm>
+              <a:off x="1692672" y="3116104"/>
+              <a:ext cx="2160240" cy="795496"/>
+            </a:xfrm>
+            <a:custGeom>
+              <a:avLst/>
+              <a:gdLst>
+                <a:gd name="connsiteX0" fmla="*/ 0 w 3830320"/>
+                <a:gd name="connsiteY0" fmla="*/ 538644 h 538644"/>
+                <a:gd name="connsiteX1" fmla="*/ 812800 w 3830320"/>
+                <a:gd name="connsiteY1" fmla="*/ 447204 h 538644"/>
+                <a:gd name="connsiteX2" fmla="*/ 1828800 w 3830320"/>
+                <a:gd name="connsiteY2" fmla="*/ 164 h 538644"/>
+                <a:gd name="connsiteX3" fmla="*/ 2702560 w 3830320"/>
+                <a:gd name="connsiteY3" fmla="*/ 396404 h 538644"/>
+                <a:gd name="connsiteX4" fmla="*/ 3169920 w 3830320"/>
+                <a:gd name="connsiteY4" fmla="*/ 508164 h 538644"/>
+                <a:gd name="connsiteX5" fmla="*/ 3830320 w 3830320"/>
+                <a:gd name="connsiteY5" fmla="*/ 538644 h 538644"/>
+              </a:gdLst>
+              <a:ahLst/>
+              <a:cxnLst>
+                <a:cxn ang="0">
+                  <a:pos x="connsiteX0" y="connsiteY0"/>
+                </a:cxn>
+                <a:cxn ang="0">
+                  <a:pos x="connsiteX1" y="connsiteY1"/>
+                </a:cxn>
+                <a:cxn ang="0">
+                  <a:pos x="connsiteX2" y="connsiteY2"/>
+                </a:cxn>
+                <a:cxn ang="0">
+                  <a:pos x="connsiteX3" y="connsiteY3"/>
+                </a:cxn>
+                <a:cxn ang="0">
+                  <a:pos x="connsiteX4" y="connsiteY4"/>
+                </a:cxn>
+                <a:cxn ang="0">
+                  <a:pos x="connsiteX5" y="connsiteY5"/>
+                </a:cxn>
+              </a:cxnLst>
+              <a:rect l="l" t="t" r="r" b="b"/>
+              <a:pathLst>
+                <a:path w="3830320" h="538644">
+                  <a:moveTo>
+                    <a:pt x="0" y="538644"/>
+                  </a:moveTo>
+                  <a:cubicBezTo>
+                    <a:pt x="254000" y="537797"/>
+                    <a:pt x="508000" y="536951"/>
+                    <a:pt x="812800" y="447204"/>
+                  </a:cubicBezTo>
+                  <a:cubicBezTo>
+                    <a:pt x="1117600" y="357457"/>
+                    <a:pt x="1513840" y="8631"/>
+                    <a:pt x="1828800" y="164"/>
+                  </a:cubicBezTo>
+                  <a:cubicBezTo>
+                    <a:pt x="2143760" y="-8303"/>
+                    <a:pt x="2479040" y="311737"/>
+                    <a:pt x="2702560" y="396404"/>
+                  </a:cubicBezTo>
+                  <a:cubicBezTo>
+                    <a:pt x="2926080" y="481071"/>
+                    <a:pt x="2981960" y="484457"/>
+                    <a:pt x="3169920" y="508164"/>
+                  </a:cubicBezTo>
+                  <a:cubicBezTo>
+                    <a:pt x="3357880" y="531871"/>
+                    <a:pt x="3594100" y="535257"/>
+                    <a:pt x="3830320" y="538644"/>
+                  </a:cubicBezTo>
+                </a:path>
+              </a:pathLst>
+            </a:custGeom>
+            <a:noFill/>
+            <a:ln>
+              <a:solidFill>
+                <a:schemeClr val="tx1"/>
+              </a:solidFill>
+            </a:ln>
+          </p:spPr>
+          <p:style>
+            <a:lnRef idx="2">
+              <a:schemeClr val="accent1">
+                <a:shade val="50000"/>
+              </a:schemeClr>
+            </a:lnRef>
+            <a:fillRef idx="1">
+              <a:schemeClr val="accent1"/>
+            </a:fillRef>
+            <a:effectRef idx="0">
+              <a:schemeClr val="accent1"/>
+            </a:effectRef>
+            <a:fontRef idx="minor">
+              <a:schemeClr val="lt1"/>
+            </a:fontRef>
+          </p:style>
+          <p:txBody>
+            <a:bodyPr rtlCol="0" anchor="ctr"/>
+            <a:lstStyle/>
+            <a:p>
+              <a:pPr algn="ctr"/>
+              <a:endParaRPr kumimoji="1" lang="ja-JP" altLang="en-US"/>
+            </a:p>
+          </p:txBody>
+        </p:sp>
+        <p:sp>
+          <p:nvSpPr>
+            <p:cNvPr id="24" name="円/楕円 23">
+              <a:extLst>
+                <a:ext uri="{FF2B5EF4-FFF2-40B4-BE49-F238E27FC236}">
+                  <a16:creationId xmlns:a16="http://schemas.microsoft.com/office/drawing/2014/main" id="{2D86B5DD-6E60-AA40-A66B-636A57EB8398}"/>
+                </a:ext>
+              </a:extLst>
+            </p:cNvPr>
+            <p:cNvSpPr/>
+            <p:nvPr/>
+          </p:nvSpPr>
+          <p:spPr>
+            <a:xfrm>
+              <a:off x="2222664" y="3255288"/>
+              <a:ext cx="216024" cy="216024"/>
+            </a:xfrm>
+            <a:prstGeom prst="ellipse">
+              <a:avLst/>
+            </a:prstGeom>
+            <a:solidFill>
+              <a:srgbClr val="FF0000"/>
+            </a:solidFill>
+            <a:ln>
+              <a:solidFill>
+                <a:schemeClr val="tx1"/>
+              </a:solidFill>
+            </a:ln>
+          </p:spPr>
+          <p:style>
+            <a:lnRef idx="2">
+              <a:schemeClr val="accent1">
+                <a:shade val="50000"/>
+              </a:schemeClr>
+            </a:lnRef>
+            <a:fillRef idx="1">
+              <a:schemeClr val="accent1"/>
+            </a:fillRef>
+            <a:effectRef idx="0">
+              <a:schemeClr val="accent1"/>
+            </a:effectRef>
+            <a:fontRef idx="minor">
+              <a:schemeClr val="lt1"/>
+            </a:fontRef>
+          </p:style>
+          <p:txBody>
+            <a:bodyPr rtlCol="0" anchor="ctr"/>
+            <a:lstStyle/>
+            <a:p>
+              <a:pPr algn="ctr"/>
+              <a:endParaRPr kumimoji="1" lang="ja-JP" altLang="en-US"/>
+            </a:p>
+          </p:txBody>
+        </p:sp>
+        <p:cxnSp>
+          <p:nvCxnSpPr>
+            <p:cNvPr id="34" name="直線矢印コネクタ 33">
+              <a:extLst>
+                <a:ext uri="{FF2B5EF4-FFF2-40B4-BE49-F238E27FC236}">
+                  <a16:creationId xmlns:a16="http://schemas.microsoft.com/office/drawing/2014/main" id="{5DA6A7C9-03A2-2644-B203-E9F4D7639A27}"/>
+                </a:ext>
+              </a:extLst>
+            </p:cNvPr>
+            <p:cNvCxnSpPr>
+              <a:cxnSpLocks/>
+            </p:cNvCxnSpPr>
+            <p:nvPr/>
+          </p:nvCxnSpPr>
+          <p:spPr>
+            <a:xfrm flipV="1">
+              <a:off x="2407920" y="3098800"/>
+              <a:ext cx="132080" cy="162560"/>
+            </a:xfrm>
+            <a:prstGeom prst="straightConnector1">
+              <a:avLst/>
+            </a:prstGeom>
+            <a:ln w="12700">
+              <a:solidFill>
+                <a:schemeClr val="tx1"/>
+              </a:solidFill>
+              <a:tailEnd type="triangle"/>
+            </a:ln>
+          </p:spPr>
+          <p:style>
+            <a:lnRef idx="1">
+              <a:schemeClr val="accent1"/>
+            </a:lnRef>
+            <a:fillRef idx="0">
+              <a:schemeClr val="accent1"/>
+            </a:fillRef>
+            <a:effectRef idx="0">
+              <a:schemeClr val="accent1"/>
+            </a:effectRef>
+            <a:fontRef idx="minor">
+              <a:schemeClr val="tx1"/>
+            </a:fontRef>
+          </p:style>
+        </p:cxnSp>
+      </p:grpSp>
+      <p:grpSp>
+        <p:nvGrpSpPr>
+          <p:cNvPr id="61" name="グループ化 60">
+            <a:extLst>
+              <a:ext uri="{FF2B5EF4-FFF2-40B4-BE49-F238E27FC236}">
+                <a16:creationId xmlns:a16="http://schemas.microsoft.com/office/drawing/2014/main" id="{EE12B1AC-74A9-2640-9A31-0FB55D32DB11}"/>
+              </a:ext>
+            </a:extLst>
+          </p:cNvPr>
+          <p:cNvGrpSpPr/>
+          <p:nvPr/>
+        </p:nvGrpSpPr>
+        <p:grpSpPr>
+          <a:xfrm>
+            <a:off x="4958080" y="3098800"/>
+            <a:ext cx="2987040" cy="812800"/>
+            <a:chOff x="4958080" y="3098800"/>
+            <a:chExt cx="2987040" cy="812800"/>
+          </a:xfrm>
+        </p:grpSpPr>
+        <p:cxnSp>
+          <p:nvCxnSpPr>
+            <p:cNvPr id="30" name="直線コネクタ 29">
+              <a:extLst>
+                <a:ext uri="{FF2B5EF4-FFF2-40B4-BE49-F238E27FC236}">
+                  <a16:creationId xmlns:a16="http://schemas.microsoft.com/office/drawing/2014/main" id="{F8B8F3EF-D14A-E146-A885-8E123B6C7E9A}"/>
+                </a:ext>
+              </a:extLst>
+            </p:cNvPr>
+            <p:cNvCxnSpPr>
+              <a:cxnSpLocks/>
+            </p:cNvCxnSpPr>
+            <p:nvPr/>
+          </p:nvCxnSpPr>
+          <p:spPr>
+            <a:xfrm>
+              <a:off x="4958080" y="3908192"/>
+              <a:ext cx="2987040" cy="0"/>
+            </a:xfrm>
+            <a:prstGeom prst="line">
+              <a:avLst/>
+            </a:prstGeom>
+            <a:ln w="12700">
+              <a:solidFill>
+                <a:schemeClr val="tx1"/>
+              </a:solidFill>
+            </a:ln>
+          </p:spPr>
+          <p:style>
+            <a:lnRef idx="1">
+              <a:schemeClr val="accent1"/>
+            </a:lnRef>
+            <a:fillRef idx="0">
+              <a:schemeClr val="accent1"/>
+            </a:fillRef>
+            <a:effectRef idx="0">
+              <a:schemeClr val="accent1"/>
+            </a:effectRef>
+            <a:fontRef idx="minor">
+              <a:schemeClr val="tx1"/>
+            </a:fontRef>
+          </p:style>
+        </p:cxnSp>
+        <p:sp>
+          <p:nvSpPr>
+            <p:cNvPr id="31" name="フリーフォーム 30">
+              <a:extLst>
+                <a:ext uri="{FF2B5EF4-FFF2-40B4-BE49-F238E27FC236}">
+                  <a16:creationId xmlns:a16="http://schemas.microsoft.com/office/drawing/2014/main" id="{521DFE44-3029-4947-8C26-04E17F65C60A}"/>
+                </a:ext>
+              </a:extLst>
+            </p:cNvPr>
+            <p:cNvSpPr/>
+            <p:nvPr/>
+          </p:nvSpPr>
+          <p:spPr>
+            <a:xfrm>
+              <a:off x="5533152" y="3116104"/>
+              <a:ext cx="2160240" cy="795496"/>
+            </a:xfrm>
+            <a:custGeom>
+              <a:avLst/>
+              <a:gdLst>
+                <a:gd name="connsiteX0" fmla="*/ 0 w 3830320"/>
+                <a:gd name="connsiteY0" fmla="*/ 538644 h 538644"/>
+                <a:gd name="connsiteX1" fmla="*/ 812800 w 3830320"/>
+                <a:gd name="connsiteY1" fmla="*/ 447204 h 538644"/>
+                <a:gd name="connsiteX2" fmla="*/ 1828800 w 3830320"/>
+                <a:gd name="connsiteY2" fmla="*/ 164 h 538644"/>
+                <a:gd name="connsiteX3" fmla="*/ 2702560 w 3830320"/>
+                <a:gd name="connsiteY3" fmla="*/ 396404 h 538644"/>
+                <a:gd name="connsiteX4" fmla="*/ 3169920 w 3830320"/>
+                <a:gd name="connsiteY4" fmla="*/ 508164 h 538644"/>
+                <a:gd name="connsiteX5" fmla="*/ 3830320 w 3830320"/>
+                <a:gd name="connsiteY5" fmla="*/ 538644 h 538644"/>
+              </a:gdLst>
+              <a:ahLst/>
+              <a:cxnLst>
+                <a:cxn ang="0">
+                  <a:pos x="connsiteX0" y="connsiteY0"/>
+                </a:cxn>
+                <a:cxn ang="0">
+                  <a:pos x="connsiteX1" y="connsiteY1"/>
+                </a:cxn>
+                <a:cxn ang="0">
+                  <a:pos x="connsiteX2" y="connsiteY2"/>
+                </a:cxn>
+                <a:cxn ang="0">
+                  <a:pos x="connsiteX3" y="connsiteY3"/>
+                </a:cxn>
+                <a:cxn ang="0">
+                  <a:pos x="connsiteX4" y="connsiteY4"/>
+                </a:cxn>
+                <a:cxn ang="0">
+                  <a:pos x="connsiteX5" y="connsiteY5"/>
+                </a:cxn>
+              </a:cxnLst>
+              <a:rect l="l" t="t" r="r" b="b"/>
+              <a:pathLst>
+                <a:path w="3830320" h="538644">
+                  <a:moveTo>
+                    <a:pt x="0" y="538644"/>
+                  </a:moveTo>
+                  <a:cubicBezTo>
+                    <a:pt x="254000" y="537797"/>
+                    <a:pt x="508000" y="536951"/>
+                    <a:pt x="812800" y="447204"/>
+                  </a:cubicBezTo>
+                  <a:cubicBezTo>
+                    <a:pt x="1117600" y="357457"/>
+                    <a:pt x="1513840" y="8631"/>
+                    <a:pt x="1828800" y="164"/>
+                  </a:cubicBezTo>
+                  <a:cubicBezTo>
+                    <a:pt x="2143760" y="-8303"/>
+                    <a:pt x="2479040" y="311737"/>
+                    <a:pt x="2702560" y="396404"/>
+                  </a:cubicBezTo>
+                  <a:cubicBezTo>
+                    <a:pt x="2926080" y="481071"/>
+                    <a:pt x="2981960" y="484457"/>
+                    <a:pt x="3169920" y="508164"/>
+                  </a:cubicBezTo>
+                  <a:cubicBezTo>
+                    <a:pt x="3357880" y="531871"/>
+                    <a:pt x="3594100" y="535257"/>
+                    <a:pt x="3830320" y="538644"/>
+                  </a:cubicBezTo>
+                </a:path>
+              </a:pathLst>
+            </a:custGeom>
+            <a:noFill/>
+            <a:ln>
+              <a:solidFill>
+                <a:schemeClr val="tx1"/>
+              </a:solidFill>
+            </a:ln>
+          </p:spPr>
+          <p:style>
+            <a:lnRef idx="2">
+              <a:schemeClr val="accent1">
+                <a:shade val="50000"/>
+              </a:schemeClr>
+            </a:lnRef>
+            <a:fillRef idx="1">
+              <a:schemeClr val="accent1"/>
+            </a:fillRef>
+            <a:effectRef idx="0">
+              <a:schemeClr val="accent1"/>
+            </a:effectRef>
+            <a:fontRef idx="minor">
+              <a:schemeClr val="lt1"/>
+            </a:fontRef>
+          </p:style>
+          <p:txBody>
+            <a:bodyPr rtlCol="0" anchor="ctr"/>
+            <a:lstStyle/>
+            <a:p>
+              <a:pPr algn="ctr"/>
+              <a:endParaRPr kumimoji="1" lang="ja-JP" altLang="en-US"/>
+            </a:p>
+          </p:txBody>
+        </p:sp>
+        <p:sp>
+          <p:nvSpPr>
+            <p:cNvPr id="32" name="円/楕円 31">
+              <a:extLst>
+                <a:ext uri="{FF2B5EF4-FFF2-40B4-BE49-F238E27FC236}">
+                  <a16:creationId xmlns:a16="http://schemas.microsoft.com/office/drawing/2014/main" id="{37A5CE6C-141C-7A48-A212-EE07809E4E07}"/>
+                </a:ext>
+              </a:extLst>
+            </p:cNvPr>
+            <p:cNvSpPr/>
+            <p:nvPr/>
+          </p:nvSpPr>
+          <p:spPr>
+            <a:xfrm>
+              <a:off x="5290984" y="3692168"/>
+              <a:ext cx="216024" cy="216024"/>
+            </a:xfrm>
+            <a:prstGeom prst="ellipse">
+              <a:avLst/>
+            </a:prstGeom>
+            <a:solidFill>
+              <a:srgbClr val="FF0000"/>
+            </a:solidFill>
+            <a:ln>
+              <a:solidFill>
+                <a:schemeClr val="tx1"/>
+              </a:solidFill>
+            </a:ln>
+          </p:spPr>
+          <p:style>
+            <a:lnRef idx="2">
+              <a:schemeClr val="accent1">
+                <a:shade val="50000"/>
+              </a:schemeClr>
+            </a:lnRef>
+            <a:fillRef idx="1">
+              <a:schemeClr val="accent1"/>
+            </a:fillRef>
+            <a:effectRef idx="0">
+              <a:schemeClr val="accent1"/>
+            </a:effectRef>
+            <a:fontRef idx="minor">
+              <a:schemeClr val="lt1"/>
+            </a:fontRef>
+          </p:style>
+          <p:txBody>
+            <a:bodyPr rtlCol="0" anchor="ctr"/>
+            <a:lstStyle/>
+            <a:p>
+              <a:pPr algn="ctr"/>
+              <a:endParaRPr kumimoji="1" lang="ja-JP" altLang="en-US"/>
+            </a:p>
+          </p:txBody>
+        </p:sp>
+        <p:sp>
+          <p:nvSpPr>
+            <p:cNvPr id="36" name="フリーフォーム 35">
+              <a:extLst>
+                <a:ext uri="{FF2B5EF4-FFF2-40B4-BE49-F238E27FC236}">
+                  <a16:creationId xmlns:a16="http://schemas.microsoft.com/office/drawing/2014/main" id="{A738A9AF-45A7-904B-A5EC-FFA2A74B1844}"/>
+                </a:ext>
+              </a:extLst>
+            </p:cNvPr>
+            <p:cNvSpPr/>
+            <p:nvPr/>
+          </p:nvSpPr>
+          <p:spPr>
+            <a:xfrm>
+              <a:off x="5577840" y="3098800"/>
+              <a:ext cx="690880" cy="660400"/>
+            </a:xfrm>
+            <a:custGeom>
+              <a:avLst/>
+              <a:gdLst>
+                <a:gd name="connsiteX0" fmla="*/ 690880 w 690880"/>
+                <a:gd name="connsiteY0" fmla="*/ 0 h 660400"/>
+                <a:gd name="connsiteX1" fmla="*/ 325120 w 690880"/>
+                <a:gd name="connsiteY1" fmla="*/ 467360 h 660400"/>
+                <a:gd name="connsiteX2" fmla="*/ 0 w 690880"/>
+                <a:gd name="connsiteY2" fmla="*/ 660400 h 660400"/>
+              </a:gdLst>
+              <a:ahLst/>
+              <a:cxnLst>
+                <a:cxn ang="0">
+                  <a:pos x="connsiteX0" y="connsiteY0"/>
+                </a:cxn>
+                <a:cxn ang="0">
+                  <a:pos x="connsiteX1" y="connsiteY1"/>
+                </a:cxn>
+                <a:cxn ang="0">
+                  <a:pos x="connsiteX2" y="connsiteY2"/>
+                </a:cxn>
+              </a:cxnLst>
+              <a:rect l="l" t="t" r="r" b="b"/>
+              <a:pathLst>
+                <a:path w="690880" h="660400">
+                  <a:moveTo>
+                    <a:pt x="690880" y="0"/>
+                  </a:moveTo>
+                  <a:cubicBezTo>
+                    <a:pt x="565573" y="178646"/>
+                    <a:pt x="440267" y="357293"/>
+                    <a:pt x="325120" y="467360"/>
+                  </a:cubicBezTo>
+                  <a:cubicBezTo>
+                    <a:pt x="209973" y="577427"/>
+                    <a:pt x="104986" y="618913"/>
+                    <a:pt x="0" y="660400"/>
+                  </a:cubicBezTo>
+                </a:path>
+              </a:pathLst>
+            </a:custGeom>
+            <a:noFill/>
+            <a:ln>
+              <a:solidFill>
+                <a:schemeClr val="tx1"/>
+              </a:solidFill>
+              <a:headEnd type="none" w="med" len="med"/>
+              <a:tailEnd type="triangle" w="med" len="med"/>
+            </a:ln>
+          </p:spPr>
+          <p:style>
+            <a:lnRef idx="2">
+              <a:schemeClr val="accent1">
+                <a:shade val="50000"/>
+              </a:schemeClr>
+            </a:lnRef>
+            <a:fillRef idx="1">
+              <a:schemeClr val="accent1"/>
+            </a:fillRef>
+            <a:effectRef idx="0">
+              <a:schemeClr val="accent1"/>
+            </a:effectRef>
+            <a:fontRef idx="minor">
+              <a:schemeClr val="lt1"/>
+            </a:fontRef>
+          </p:style>
+          <p:txBody>
+            <a:bodyPr rtlCol="0" anchor="ctr"/>
+            <a:lstStyle/>
+            <a:p>
+              <a:pPr algn="ctr"/>
+              <a:endParaRPr kumimoji="1" lang="ja-JP" altLang="en-US"/>
+            </a:p>
+          </p:txBody>
+        </p:sp>
+      </p:grpSp>
+      <p:sp>
+        <p:nvSpPr>
+          <p:cNvPr id="37" name="右矢印 36">
+            <a:extLst>
+              <a:ext uri="{FF2B5EF4-FFF2-40B4-BE49-F238E27FC236}">
+                <a16:creationId xmlns:a16="http://schemas.microsoft.com/office/drawing/2014/main" id="{66AD449F-88A3-9542-9D50-248793984898}"/>
+              </a:ext>
+            </a:extLst>
+          </p:cNvPr>
+          <p:cNvSpPr/>
+          <p:nvPr/>
+        </p:nvSpPr>
+        <p:spPr>
+          <a:xfrm>
+            <a:off x="4274096" y="3291840"/>
+            <a:ext cx="426997" cy="320248"/>
+          </a:xfrm>
+          <a:prstGeom prst="rightArrow">
+            <a:avLst/>
+          </a:prstGeom>
+          <a:solidFill>
+            <a:srgbClr val="FF0000"/>
+          </a:solidFill>
+          <a:ln>
+            <a:solidFill>
+              <a:schemeClr val="tx1"/>
+            </a:solidFill>
+          </a:ln>
+        </p:spPr>
+        <p:style>
+          <a:lnRef idx="2">
+            <a:schemeClr val="accent1">
+              <a:shade val="50000"/>
+            </a:schemeClr>
+          </a:lnRef>
+          <a:fillRef idx="1">
+            <a:schemeClr val="accent1"/>
+          </a:fillRef>
+          <a:effectRef idx="0">
+            <a:schemeClr val="accent1"/>
+          </a:effectRef>
+          <a:fontRef idx="minor">
+            <a:schemeClr val="lt1"/>
+          </a:fontRef>
+        </p:style>
+        <p:txBody>
+          <a:bodyPr rtlCol="0" anchor="ctr"/>
+          <a:lstStyle/>
+          <a:p>
+            <a:pPr algn="ctr"/>
+            <a:endParaRPr kumimoji="1" lang="ja-JP" altLang="en-US"/>
+          </a:p>
+        </p:txBody>
+      </p:sp>
+      <p:sp>
+        <p:nvSpPr>
+          <p:cNvPr id="38" name="テキスト ボックス 37">
+            <a:extLst>
+              <a:ext uri="{FF2B5EF4-FFF2-40B4-BE49-F238E27FC236}">
+                <a16:creationId xmlns:a16="http://schemas.microsoft.com/office/drawing/2014/main" id="{F171BB10-3480-B24D-8983-0561A86DB012}"/>
+              </a:ext>
+            </a:extLst>
+          </p:cNvPr>
+          <p:cNvSpPr txBox="1"/>
+          <p:nvPr/>
+        </p:nvSpPr>
+        <p:spPr>
+          <a:xfrm>
+            <a:off x="355600" y="1981200"/>
+            <a:ext cx="1569660" cy="369332"/>
+          </a:xfrm>
+          <a:prstGeom prst="rect">
+            <a:avLst/>
+          </a:prstGeom>
+          <a:noFill/>
+        </p:spPr>
+        <p:txBody>
+          <a:bodyPr wrap="none" rtlCol="0">
+            <a:spAutoFit/>
+          </a:bodyPr>
+          <a:lstStyle/>
+          <a:p>
+            <a:r>
+              <a:rPr kumimoji="1" lang="ja-JP" altLang="en-US"/>
+              <a:t>古典系の場合</a:t>
+            </a:r>
+          </a:p>
+        </p:txBody>
+      </p:sp>
+      <p:sp>
+        <p:nvSpPr>
+          <p:cNvPr id="39" name="テキスト ボックス 38">
+            <a:extLst>
+              <a:ext uri="{FF2B5EF4-FFF2-40B4-BE49-F238E27FC236}">
+                <a16:creationId xmlns:a16="http://schemas.microsoft.com/office/drawing/2014/main" id="{5996A768-81E1-B54D-874F-FC2B5AB8A259}"/>
+              </a:ext>
+            </a:extLst>
+          </p:cNvPr>
+          <p:cNvSpPr txBox="1"/>
+          <p:nvPr/>
+        </p:nvSpPr>
+        <p:spPr>
+          <a:xfrm>
+            <a:off x="4815840" y="2357120"/>
+            <a:ext cx="3932487" cy="369332"/>
+          </a:xfrm>
+          <a:prstGeom prst="rect">
+            <a:avLst/>
+          </a:prstGeom>
+          <a:noFill/>
+        </p:spPr>
+        <p:txBody>
+          <a:bodyPr wrap="none" rtlCol="0">
+            <a:spAutoFit/>
+          </a:bodyPr>
+          <a:lstStyle/>
+          <a:p>
+            <a:r>
+              <a:rPr kumimoji="1" lang="ja-JP" altLang="en-US"/>
+              <a:t>坂を登りきれずに</a:t>
+            </a:r>
+            <a:r>
+              <a:rPr kumimoji="1" lang="en-US" altLang="ja-JP"/>
+              <a:t>100%</a:t>
+            </a:r>
+            <a:r>
+              <a:rPr kumimoji="1" lang="ja-JP" altLang="en-US"/>
+              <a:t>跳ね返される</a:t>
+            </a:r>
+          </a:p>
+        </p:txBody>
+      </p:sp>
+      <p:sp>
+        <p:nvSpPr>
+          <p:cNvPr id="40" name="テキスト ボックス 39">
+            <a:extLst>
+              <a:ext uri="{FF2B5EF4-FFF2-40B4-BE49-F238E27FC236}">
+                <a16:creationId xmlns:a16="http://schemas.microsoft.com/office/drawing/2014/main" id="{AA18BFF9-9913-1D47-804E-0961752C24E5}"/>
+              </a:ext>
+            </a:extLst>
+          </p:cNvPr>
+          <p:cNvSpPr txBox="1"/>
+          <p:nvPr/>
+        </p:nvSpPr>
+        <p:spPr>
+          <a:xfrm>
+            <a:off x="345440" y="4551680"/>
+            <a:ext cx="1569660" cy="369332"/>
+          </a:xfrm>
+          <a:prstGeom prst="rect">
+            <a:avLst/>
+          </a:prstGeom>
+          <a:noFill/>
+        </p:spPr>
+        <p:txBody>
+          <a:bodyPr wrap="none" rtlCol="0">
+            <a:spAutoFit/>
+          </a:bodyPr>
+          <a:lstStyle/>
+          <a:p>
+            <a:r>
+              <a:rPr lang="ja-JP" altLang="en-US"/>
+              <a:t>量子</a:t>
+            </a:r>
+            <a:r>
+              <a:rPr kumimoji="1" lang="ja-JP" altLang="en-US"/>
+              <a:t>系の場合</a:t>
+            </a:r>
+          </a:p>
+        </p:txBody>
+      </p:sp>
+      <p:grpSp>
+        <p:nvGrpSpPr>
+          <p:cNvPr id="63" name="グループ化 62">
+            <a:extLst>
+              <a:ext uri="{FF2B5EF4-FFF2-40B4-BE49-F238E27FC236}">
+                <a16:creationId xmlns:a16="http://schemas.microsoft.com/office/drawing/2014/main" id="{37C1089F-E522-3C49-A295-6078FE0B042C}"/>
+              </a:ext>
+            </a:extLst>
+          </p:cNvPr>
+          <p:cNvGrpSpPr/>
+          <p:nvPr/>
+        </p:nvGrpSpPr>
+        <p:grpSpPr>
+          <a:xfrm>
+            <a:off x="762000" y="5148104"/>
+            <a:ext cx="2987040" cy="795496"/>
+            <a:chOff x="762000" y="5148104"/>
+            <a:chExt cx="2987040" cy="795496"/>
+          </a:xfrm>
+        </p:grpSpPr>
+        <p:cxnSp>
+          <p:nvCxnSpPr>
+            <p:cNvPr id="41" name="直線コネクタ 40">
+              <a:extLst>
+                <a:ext uri="{FF2B5EF4-FFF2-40B4-BE49-F238E27FC236}">
+                  <a16:creationId xmlns:a16="http://schemas.microsoft.com/office/drawing/2014/main" id="{36FCD983-1FDE-7F48-932C-AFCC4D32366B}"/>
+                </a:ext>
+              </a:extLst>
+            </p:cNvPr>
+            <p:cNvCxnSpPr>
+              <a:cxnSpLocks/>
+            </p:cNvCxnSpPr>
+            <p:nvPr/>
+          </p:nvCxnSpPr>
+          <p:spPr>
+            <a:xfrm>
+              <a:off x="762000" y="5940192"/>
+              <a:ext cx="2987040" cy="0"/>
+            </a:xfrm>
+            <a:prstGeom prst="line">
+              <a:avLst/>
+            </a:prstGeom>
+            <a:ln w="12700">
+              <a:solidFill>
+                <a:schemeClr val="tx1"/>
+              </a:solidFill>
+            </a:ln>
+          </p:spPr>
+          <p:style>
+            <a:lnRef idx="1">
+              <a:schemeClr val="accent1"/>
+            </a:lnRef>
+            <a:fillRef idx="0">
+              <a:schemeClr val="accent1"/>
+            </a:fillRef>
+            <a:effectRef idx="0">
+              <a:schemeClr val="accent1"/>
+            </a:effectRef>
+            <a:fontRef idx="minor">
+              <a:schemeClr val="tx1"/>
+            </a:fontRef>
+          </p:style>
+        </p:cxnSp>
+        <p:sp>
+          <p:nvSpPr>
+            <p:cNvPr id="42" name="フリーフォーム 41">
+              <a:extLst>
+                <a:ext uri="{FF2B5EF4-FFF2-40B4-BE49-F238E27FC236}">
+                  <a16:creationId xmlns:a16="http://schemas.microsoft.com/office/drawing/2014/main" id="{175BA7B8-AF80-7349-A74C-516E42A74C3E}"/>
+                </a:ext>
+              </a:extLst>
+            </p:cNvPr>
+            <p:cNvSpPr/>
+            <p:nvPr/>
+          </p:nvSpPr>
+          <p:spPr>
+            <a:xfrm>
+              <a:off x="1337072" y="5148104"/>
+              <a:ext cx="2160240" cy="795496"/>
+            </a:xfrm>
+            <a:custGeom>
+              <a:avLst/>
+              <a:gdLst>
+                <a:gd name="connsiteX0" fmla="*/ 0 w 3830320"/>
+                <a:gd name="connsiteY0" fmla="*/ 538644 h 538644"/>
+                <a:gd name="connsiteX1" fmla="*/ 812800 w 3830320"/>
+                <a:gd name="connsiteY1" fmla="*/ 447204 h 538644"/>
+                <a:gd name="connsiteX2" fmla="*/ 1828800 w 3830320"/>
+                <a:gd name="connsiteY2" fmla="*/ 164 h 538644"/>
+                <a:gd name="connsiteX3" fmla="*/ 2702560 w 3830320"/>
+                <a:gd name="connsiteY3" fmla="*/ 396404 h 538644"/>
+                <a:gd name="connsiteX4" fmla="*/ 3169920 w 3830320"/>
+                <a:gd name="connsiteY4" fmla="*/ 508164 h 538644"/>
+                <a:gd name="connsiteX5" fmla="*/ 3830320 w 3830320"/>
+                <a:gd name="connsiteY5" fmla="*/ 538644 h 538644"/>
+              </a:gdLst>
+              <a:ahLst/>
+              <a:cxnLst>
+                <a:cxn ang="0">
+                  <a:pos x="connsiteX0" y="connsiteY0"/>
+                </a:cxn>
+                <a:cxn ang="0">
+                  <a:pos x="connsiteX1" y="connsiteY1"/>
+                </a:cxn>
+                <a:cxn ang="0">
+                  <a:pos x="connsiteX2" y="connsiteY2"/>
+                </a:cxn>
+                <a:cxn ang="0">
+                  <a:pos x="connsiteX3" y="connsiteY3"/>
+                </a:cxn>
+                <a:cxn ang="0">
+                  <a:pos x="connsiteX4" y="connsiteY4"/>
+                </a:cxn>
+                <a:cxn ang="0">
+                  <a:pos x="connsiteX5" y="connsiteY5"/>
+                </a:cxn>
+              </a:cxnLst>
+              <a:rect l="l" t="t" r="r" b="b"/>
+              <a:pathLst>
+                <a:path w="3830320" h="538644">
+                  <a:moveTo>
+                    <a:pt x="0" y="538644"/>
+                  </a:moveTo>
+                  <a:cubicBezTo>
+                    <a:pt x="254000" y="537797"/>
+                    <a:pt x="508000" y="536951"/>
+                    <a:pt x="812800" y="447204"/>
+                  </a:cubicBezTo>
+                  <a:cubicBezTo>
+                    <a:pt x="1117600" y="357457"/>
+                    <a:pt x="1513840" y="8631"/>
+                    <a:pt x="1828800" y="164"/>
+                  </a:cubicBezTo>
+                  <a:cubicBezTo>
+                    <a:pt x="2143760" y="-8303"/>
+                    <a:pt x="2479040" y="311737"/>
+                    <a:pt x="2702560" y="396404"/>
+                  </a:cubicBezTo>
+                  <a:cubicBezTo>
+                    <a:pt x="2926080" y="481071"/>
+                    <a:pt x="2981960" y="484457"/>
+                    <a:pt x="3169920" y="508164"/>
+                  </a:cubicBezTo>
+                  <a:cubicBezTo>
+                    <a:pt x="3357880" y="531871"/>
+                    <a:pt x="3594100" y="535257"/>
+                    <a:pt x="3830320" y="538644"/>
+                  </a:cubicBezTo>
+                </a:path>
+              </a:pathLst>
+            </a:custGeom>
+            <a:noFill/>
+            <a:ln>
+              <a:solidFill>
+                <a:schemeClr val="tx1"/>
+              </a:solidFill>
+            </a:ln>
+          </p:spPr>
+          <p:style>
+            <a:lnRef idx="2">
+              <a:schemeClr val="accent1">
+                <a:shade val="50000"/>
+              </a:schemeClr>
+            </a:lnRef>
+            <a:fillRef idx="1">
+              <a:schemeClr val="accent1"/>
+            </a:fillRef>
+            <a:effectRef idx="0">
+              <a:schemeClr val="accent1"/>
+            </a:effectRef>
+            <a:fontRef idx="minor">
+              <a:schemeClr val="lt1"/>
+            </a:fontRef>
+          </p:style>
+          <p:txBody>
+            <a:bodyPr rtlCol="0" anchor="ctr"/>
+            <a:lstStyle/>
+            <a:p>
+              <a:pPr algn="ctr"/>
+              <a:endParaRPr kumimoji="1" lang="ja-JP" altLang="en-US"/>
+            </a:p>
+          </p:txBody>
+        </p:sp>
+        <p:sp>
+          <p:nvSpPr>
+            <p:cNvPr id="43" name="円/楕円 42">
+              <a:extLst>
+                <a:ext uri="{FF2B5EF4-FFF2-40B4-BE49-F238E27FC236}">
+                  <a16:creationId xmlns:a16="http://schemas.microsoft.com/office/drawing/2014/main" id="{621A1338-92F4-334F-9D35-66ED7E65B702}"/>
+                </a:ext>
+              </a:extLst>
+            </p:cNvPr>
+            <p:cNvSpPr/>
+            <p:nvPr/>
+          </p:nvSpPr>
+          <p:spPr>
+            <a:xfrm>
+              <a:off x="810424" y="5714008"/>
+              <a:ext cx="216024" cy="216024"/>
+            </a:xfrm>
+            <a:prstGeom prst="ellipse">
+              <a:avLst/>
+            </a:prstGeom>
+            <a:solidFill>
+              <a:srgbClr val="FF0000"/>
+            </a:solidFill>
+            <a:ln>
+              <a:solidFill>
+                <a:schemeClr val="tx1"/>
+              </a:solidFill>
+            </a:ln>
+          </p:spPr>
+          <p:style>
+            <a:lnRef idx="2">
+              <a:schemeClr val="accent1">
+                <a:shade val="50000"/>
+              </a:schemeClr>
+            </a:lnRef>
+            <a:fillRef idx="1">
+              <a:schemeClr val="accent1"/>
+            </a:fillRef>
+            <a:effectRef idx="0">
+              <a:schemeClr val="accent1"/>
+            </a:effectRef>
+            <a:fontRef idx="minor">
+              <a:schemeClr val="lt1"/>
+            </a:fontRef>
+          </p:style>
+          <p:txBody>
+            <a:bodyPr rtlCol="0" anchor="ctr"/>
+            <a:lstStyle/>
+            <a:p>
+              <a:pPr algn="ctr"/>
+              <a:endParaRPr kumimoji="1" lang="ja-JP" altLang="en-US"/>
+            </a:p>
+          </p:txBody>
+        </p:sp>
+        <p:cxnSp>
+          <p:nvCxnSpPr>
+            <p:cNvPr id="45" name="直線矢印コネクタ 44">
+              <a:extLst>
+                <a:ext uri="{FF2B5EF4-FFF2-40B4-BE49-F238E27FC236}">
+                  <a16:creationId xmlns:a16="http://schemas.microsoft.com/office/drawing/2014/main" id="{FC1CEF80-C638-6547-A78B-3157CC33CFB0}"/>
+                </a:ext>
+              </a:extLst>
+            </p:cNvPr>
+            <p:cNvCxnSpPr>
+              <a:cxnSpLocks/>
+            </p:cNvCxnSpPr>
+            <p:nvPr/>
+          </p:nvCxnSpPr>
+          <p:spPr>
+            <a:xfrm>
+              <a:off x="1027336" y="5817384"/>
+              <a:ext cx="415384" cy="0"/>
+            </a:xfrm>
+            <a:prstGeom prst="straightConnector1">
+              <a:avLst/>
+            </a:prstGeom>
+            <a:ln w="12700">
+              <a:solidFill>
+                <a:schemeClr val="tx1"/>
+              </a:solidFill>
+              <a:tailEnd type="triangle"/>
+            </a:ln>
+          </p:spPr>
+          <p:style>
+            <a:lnRef idx="1">
+              <a:schemeClr val="accent1"/>
+            </a:lnRef>
+            <a:fillRef idx="0">
+              <a:schemeClr val="accent1"/>
+            </a:fillRef>
+            <a:effectRef idx="0">
+              <a:schemeClr val="accent1"/>
+            </a:effectRef>
+            <a:fontRef idx="minor">
+              <a:schemeClr val="tx1"/>
+            </a:fontRef>
+          </p:style>
+        </p:cxnSp>
+      </p:grpSp>
+      <p:sp>
+        <p:nvSpPr>
+          <p:cNvPr id="46" name="右矢印 45">
+            <a:extLst>
+              <a:ext uri="{FF2B5EF4-FFF2-40B4-BE49-F238E27FC236}">
+                <a16:creationId xmlns:a16="http://schemas.microsoft.com/office/drawing/2014/main" id="{56024AC8-5B78-2946-9D81-1E56ECABC22F}"/>
+              </a:ext>
+            </a:extLst>
+          </p:cNvPr>
+          <p:cNvSpPr/>
+          <p:nvPr/>
+        </p:nvSpPr>
+        <p:spPr>
+          <a:xfrm rot="19800000">
+            <a:off x="4172496" y="5242560"/>
+            <a:ext cx="426997" cy="320248"/>
+          </a:xfrm>
+          <a:prstGeom prst="rightArrow">
+            <a:avLst/>
+          </a:prstGeom>
+          <a:solidFill>
+            <a:srgbClr val="FF0000"/>
+          </a:solidFill>
+          <a:ln>
+            <a:solidFill>
+              <a:schemeClr val="tx1"/>
+            </a:solidFill>
+          </a:ln>
+        </p:spPr>
+        <p:style>
+          <a:lnRef idx="2">
+            <a:schemeClr val="accent1">
+              <a:shade val="50000"/>
+            </a:schemeClr>
+          </a:lnRef>
+          <a:fillRef idx="1">
+            <a:schemeClr val="accent1"/>
+          </a:fillRef>
+          <a:effectRef idx="0">
+            <a:schemeClr val="accent1"/>
+          </a:effectRef>
+          <a:fontRef idx="minor">
+            <a:schemeClr val="lt1"/>
+          </a:fontRef>
+        </p:style>
+        <p:txBody>
+          <a:bodyPr rtlCol="0" anchor="ctr"/>
+          <a:lstStyle/>
+          <a:p>
+            <a:pPr algn="ctr"/>
+            <a:endParaRPr kumimoji="1" lang="ja-JP" altLang="en-US"/>
+          </a:p>
+        </p:txBody>
+      </p:sp>
+      <p:sp>
+        <p:nvSpPr>
+          <p:cNvPr id="47" name="右矢印 46">
+            <a:extLst>
+              <a:ext uri="{FF2B5EF4-FFF2-40B4-BE49-F238E27FC236}">
+                <a16:creationId xmlns:a16="http://schemas.microsoft.com/office/drawing/2014/main" id="{B167B278-56A9-284E-B758-52128E795A18}"/>
+              </a:ext>
+            </a:extLst>
+          </p:cNvPr>
+          <p:cNvSpPr/>
+          <p:nvPr/>
+        </p:nvSpPr>
+        <p:spPr>
+          <a:xfrm rot="1800000">
+            <a:off x="4202976" y="6096000"/>
+            <a:ext cx="426997" cy="320248"/>
+          </a:xfrm>
+          <a:prstGeom prst="rightArrow">
+            <a:avLst/>
+          </a:prstGeom>
+          <a:solidFill>
+            <a:srgbClr val="FF0000"/>
+          </a:solidFill>
+          <a:ln>
+            <a:solidFill>
+              <a:schemeClr val="tx1"/>
+            </a:solidFill>
+          </a:ln>
+        </p:spPr>
+        <p:style>
+          <a:lnRef idx="2">
+            <a:schemeClr val="accent1">
+              <a:shade val="50000"/>
+            </a:schemeClr>
+          </a:lnRef>
+          <a:fillRef idx="1">
+            <a:schemeClr val="accent1"/>
+          </a:fillRef>
+          <a:effectRef idx="0">
+            <a:schemeClr val="accent1"/>
+          </a:effectRef>
+          <a:fontRef idx="minor">
+            <a:schemeClr val="lt1"/>
+          </a:fontRef>
+        </p:style>
+        <p:txBody>
+          <a:bodyPr rtlCol="0" anchor="ctr"/>
+          <a:lstStyle/>
+          <a:p>
+            <a:pPr algn="ctr"/>
+            <a:endParaRPr kumimoji="1" lang="ja-JP" altLang="en-US"/>
+          </a:p>
+        </p:txBody>
+      </p:sp>
+      <p:grpSp>
+        <p:nvGrpSpPr>
+          <p:cNvPr id="64" name="グループ化 63">
+            <a:extLst>
+              <a:ext uri="{FF2B5EF4-FFF2-40B4-BE49-F238E27FC236}">
+                <a16:creationId xmlns:a16="http://schemas.microsoft.com/office/drawing/2014/main" id="{F6CC4CDB-E61C-E24F-8FDF-4A8AAAC396A0}"/>
+              </a:ext>
+            </a:extLst>
+          </p:cNvPr>
+          <p:cNvGrpSpPr/>
+          <p:nvPr/>
+        </p:nvGrpSpPr>
+        <p:grpSpPr>
+          <a:xfrm>
+            <a:off x="4876800" y="5963920"/>
+            <a:ext cx="2987040" cy="812800"/>
+            <a:chOff x="4876800" y="5963920"/>
+            <a:chExt cx="2987040" cy="812800"/>
+          </a:xfrm>
+        </p:grpSpPr>
+        <p:cxnSp>
+          <p:nvCxnSpPr>
+            <p:cNvPr id="48" name="直線コネクタ 47">
+              <a:extLst>
+                <a:ext uri="{FF2B5EF4-FFF2-40B4-BE49-F238E27FC236}">
+                  <a16:creationId xmlns:a16="http://schemas.microsoft.com/office/drawing/2014/main" id="{2C76190F-0485-A648-952B-8045261A4A68}"/>
+                </a:ext>
+              </a:extLst>
+            </p:cNvPr>
+            <p:cNvCxnSpPr>
+              <a:cxnSpLocks/>
+            </p:cNvCxnSpPr>
+            <p:nvPr/>
+          </p:nvCxnSpPr>
+          <p:spPr>
+            <a:xfrm>
+              <a:off x="4876800" y="6773312"/>
+              <a:ext cx="2987040" cy="0"/>
+            </a:xfrm>
+            <a:prstGeom prst="line">
+              <a:avLst/>
+            </a:prstGeom>
+            <a:ln w="12700">
+              <a:solidFill>
+                <a:schemeClr val="tx1"/>
+              </a:solidFill>
+            </a:ln>
+          </p:spPr>
+          <p:style>
+            <a:lnRef idx="1">
+              <a:schemeClr val="accent1"/>
+            </a:lnRef>
+            <a:fillRef idx="0">
+              <a:schemeClr val="accent1"/>
+            </a:fillRef>
+            <a:effectRef idx="0">
+              <a:schemeClr val="accent1"/>
+            </a:effectRef>
+            <a:fontRef idx="minor">
+              <a:schemeClr val="tx1"/>
+            </a:fontRef>
+          </p:style>
+        </p:cxnSp>
+        <p:sp>
+          <p:nvSpPr>
+            <p:cNvPr id="49" name="フリーフォーム 48">
+              <a:extLst>
+                <a:ext uri="{FF2B5EF4-FFF2-40B4-BE49-F238E27FC236}">
+                  <a16:creationId xmlns:a16="http://schemas.microsoft.com/office/drawing/2014/main" id="{4620BCEE-4365-8C45-8386-0447EA0157ED}"/>
+                </a:ext>
+              </a:extLst>
+            </p:cNvPr>
+            <p:cNvSpPr/>
+            <p:nvPr/>
+          </p:nvSpPr>
+          <p:spPr>
+            <a:xfrm>
+              <a:off x="5451872" y="5981224"/>
+              <a:ext cx="2160240" cy="795496"/>
+            </a:xfrm>
+            <a:custGeom>
+              <a:avLst/>
+              <a:gdLst>
+                <a:gd name="connsiteX0" fmla="*/ 0 w 3830320"/>
+                <a:gd name="connsiteY0" fmla="*/ 538644 h 538644"/>
+                <a:gd name="connsiteX1" fmla="*/ 812800 w 3830320"/>
+                <a:gd name="connsiteY1" fmla="*/ 447204 h 538644"/>
+                <a:gd name="connsiteX2" fmla="*/ 1828800 w 3830320"/>
+                <a:gd name="connsiteY2" fmla="*/ 164 h 538644"/>
+                <a:gd name="connsiteX3" fmla="*/ 2702560 w 3830320"/>
+                <a:gd name="connsiteY3" fmla="*/ 396404 h 538644"/>
+                <a:gd name="connsiteX4" fmla="*/ 3169920 w 3830320"/>
+                <a:gd name="connsiteY4" fmla="*/ 508164 h 538644"/>
+                <a:gd name="connsiteX5" fmla="*/ 3830320 w 3830320"/>
+                <a:gd name="connsiteY5" fmla="*/ 538644 h 538644"/>
+              </a:gdLst>
+              <a:ahLst/>
+              <a:cxnLst>
+                <a:cxn ang="0">
+                  <a:pos x="connsiteX0" y="connsiteY0"/>
+                </a:cxn>
+                <a:cxn ang="0">
+                  <a:pos x="connsiteX1" y="connsiteY1"/>
+                </a:cxn>
+                <a:cxn ang="0">
+                  <a:pos x="connsiteX2" y="connsiteY2"/>
+                </a:cxn>
+                <a:cxn ang="0">
+                  <a:pos x="connsiteX3" y="connsiteY3"/>
+                </a:cxn>
+                <a:cxn ang="0">
+                  <a:pos x="connsiteX4" y="connsiteY4"/>
+                </a:cxn>
+                <a:cxn ang="0">
+                  <a:pos x="connsiteX5" y="connsiteY5"/>
+                </a:cxn>
+              </a:cxnLst>
+              <a:rect l="l" t="t" r="r" b="b"/>
+              <a:pathLst>
+                <a:path w="3830320" h="538644">
+                  <a:moveTo>
+                    <a:pt x="0" y="538644"/>
+                  </a:moveTo>
+                  <a:cubicBezTo>
+                    <a:pt x="254000" y="537797"/>
+                    <a:pt x="508000" y="536951"/>
+                    <a:pt x="812800" y="447204"/>
+                  </a:cubicBezTo>
+                  <a:cubicBezTo>
+                    <a:pt x="1117600" y="357457"/>
+                    <a:pt x="1513840" y="8631"/>
+                    <a:pt x="1828800" y="164"/>
+                  </a:cubicBezTo>
+                  <a:cubicBezTo>
+                    <a:pt x="2143760" y="-8303"/>
+                    <a:pt x="2479040" y="311737"/>
+                    <a:pt x="2702560" y="396404"/>
+                  </a:cubicBezTo>
+                  <a:cubicBezTo>
+                    <a:pt x="2926080" y="481071"/>
+                    <a:pt x="2981960" y="484457"/>
+                    <a:pt x="3169920" y="508164"/>
+                  </a:cubicBezTo>
+                  <a:cubicBezTo>
+                    <a:pt x="3357880" y="531871"/>
+                    <a:pt x="3594100" y="535257"/>
+                    <a:pt x="3830320" y="538644"/>
+                  </a:cubicBezTo>
+                </a:path>
+              </a:pathLst>
+            </a:custGeom>
+            <a:noFill/>
+            <a:ln>
+              <a:solidFill>
+                <a:schemeClr val="tx1"/>
+              </a:solidFill>
+            </a:ln>
+          </p:spPr>
+          <p:style>
+            <a:lnRef idx="2">
+              <a:schemeClr val="accent1">
+                <a:shade val="50000"/>
+              </a:schemeClr>
+            </a:lnRef>
+            <a:fillRef idx="1">
+              <a:schemeClr val="accent1"/>
+            </a:fillRef>
+            <a:effectRef idx="0">
+              <a:schemeClr val="accent1"/>
+            </a:effectRef>
+            <a:fontRef idx="minor">
+              <a:schemeClr val="lt1"/>
+            </a:fontRef>
+          </p:style>
+          <p:txBody>
+            <a:bodyPr rtlCol="0" anchor="ctr"/>
+            <a:lstStyle/>
+            <a:p>
+              <a:pPr algn="ctr"/>
+              <a:endParaRPr kumimoji="1" lang="ja-JP" altLang="en-US"/>
+            </a:p>
+          </p:txBody>
+        </p:sp>
+        <p:sp>
+          <p:nvSpPr>
+            <p:cNvPr id="50" name="円/楕円 49">
+              <a:extLst>
+                <a:ext uri="{FF2B5EF4-FFF2-40B4-BE49-F238E27FC236}">
+                  <a16:creationId xmlns:a16="http://schemas.microsoft.com/office/drawing/2014/main" id="{5EE03C1F-B925-BF44-8F44-69DAFC25E3F7}"/>
+                </a:ext>
+              </a:extLst>
+            </p:cNvPr>
+            <p:cNvSpPr/>
+            <p:nvPr/>
+          </p:nvSpPr>
+          <p:spPr>
+            <a:xfrm>
+              <a:off x="5209704" y="6557288"/>
+              <a:ext cx="216024" cy="216024"/>
+            </a:xfrm>
+            <a:prstGeom prst="ellipse">
+              <a:avLst/>
+            </a:prstGeom>
+            <a:solidFill>
+              <a:srgbClr val="FF0000"/>
+            </a:solidFill>
+            <a:ln>
+              <a:solidFill>
+                <a:schemeClr val="tx1"/>
+              </a:solidFill>
+            </a:ln>
+          </p:spPr>
+          <p:style>
+            <a:lnRef idx="2">
+              <a:schemeClr val="accent1">
+                <a:shade val="50000"/>
+              </a:schemeClr>
+            </a:lnRef>
+            <a:fillRef idx="1">
+              <a:schemeClr val="accent1"/>
+            </a:fillRef>
+            <a:effectRef idx="0">
+              <a:schemeClr val="accent1"/>
+            </a:effectRef>
+            <a:fontRef idx="minor">
+              <a:schemeClr val="lt1"/>
+            </a:fontRef>
+          </p:style>
+          <p:txBody>
+            <a:bodyPr rtlCol="0" anchor="ctr"/>
+            <a:lstStyle/>
+            <a:p>
+              <a:pPr algn="ctr"/>
+              <a:endParaRPr kumimoji="1" lang="ja-JP" altLang="en-US"/>
+            </a:p>
+          </p:txBody>
+        </p:sp>
+        <p:sp>
+          <p:nvSpPr>
+            <p:cNvPr id="51" name="フリーフォーム 50">
+              <a:extLst>
+                <a:ext uri="{FF2B5EF4-FFF2-40B4-BE49-F238E27FC236}">
+                  <a16:creationId xmlns:a16="http://schemas.microsoft.com/office/drawing/2014/main" id="{8215CDB7-BF49-1B49-999A-F291000DF2A9}"/>
+                </a:ext>
+              </a:extLst>
+            </p:cNvPr>
+            <p:cNvSpPr/>
+            <p:nvPr/>
+          </p:nvSpPr>
+          <p:spPr>
+            <a:xfrm>
+              <a:off x="5496560" y="5963920"/>
+              <a:ext cx="690880" cy="660400"/>
+            </a:xfrm>
+            <a:custGeom>
+              <a:avLst/>
+              <a:gdLst>
+                <a:gd name="connsiteX0" fmla="*/ 690880 w 690880"/>
+                <a:gd name="connsiteY0" fmla="*/ 0 h 660400"/>
+                <a:gd name="connsiteX1" fmla="*/ 325120 w 690880"/>
+                <a:gd name="connsiteY1" fmla="*/ 467360 h 660400"/>
+                <a:gd name="connsiteX2" fmla="*/ 0 w 690880"/>
+                <a:gd name="connsiteY2" fmla="*/ 660400 h 660400"/>
+              </a:gdLst>
+              <a:ahLst/>
+              <a:cxnLst>
+                <a:cxn ang="0">
+                  <a:pos x="connsiteX0" y="connsiteY0"/>
+                </a:cxn>
+                <a:cxn ang="0">
+                  <a:pos x="connsiteX1" y="connsiteY1"/>
+                </a:cxn>
+                <a:cxn ang="0">
+                  <a:pos x="connsiteX2" y="connsiteY2"/>
+                </a:cxn>
+              </a:cxnLst>
+              <a:rect l="l" t="t" r="r" b="b"/>
+              <a:pathLst>
+                <a:path w="690880" h="660400">
+                  <a:moveTo>
+                    <a:pt x="690880" y="0"/>
+                  </a:moveTo>
+                  <a:cubicBezTo>
+                    <a:pt x="565573" y="178646"/>
+                    <a:pt x="440267" y="357293"/>
+                    <a:pt x="325120" y="467360"/>
+                  </a:cubicBezTo>
+                  <a:cubicBezTo>
+                    <a:pt x="209973" y="577427"/>
+                    <a:pt x="104986" y="618913"/>
+                    <a:pt x="0" y="660400"/>
+                  </a:cubicBezTo>
+                </a:path>
+              </a:pathLst>
+            </a:custGeom>
+            <a:noFill/>
+            <a:ln>
+              <a:solidFill>
+                <a:schemeClr val="tx1"/>
+              </a:solidFill>
+              <a:headEnd type="none" w="med" len="med"/>
+              <a:tailEnd type="triangle" w="med" len="med"/>
+            </a:ln>
+          </p:spPr>
+          <p:style>
+            <a:lnRef idx="2">
+              <a:schemeClr val="accent1">
+                <a:shade val="50000"/>
+              </a:schemeClr>
+            </a:lnRef>
+            <a:fillRef idx="1">
+              <a:schemeClr val="accent1"/>
+            </a:fillRef>
+            <a:effectRef idx="0">
+              <a:schemeClr val="accent1"/>
+            </a:effectRef>
+            <a:fontRef idx="minor">
+              <a:schemeClr val="lt1"/>
+            </a:fontRef>
+          </p:style>
+          <p:txBody>
+            <a:bodyPr rtlCol="0" anchor="ctr"/>
+            <a:lstStyle/>
+            <a:p>
+              <a:pPr algn="ctr"/>
+              <a:endParaRPr kumimoji="1" lang="ja-JP" altLang="en-US"/>
+            </a:p>
+          </p:txBody>
+        </p:sp>
+      </p:grpSp>
+      <p:grpSp>
+        <p:nvGrpSpPr>
+          <p:cNvPr id="62" name="グループ化 61">
+            <a:extLst>
+              <a:ext uri="{FF2B5EF4-FFF2-40B4-BE49-F238E27FC236}">
+                <a16:creationId xmlns:a16="http://schemas.microsoft.com/office/drawing/2014/main" id="{28A93F73-9E6B-3F49-8845-2A88334F105D}"/>
+              </a:ext>
+            </a:extLst>
+          </p:cNvPr>
+          <p:cNvGrpSpPr/>
+          <p:nvPr/>
+        </p:nvGrpSpPr>
+        <p:grpSpPr>
+          <a:xfrm>
+            <a:off x="4826000" y="4558824"/>
+            <a:ext cx="2987328" cy="795496"/>
+            <a:chOff x="4826000" y="4558824"/>
+            <a:chExt cx="2987328" cy="795496"/>
+          </a:xfrm>
+        </p:grpSpPr>
+        <p:cxnSp>
+          <p:nvCxnSpPr>
+            <p:cNvPr id="52" name="直線コネクタ 51">
+              <a:extLst>
+                <a:ext uri="{FF2B5EF4-FFF2-40B4-BE49-F238E27FC236}">
+                  <a16:creationId xmlns:a16="http://schemas.microsoft.com/office/drawing/2014/main" id="{CBEB3184-A0B3-8F4B-A024-F6F508E4D9B0}"/>
+                </a:ext>
+              </a:extLst>
+            </p:cNvPr>
+            <p:cNvCxnSpPr>
+              <a:cxnSpLocks/>
+            </p:cNvCxnSpPr>
+            <p:nvPr/>
+          </p:nvCxnSpPr>
+          <p:spPr>
+            <a:xfrm>
+              <a:off x="4826000" y="5350912"/>
+              <a:ext cx="2987040" cy="0"/>
+            </a:xfrm>
+            <a:prstGeom prst="line">
+              <a:avLst/>
+            </a:prstGeom>
+            <a:ln w="12700">
+              <a:solidFill>
+                <a:schemeClr val="tx1"/>
+              </a:solidFill>
+            </a:ln>
+          </p:spPr>
+          <p:style>
+            <a:lnRef idx="1">
+              <a:schemeClr val="accent1"/>
+            </a:lnRef>
+            <a:fillRef idx="0">
+              <a:schemeClr val="accent1"/>
+            </a:fillRef>
+            <a:effectRef idx="0">
+              <a:schemeClr val="accent1"/>
+            </a:effectRef>
+            <a:fontRef idx="minor">
+              <a:schemeClr val="tx1"/>
+            </a:fontRef>
+          </p:style>
+        </p:cxnSp>
+        <p:sp>
+          <p:nvSpPr>
+            <p:cNvPr id="53" name="フリーフォーム 52">
+              <a:extLst>
+                <a:ext uri="{FF2B5EF4-FFF2-40B4-BE49-F238E27FC236}">
+                  <a16:creationId xmlns:a16="http://schemas.microsoft.com/office/drawing/2014/main" id="{188642E1-0F81-FF42-9B18-F89401D0E9EF}"/>
+                </a:ext>
+              </a:extLst>
+            </p:cNvPr>
+            <p:cNvSpPr/>
+            <p:nvPr/>
+          </p:nvSpPr>
+          <p:spPr>
+            <a:xfrm>
+              <a:off x="5401072" y="4558824"/>
+              <a:ext cx="2160240" cy="795496"/>
+            </a:xfrm>
+            <a:custGeom>
+              <a:avLst/>
+              <a:gdLst>
+                <a:gd name="connsiteX0" fmla="*/ 0 w 3830320"/>
+                <a:gd name="connsiteY0" fmla="*/ 538644 h 538644"/>
+                <a:gd name="connsiteX1" fmla="*/ 812800 w 3830320"/>
+                <a:gd name="connsiteY1" fmla="*/ 447204 h 538644"/>
+                <a:gd name="connsiteX2" fmla="*/ 1828800 w 3830320"/>
+                <a:gd name="connsiteY2" fmla="*/ 164 h 538644"/>
+                <a:gd name="connsiteX3" fmla="*/ 2702560 w 3830320"/>
+                <a:gd name="connsiteY3" fmla="*/ 396404 h 538644"/>
+                <a:gd name="connsiteX4" fmla="*/ 3169920 w 3830320"/>
+                <a:gd name="connsiteY4" fmla="*/ 508164 h 538644"/>
+                <a:gd name="connsiteX5" fmla="*/ 3830320 w 3830320"/>
+                <a:gd name="connsiteY5" fmla="*/ 538644 h 538644"/>
+              </a:gdLst>
+              <a:ahLst/>
+              <a:cxnLst>
+                <a:cxn ang="0">
+                  <a:pos x="connsiteX0" y="connsiteY0"/>
+                </a:cxn>
+                <a:cxn ang="0">
+                  <a:pos x="connsiteX1" y="connsiteY1"/>
+                </a:cxn>
+                <a:cxn ang="0">
+                  <a:pos x="connsiteX2" y="connsiteY2"/>
+                </a:cxn>
+                <a:cxn ang="0">
+                  <a:pos x="connsiteX3" y="connsiteY3"/>
+                </a:cxn>
+                <a:cxn ang="0">
+                  <a:pos x="connsiteX4" y="connsiteY4"/>
+                </a:cxn>
+                <a:cxn ang="0">
+                  <a:pos x="connsiteX5" y="connsiteY5"/>
+                </a:cxn>
+              </a:cxnLst>
+              <a:rect l="l" t="t" r="r" b="b"/>
+              <a:pathLst>
+                <a:path w="3830320" h="538644">
+                  <a:moveTo>
+                    <a:pt x="0" y="538644"/>
+                  </a:moveTo>
+                  <a:cubicBezTo>
+                    <a:pt x="254000" y="537797"/>
+                    <a:pt x="508000" y="536951"/>
+                    <a:pt x="812800" y="447204"/>
+                  </a:cubicBezTo>
+                  <a:cubicBezTo>
+                    <a:pt x="1117600" y="357457"/>
+                    <a:pt x="1513840" y="8631"/>
+                    <a:pt x="1828800" y="164"/>
+                  </a:cubicBezTo>
+                  <a:cubicBezTo>
+                    <a:pt x="2143760" y="-8303"/>
+                    <a:pt x="2479040" y="311737"/>
+                    <a:pt x="2702560" y="396404"/>
+                  </a:cubicBezTo>
+                  <a:cubicBezTo>
+                    <a:pt x="2926080" y="481071"/>
+                    <a:pt x="2981960" y="484457"/>
+                    <a:pt x="3169920" y="508164"/>
+                  </a:cubicBezTo>
+                  <a:cubicBezTo>
+                    <a:pt x="3357880" y="531871"/>
+                    <a:pt x="3594100" y="535257"/>
+                    <a:pt x="3830320" y="538644"/>
+                  </a:cubicBezTo>
+                </a:path>
+              </a:pathLst>
+            </a:custGeom>
+            <a:noFill/>
+            <a:ln>
+              <a:solidFill>
+                <a:schemeClr val="tx1"/>
+              </a:solidFill>
+            </a:ln>
+          </p:spPr>
+          <p:style>
+            <a:lnRef idx="2">
+              <a:schemeClr val="accent1">
+                <a:shade val="50000"/>
+              </a:schemeClr>
+            </a:lnRef>
+            <a:fillRef idx="1">
+              <a:schemeClr val="accent1"/>
+            </a:fillRef>
+            <a:effectRef idx="0">
+              <a:schemeClr val="accent1"/>
+            </a:effectRef>
+            <a:fontRef idx="minor">
+              <a:schemeClr val="lt1"/>
+            </a:fontRef>
+          </p:style>
+          <p:txBody>
+            <a:bodyPr rtlCol="0" anchor="ctr"/>
+            <a:lstStyle/>
+            <a:p>
+              <a:pPr algn="ctr"/>
+              <a:endParaRPr kumimoji="1" lang="ja-JP" altLang="en-US"/>
+            </a:p>
+          </p:txBody>
+        </p:sp>
+        <p:sp>
+          <p:nvSpPr>
+            <p:cNvPr id="54" name="円/楕円 53">
+              <a:extLst>
+                <a:ext uri="{FF2B5EF4-FFF2-40B4-BE49-F238E27FC236}">
+                  <a16:creationId xmlns:a16="http://schemas.microsoft.com/office/drawing/2014/main" id="{902DB832-B083-0840-8254-1CA37441A979}"/>
+                </a:ext>
+              </a:extLst>
+            </p:cNvPr>
+            <p:cNvSpPr/>
+            <p:nvPr/>
+          </p:nvSpPr>
+          <p:spPr>
+            <a:xfrm>
+              <a:off x="7597304" y="5124728"/>
+              <a:ext cx="216024" cy="216024"/>
+            </a:xfrm>
+            <a:prstGeom prst="ellipse">
+              <a:avLst/>
+            </a:prstGeom>
+            <a:solidFill>
+              <a:srgbClr val="FF0000"/>
+            </a:solidFill>
+            <a:ln>
+              <a:solidFill>
+                <a:schemeClr val="tx1"/>
+              </a:solidFill>
+            </a:ln>
+          </p:spPr>
+          <p:style>
+            <a:lnRef idx="2">
+              <a:schemeClr val="accent1">
+                <a:shade val="50000"/>
+              </a:schemeClr>
+            </a:lnRef>
+            <a:fillRef idx="1">
+              <a:schemeClr val="accent1"/>
+            </a:fillRef>
+            <a:effectRef idx="0">
+              <a:schemeClr val="accent1"/>
+            </a:effectRef>
+            <a:fontRef idx="minor">
+              <a:schemeClr val="lt1"/>
+            </a:fontRef>
+          </p:style>
+          <p:txBody>
+            <a:bodyPr rtlCol="0" anchor="ctr"/>
+            <a:lstStyle/>
+            <a:p>
+              <a:pPr algn="ctr"/>
+              <a:endParaRPr kumimoji="1" lang="ja-JP" altLang="en-US"/>
+            </a:p>
+          </p:txBody>
+        </p:sp>
+        <p:sp>
+          <p:nvSpPr>
+            <p:cNvPr id="56" name="円/楕円 55">
+              <a:extLst>
+                <a:ext uri="{FF2B5EF4-FFF2-40B4-BE49-F238E27FC236}">
+                  <a16:creationId xmlns:a16="http://schemas.microsoft.com/office/drawing/2014/main" id="{D8D34AFC-6E28-944B-85C5-D96D1E183371}"/>
+                </a:ext>
+              </a:extLst>
+            </p:cNvPr>
+            <p:cNvSpPr/>
+            <p:nvPr/>
+          </p:nvSpPr>
+          <p:spPr>
+            <a:xfrm>
+              <a:off x="6357784" y="5114568"/>
+              <a:ext cx="216024" cy="216024"/>
+            </a:xfrm>
+            <a:prstGeom prst="ellipse">
+              <a:avLst/>
+            </a:prstGeom>
+            <a:solidFill>
+              <a:srgbClr val="FF0000">
+                <a:alpha val="25882"/>
+              </a:srgbClr>
+            </a:solidFill>
+            <a:ln>
+              <a:solidFill>
+                <a:srgbClr val="000000">
+                  <a:alpha val="43137"/>
+                </a:srgbClr>
+              </a:solidFill>
+            </a:ln>
+          </p:spPr>
+          <p:style>
+            <a:lnRef idx="2">
+              <a:schemeClr val="accent1">
+                <a:shade val="50000"/>
+              </a:schemeClr>
+            </a:lnRef>
+            <a:fillRef idx="1">
+              <a:schemeClr val="accent1"/>
+            </a:fillRef>
+            <a:effectRef idx="0">
+              <a:schemeClr val="accent1"/>
+            </a:effectRef>
+            <a:fontRef idx="minor">
+              <a:schemeClr val="lt1"/>
+            </a:fontRef>
+          </p:style>
+          <p:txBody>
+            <a:bodyPr rtlCol="0" anchor="ctr"/>
+            <a:lstStyle/>
+            <a:p>
+              <a:pPr algn="ctr"/>
+              <a:endParaRPr kumimoji="1" lang="ja-JP" altLang="en-US"/>
+            </a:p>
+          </p:txBody>
+        </p:sp>
+        <p:cxnSp>
+          <p:nvCxnSpPr>
+            <p:cNvPr id="58" name="直線矢印コネクタ 57">
+              <a:extLst>
+                <a:ext uri="{FF2B5EF4-FFF2-40B4-BE49-F238E27FC236}">
+                  <a16:creationId xmlns:a16="http://schemas.microsoft.com/office/drawing/2014/main" id="{8A32997C-4554-1A4A-ADB2-1DED18B00772}"/>
+                </a:ext>
+              </a:extLst>
+            </p:cNvPr>
+            <p:cNvCxnSpPr>
+              <a:cxnSpLocks/>
+            </p:cNvCxnSpPr>
+            <p:nvPr/>
+          </p:nvCxnSpPr>
+          <p:spPr>
+            <a:xfrm flipV="1">
+              <a:off x="5910278" y="5222240"/>
+              <a:ext cx="1618282" cy="27517"/>
+            </a:xfrm>
+            <a:prstGeom prst="straightConnector1">
+              <a:avLst/>
+            </a:prstGeom>
+            <a:ln w="12700">
+              <a:solidFill>
+                <a:schemeClr val="tx1"/>
+              </a:solidFill>
+              <a:prstDash val="dash"/>
+              <a:tailEnd type="triangle"/>
+            </a:ln>
+          </p:spPr>
+          <p:style>
+            <a:lnRef idx="1">
+              <a:schemeClr val="accent1"/>
+            </a:lnRef>
+            <a:fillRef idx="0">
+              <a:schemeClr val="accent1"/>
+            </a:fillRef>
+            <a:effectRef idx="0">
+              <a:schemeClr val="accent1"/>
+            </a:effectRef>
+            <a:fontRef idx="minor">
+              <a:schemeClr val="tx1"/>
+            </a:fontRef>
+          </p:style>
+        </p:cxnSp>
+      </p:grpSp>
+      <p:sp>
+        <p:nvSpPr>
+          <p:cNvPr id="59" name="テキスト ボックス 58">
+            <a:extLst>
+              <a:ext uri="{FF2B5EF4-FFF2-40B4-BE49-F238E27FC236}">
+                <a16:creationId xmlns:a16="http://schemas.microsoft.com/office/drawing/2014/main" id="{EB24BD1D-B0DF-9E49-A6F7-312A2290A8DB}"/>
+              </a:ext>
+            </a:extLst>
+          </p:cNvPr>
+          <p:cNvSpPr txBox="1"/>
+          <p:nvPr/>
+        </p:nvSpPr>
+        <p:spPr>
+          <a:xfrm>
+            <a:off x="5029200" y="4246880"/>
+            <a:ext cx="2954655" cy="369332"/>
+          </a:xfrm>
+          <a:prstGeom prst="rect">
+            <a:avLst/>
+          </a:prstGeom>
+          <a:noFill/>
+        </p:spPr>
+        <p:txBody>
+          <a:bodyPr wrap="none" rtlCol="0">
+            <a:spAutoFit/>
+          </a:bodyPr>
+          <a:lstStyle/>
+          <a:p>
+            <a:r>
+              <a:rPr kumimoji="1" lang="ja-JP" altLang="en-US"/>
+              <a:t>低確率で障壁をすり抜ける</a:t>
+            </a:r>
+          </a:p>
+        </p:txBody>
+      </p:sp>
+    </p:spTree>
+    <p:extLst>
+      <p:ext uri="{BB962C8B-B14F-4D97-AF65-F5344CB8AC3E}">
+        <p14:creationId xmlns:p14="http://schemas.microsoft.com/office/powerpoint/2010/main" val="1193143851"/>
+      </p:ext>
+    </p:extLst>
+  </p:cSld>
+  <p:clrMapOvr>
+    <a:masterClrMapping/>
+  </p:clrMapOvr>
+</p:sld>
+</file>
+
+<file path=ppt/slides/slide2.xml><?xml version="1.0" encoding="utf-8"?>
+<p:sld xmlns:a="http://schemas.openxmlformats.org/drawingml/2006/main" xmlns:r="http://schemas.openxmlformats.org/officeDocument/2006/relationships" xmlns:p="http://schemas.openxmlformats.org/presentationml/2006/main">
+  <p:cSld>
+    <p:spTree>
+      <p:nvGrpSpPr>
+        <p:cNvPr id="1" name=""/>
+        <p:cNvGrpSpPr/>
+        <p:nvPr/>
+      </p:nvGrpSpPr>
+      <p:grpSpPr>
+        <a:xfrm>
+          <a:off x="0" y="0"/>
+          <a:ext cx="0" cy="0"/>
+          <a:chOff x="0" y="0"/>
+          <a:chExt cx="0" cy="0"/>
+        </a:xfrm>
+      </p:grpSpPr>
+      <p:grpSp>
+        <p:nvGrpSpPr>
+          <p:cNvPr id="2" name="グループ化 1">
+            <a:extLst>
+              <a:ext uri="{FF2B5EF4-FFF2-40B4-BE49-F238E27FC236}">
+                <a16:creationId xmlns:a16="http://schemas.microsoft.com/office/drawing/2014/main" id="{64EC4149-D8DE-7E48-B7BC-F6B96893476C}"/>
+              </a:ext>
+            </a:extLst>
+          </p:cNvPr>
+          <p:cNvGrpSpPr/>
+          <p:nvPr/>
+        </p:nvGrpSpPr>
+        <p:grpSpPr>
+          <a:xfrm>
+            <a:off x="436880" y="2805610"/>
+            <a:ext cx="2346960" cy="638629"/>
+            <a:chOff x="1117600" y="3098800"/>
+            <a:chExt cx="2987040" cy="812800"/>
+          </a:xfrm>
+        </p:grpSpPr>
+        <p:cxnSp>
+          <p:nvCxnSpPr>
+            <p:cNvPr id="3" name="直線コネクタ 2">
+              <a:extLst>
+                <a:ext uri="{FF2B5EF4-FFF2-40B4-BE49-F238E27FC236}">
+                  <a16:creationId xmlns:a16="http://schemas.microsoft.com/office/drawing/2014/main" id="{1723E09F-4042-8C43-8A43-5A46A23FB3A6}"/>
+                </a:ext>
+              </a:extLst>
+            </p:cNvPr>
+            <p:cNvCxnSpPr>
+              <a:cxnSpLocks/>
+            </p:cNvCxnSpPr>
+            <p:nvPr/>
+          </p:nvCxnSpPr>
+          <p:spPr>
+            <a:xfrm>
+              <a:off x="1117600" y="3908192"/>
+              <a:ext cx="2987040" cy="0"/>
+            </a:xfrm>
+            <a:prstGeom prst="line">
+              <a:avLst/>
+            </a:prstGeom>
+            <a:ln w="12700">
+              <a:solidFill>
+                <a:schemeClr val="tx1"/>
+              </a:solidFill>
+            </a:ln>
+          </p:spPr>
+          <p:style>
+            <a:lnRef idx="1">
+              <a:schemeClr val="accent1"/>
+            </a:lnRef>
+            <a:fillRef idx="0">
+              <a:schemeClr val="accent1"/>
+            </a:fillRef>
+            <a:effectRef idx="0">
+              <a:schemeClr val="accent1"/>
+            </a:effectRef>
+            <a:fontRef idx="minor">
+              <a:schemeClr val="tx1"/>
+            </a:fontRef>
+          </p:style>
+        </p:cxnSp>
+        <p:sp>
+          <p:nvSpPr>
+            <p:cNvPr id="4" name="フリーフォーム 3">
+              <a:extLst>
+                <a:ext uri="{FF2B5EF4-FFF2-40B4-BE49-F238E27FC236}">
+                  <a16:creationId xmlns:a16="http://schemas.microsoft.com/office/drawing/2014/main" id="{309E326C-AE4F-8344-87A8-68E97261C612}"/>
+                </a:ext>
+              </a:extLst>
+            </p:cNvPr>
+            <p:cNvSpPr/>
+            <p:nvPr/>
+          </p:nvSpPr>
+          <p:spPr>
+            <a:xfrm>
+              <a:off x="1692672" y="3116104"/>
+              <a:ext cx="2160240" cy="795496"/>
+            </a:xfrm>
+            <a:custGeom>
+              <a:avLst/>
+              <a:gdLst>
+                <a:gd name="connsiteX0" fmla="*/ 0 w 3830320"/>
+                <a:gd name="connsiteY0" fmla="*/ 538644 h 538644"/>
+                <a:gd name="connsiteX1" fmla="*/ 812800 w 3830320"/>
+                <a:gd name="connsiteY1" fmla="*/ 447204 h 538644"/>
+                <a:gd name="connsiteX2" fmla="*/ 1828800 w 3830320"/>
+                <a:gd name="connsiteY2" fmla="*/ 164 h 538644"/>
+                <a:gd name="connsiteX3" fmla="*/ 2702560 w 3830320"/>
+                <a:gd name="connsiteY3" fmla="*/ 396404 h 538644"/>
+                <a:gd name="connsiteX4" fmla="*/ 3169920 w 3830320"/>
+                <a:gd name="connsiteY4" fmla="*/ 508164 h 538644"/>
+                <a:gd name="connsiteX5" fmla="*/ 3830320 w 3830320"/>
+                <a:gd name="connsiteY5" fmla="*/ 538644 h 538644"/>
+              </a:gdLst>
+              <a:ahLst/>
+              <a:cxnLst>
+                <a:cxn ang="0">
+                  <a:pos x="connsiteX0" y="connsiteY0"/>
+                </a:cxn>
+                <a:cxn ang="0">
+                  <a:pos x="connsiteX1" y="connsiteY1"/>
+                </a:cxn>
+                <a:cxn ang="0">
+                  <a:pos x="connsiteX2" y="connsiteY2"/>
+                </a:cxn>
+                <a:cxn ang="0">
+                  <a:pos x="connsiteX3" y="connsiteY3"/>
+                </a:cxn>
+                <a:cxn ang="0">
+                  <a:pos x="connsiteX4" y="connsiteY4"/>
+                </a:cxn>
+                <a:cxn ang="0">
+                  <a:pos x="connsiteX5" y="connsiteY5"/>
+                </a:cxn>
+              </a:cxnLst>
+              <a:rect l="l" t="t" r="r" b="b"/>
+              <a:pathLst>
+                <a:path w="3830320" h="538644">
+                  <a:moveTo>
+                    <a:pt x="0" y="538644"/>
+                  </a:moveTo>
+                  <a:cubicBezTo>
+                    <a:pt x="254000" y="537797"/>
+                    <a:pt x="508000" y="536951"/>
+                    <a:pt x="812800" y="447204"/>
+                  </a:cubicBezTo>
+                  <a:cubicBezTo>
+                    <a:pt x="1117600" y="357457"/>
+                    <a:pt x="1513840" y="8631"/>
+                    <a:pt x="1828800" y="164"/>
+                  </a:cubicBezTo>
+                  <a:cubicBezTo>
+                    <a:pt x="2143760" y="-8303"/>
+                    <a:pt x="2479040" y="311737"/>
+                    <a:pt x="2702560" y="396404"/>
+                  </a:cubicBezTo>
+                  <a:cubicBezTo>
+                    <a:pt x="2926080" y="481071"/>
+                    <a:pt x="2981960" y="484457"/>
+                    <a:pt x="3169920" y="508164"/>
+                  </a:cubicBezTo>
+                  <a:cubicBezTo>
+                    <a:pt x="3357880" y="531871"/>
+                    <a:pt x="3594100" y="535257"/>
+                    <a:pt x="3830320" y="538644"/>
+                  </a:cubicBezTo>
+                </a:path>
+              </a:pathLst>
+            </a:custGeom>
+            <a:noFill/>
+            <a:ln>
+              <a:solidFill>
+                <a:schemeClr val="tx1"/>
+              </a:solidFill>
+            </a:ln>
+          </p:spPr>
+          <p:style>
+            <a:lnRef idx="2">
+              <a:schemeClr val="accent1">
+                <a:shade val="50000"/>
+              </a:schemeClr>
+            </a:lnRef>
+            <a:fillRef idx="1">
+              <a:schemeClr val="accent1"/>
+            </a:fillRef>
+            <a:effectRef idx="0">
+              <a:schemeClr val="accent1"/>
+            </a:effectRef>
+            <a:fontRef idx="minor">
+              <a:schemeClr val="lt1"/>
+            </a:fontRef>
+          </p:style>
+          <p:txBody>
+            <a:bodyPr rtlCol="0" anchor="ctr"/>
+            <a:lstStyle/>
+            <a:p>
+              <a:pPr algn="ctr"/>
+              <a:endParaRPr kumimoji="1" lang="ja-JP" altLang="en-US"/>
+            </a:p>
+          </p:txBody>
+        </p:sp>
+        <p:sp>
+          <p:nvSpPr>
+            <p:cNvPr id="5" name="円/楕円 4">
+              <a:extLst>
+                <a:ext uri="{FF2B5EF4-FFF2-40B4-BE49-F238E27FC236}">
+                  <a16:creationId xmlns:a16="http://schemas.microsoft.com/office/drawing/2014/main" id="{86EA9B4B-D0A2-7E46-8CC3-40F8B3052C46}"/>
+                </a:ext>
+              </a:extLst>
+            </p:cNvPr>
+            <p:cNvSpPr/>
+            <p:nvPr/>
+          </p:nvSpPr>
+          <p:spPr>
+            <a:xfrm>
+              <a:off x="2222664" y="3255288"/>
+              <a:ext cx="216024" cy="216024"/>
+            </a:xfrm>
+            <a:prstGeom prst="ellipse">
+              <a:avLst/>
+            </a:prstGeom>
+            <a:solidFill>
+              <a:srgbClr val="FF0000"/>
+            </a:solidFill>
+            <a:ln>
+              <a:solidFill>
+                <a:schemeClr val="tx1"/>
+              </a:solidFill>
+            </a:ln>
+          </p:spPr>
+          <p:style>
+            <a:lnRef idx="2">
+              <a:schemeClr val="accent1">
+                <a:shade val="50000"/>
+              </a:schemeClr>
+            </a:lnRef>
+            <a:fillRef idx="1">
+              <a:schemeClr val="accent1"/>
+            </a:fillRef>
+            <a:effectRef idx="0">
+              <a:schemeClr val="accent1"/>
+            </a:effectRef>
+            <a:fontRef idx="minor">
+              <a:schemeClr val="lt1"/>
+            </a:fontRef>
+          </p:style>
+          <p:txBody>
+            <a:bodyPr rtlCol="0" anchor="ctr"/>
+            <a:lstStyle/>
+            <a:p>
+              <a:pPr algn="ctr"/>
+              <a:endParaRPr kumimoji="1" lang="ja-JP" altLang="en-US"/>
+            </a:p>
+          </p:txBody>
+        </p:sp>
+        <p:cxnSp>
+          <p:nvCxnSpPr>
+            <p:cNvPr id="6" name="直線矢印コネクタ 5">
+              <a:extLst>
+                <a:ext uri="{FF2B5EF4-FFF2-40B4-BE49-F238E27FC236}">
+                  <a16:creationId xmlns:a16="http://schemas.microsoft.com/office/drawing/2014/main" id="{DAD597BA-97AE-014A-A268-8F04D4D6E2E8}"/>
+                </a:ext>
+              </a:extLst>
+            </p:cNvPr>
+            <p:cNvCxnSpPr>
+              <a:cxnSpLocks/>
+            </p:cNvCxnSpPr>
+            <p:nvPr/>
+          </p:nvCxnSpPr>
+          <p:spPr>
+            <a:xfrm flipV="1">
+              <a:off x="2407920" y="3098800"/>
+              <a:ext cx="132080" cy="162560"/>
+            </a:xfrm>
+            <a:prstGeom prst="straightConnector1">
+              <a:avLst/>
+            </a:prstGeom>
+            <a:ln w="12700">
+              <a:solidFill>
+                <a:schemeClr val="tx1"/>
+              </a:solidFill>
+              <a:tailEnd type="triangle"/>
+            </a:ln>
+          </p:spPr>
+          <p:style>
+            <a:lnRef idx="1">
+              <a:schemeClr val="accent1"/>
+            </a:lnRef>
+            <a:fillRef idx="0">
+              <a:schemeClr val="accent1"/>
+            </a:fillRef>
+            <a:effectRef idx="0">
+              <a:schemeClr val="accent1"/>
+            </a:effectRef>
+            <a:fontRef idx="minor">
+              <a:schemeClr val="tx1"/>
+            </a:fontRef>
+          </p:style>
+        </p:cxnSp>
+      </p:grpSp>
+      <p:grpSp>
+        <p:nvGrpSpPr>
+          <p:cNvPr id="7" name="グループ化 6">
+            <a:extLst>
+              <a:ext uri="{FF2B5EF4-FFF2-40B4-BE49-F238E27FC236}">
+                <a16:creationId xmlns:a16="http://schemas.microsoft.com/office/drawing/2014/main" id="{79DD46C3-CF70-554E-84C5-C45497EA04BF}"/>
+              </a:ext>
+            </a:extLst>
+          </p:cNvPr>
+          <p:cNvGrpSpPr/>
+          <p:nvPr/>
+        </p:nvGrpSpPr>
+        <p:grpSpPr>
+          <a:xfrm>
+            <a:off x="416560" y="4786810"/>
+            <a:ext cx="2346960" cy="638629"/>
+            <a:chOff x="4958080" y="3098800"/>
+            <a:chExt cx="2987040" cy="812800"/>
+          </a:xfrm>
+        </p:grpSpPr>
+        <p:cxnSp>
+          <p:nvCxnSpPr>
+            <p:cNvPr id="8" name="直線コネクタ 7">
+              <a:extLst>
+                <a:ext uri="{FF2B5EF4-FFF2-40B4-BE49-F238E27FC236}">
+                  <a16:creationId xmlns:a16="http://schemas.microsoft.com/office/drawing/2014/main" id="{9D631625-E9D0-5147-9EEC-9D39E8EAA75A}"/>
+                </a:ext>
+              </a:extLst>
+            </p:cNvPr>
+            <p:cNvCxnSpPr>
+              <a:cxnSpLocks/>
+            </p:cNvCxnSpPr>
+            <p:nvPr/>
+          </p:nvCxnSpPr>
+          <p:spPr>
+            <a:xfrm>
+              <a:off x="4958080" y="3908192"/>
+              <a:ext cx="2987040" cy="0"/>
+            </a:xfrm>
+            <a:prstGeom prst="line">
+              <a:avLst/>
+            </a:prstGeom>
+            <a:ln w="12700">
+              <a:solidFill>
+                <a:schemeClr val="tx1"/>
+              </a:solidFill>
+            </a:ln>
+          </p:spPr>
+          <p:style>
+            <a:lnRef idx="1">
+              <a:schemeClr val="accent1"/>
+            </a:lnRef>
+            <a:fillRef idx="0">
+              <a:schemeClr val="accent1"/>
+            </a:fillRef>
+            <a:effectRef idx="0">
+              <a:schemeClr val="accent1"/>
+            </a:effectRef>
+            <a:fontRef idx="minor">
+              <a:schemeClr val="tx1"/>
+            </a:fontRef>
+          </p:style>
+        </p:cxnSp>
+        <p:sp>
+          <p:nvSpPr>
+            <p:cNvPr id="9" name="フリーフォーム 8">
+              <a:extLst>
+                <a:ext uri="{FF2B5EF4-FFF2-40B4-BE49-F238E27FC236}">
+                  <a16:creationId xmlns:a16="http://schemas.microsoft.com/office/drawing/2014/main" id="{91D11AE4-204A-0443-9F09-80562AA536DB}"/>
+                </a:ext>
+              </a:extLst>
+            </p:cNvPr>
+            <p:cNvSpPr/>
+            <p:nvPr/>
+          </p:nvSpPr>
+          <p:spPr>
+            <a:xfrm>
+              <a:off x="5533152" y="3116104"/>
+              <a:ext cx="2160240" cy="795496"/>
+            </a:xfrm>
+            <a:custGeom>
+              <a:avLst/>
+              <a:gdLst>
+                <a:gd name="connsiteX0" fmla="*/ 0 w 3830320"/>
+                <a:gd name="connsiteY0" fmla="*/ 538644 h 538644"/>
+                <a:gd name="connsiteX1" fmla="*/ 812800 w 3830320"/>
+                <a:gd name="connsiteY1" fmla="*/ 447204 h 538644"/>
+                <a:gd name="connsiteX2" fmla="*/ 1828800 w 3830320"/>
+                <a:gd name="connsiteY2" fmla="*/ 164 h 538644"/>
+                <a:gd name="connsiteX3" fmla="*/ 2702560 w 3830320"/>
+                <a:gd name="connsiteY3" fmla="*/ 396404 h 538644"/>
+                <a:gd name="connsiteX4" fmla="*/ 3169920 w 3830320"/>
+                <a:gd name="connsiteY4" fmla="*/ 508164 h 538644"/>
+                <a:gd name="connsiteX5" fmla="*/ 3830320 w 3830320"/>
+                <a:gd name="connsiteY5" fmla="*/ 538644 h 538644"/>
+              </a:gdLst>
+              <a:ahLst/>
+              <a:cxnLst>
+                <a:cxn ang="0">
+                  <a:pos x="connsiteX0" y="connsiteY0"/>
+                </a:cxn>
+                <a:cxn ang="0">
+                  <a:pos x="connsiteX1" y="connsiteY1"/>
+                </a:cxn>
+                <a:cxn ang="0">
+                  <a:pos x="connsiteX2" y="connsiteY2"/>
+                </a:cxn>
+                <a:cxn ang="0">
+                  <a:pos x="connsiteX3" y="connsiteY3"/>
+                </a:cxn>
+                <a:cxn ang="0">
+                  <a:pos x="connsiteX4" y="connsiteY4"/>
+                </a:cxn>
+                <a:cxn ang="0">
+                  <a:pos x="connsiteX5" y="connsiteY5"/>
+                </a:cxn>
+              </a:cxnLst>
+              <a:rect l="l" t="t" r="r" b="b"/>
+              <a:pathLst>
+                <a:path w="3830320" h="538644">
+                  <a:moveTo>
+                    <a:pt x="0" y="538644"/>
+                  </a:moveTo>
+                  <a:cubicBezTo>
+                    <a:pt x="254000" y="537797"/>
+                    <a:pt x="508000" y="536951"/>
+                    <a:pt x="812800" y="447204"/>
+                  </a:cubicBezTo>
+                  <a:cubicBezTo>
+                    <a:pt x="1117600" y="357457"/>
+                    <a:pt x="1513840" y="8631"/>
+                    <a:pt x="1828800" y="164"/>
+                  </a:cubicBezTo>
+                  <a:cubicBezTo>
+                    <a:pt x="2143760" y="-8303"/>
+                    <a:pt x="2479040" y="311737"/>
+                    <a:pt x="2702560" y="396404"/>
+                  </a:cubicBezTo>
+                  <a:cubicBezTo>
+                    <a:pt x="2926080" y="481071"/>
+                    <a:pt x="2981960" y="484457"/>
+                    <a:pt x="3169920" y="508164"/>
+                  </a:cubicBezTo>
+                  <a:cubicBezTo>
+                    <a:pt x="3357880" y="531871"/>
+                    <a:pt x="3594100" y="535257"/>
+                    <a:pt x="3830320" y="538644"/>
+                  </a:cubicBezTo>
+                </a:path>
+              </a:pathLst>
+            </a:custGeom>
+            <a:noFill/>
+            <a:ln>
+              <a:solidFill>
+                <a:schemeClr val="tx1"/>
+              </a:solidFill>
+            </a:ln>
+          </p:spPr>
+          <p:style>
+            <a:lnRef idx="2">
+              <a:schemeClr val="accent1">
+                <a:shade val="50000"/>
+              </a:schemeClr>
+            </a:lnRef>
+            <a:fillRef idx="1">
+              <a:schemeClr val="accent1"/>
+            </a:fillRef>
+            <a:effectRef idx="0">
+              <a:schemeClr val="accent1"/>
+            </a:effectRef>
+            <a:fontRef idx="minor">
+              <a:schemeClr val="lt1"/>
+            </a:fontRef>
+          </p:style>
+          <p:txBody>
+            <a:bodyPr rtlCol="0" anchor="ctr"/>
+            <a:lstStyle/>
+            <a:p>
+              <a:pPr algn="ctr"/>
+              <a:endParaRPr kumimoji="1" lang="ja-JP" altLang="en-US"/>
+            </a:p>
+          </p:txBody>
+        </p:sp>
+        <p:sp>
+          <p:nvSpPr>
+            <p:cNvPr id="10" name="円/楕円 9">
+              <a:extLst>
+                <a:ext uri="{FF2B5EF4-FFF2-40B4-BE49-F238E27FC236}">
+                  <a16:creationId xmlns:a16="http://schemas.microsoft.com/office/drawing/2014/main" id="{1EC25116-E6DC-E242-8DD6-0398E54DD276}"/>
+                </a:ext>
+              </a:extLst>
+            </p:cNvPr>
+            <p:cNvSpPr/>
+            <p:nvPr/>
+          </p:nvSpPr>
+          <p:spPr>
+            <a:xfrm>
+              <a:off x="5290984" y="3692168"/>
+              <a:ext cx="216024" cy="216024"/>
+            </a:xfrm>
+            <a:prstGeom prst="ellipse">
+              <a:avLst/>
+            </a:prstGeom>
+            <a:solidFill>
+              <a:srgbClr val="FF0000"/>
+            </a:solidFill>
+            <a:ln>
+              <a:solidFill>
+                <a:schemeClr val="tx1"/>
+              </a:solidFill>
+            </a:ln>
+          </p:spPr>
+          <p:style>
+            <a:lnRef idx="2">
+              <a:schemeClr val="accent1">
+                <a:shade val="50000"/>
+              </a:schemeClr>
+            </a:lnRef>
+            <a:fillRef idx="1">
+              <a:schemeClr val="accent1"/>
+            </a:fillRef>
+            <a:effectRef idx="0">
+              <a:schemeClr val="accent1"/>
+            </a:effectRef>
+            <a:fontRef idx="minor">
+              <a:schemeClr val="lt1"/>
+            </a:fontRef>
+          </p:style>
+          <p:txBody>
+            <a:bodyPr rtlCol="0" anchor="ctr"/>
+            <a:lstStyle/>
+            <a:p>
+              <a:pPr algn="ctr"/>
+              <a:endParaRPr kumimoji="1" lang="ja-JP" altLang="en-US"/>
+            </a:p>
+          </p:txBody>
+        </p:sp>
+        <p:sp>
+          <p:nvSpPr>
+            <p:cNvPr id="11" name="フリーフォーム 10">
+              <a:extLst>
+                <a:ext uri="{FF2B5EF4-FFF2-40B4-BE49-F238E27FC236}">
+                  <a16:creationId xmlns:a16="http://schemas.microsoft.com/office/drawing/2014/main" id="{6B0F8DDC-7878-2949-99B3-0D3B93A3237C}"/>
+                </a:ext>
+              </a:extLst>
+            </p:cNvPr>
+            <p:cNvSpPr/>
+            <p:nvPr/>
+          </p:nvSpPr>
+          <p:spPr>
+            <a:xfrm>
+              <a:off x="5577840" y="3098800"/>
+              <a:ext cx="690880" cy="660400"/>
+            </a:xfrm>
+            <a:custGeom>
+              <a:avLst/>
+              <a:gdLst>
+                <a:gd name="connsiteX0" fmla="*/ 690880 w 690880"/>
+                <a:gd name="connsiteY0" fmla="*/ 0 h 660400"/>
+                <a:gd name="connsiteX1" fmla="*/ 325120 w 690880"/>
+                <a:gd name="connsiteY1" fmla="*/ 467360 h 660400"/>
+                <a:gd name="connsiteX2" fmla="*/ 0 w 690880"/>
+                <a:gd name="connsiteY2" fmla="*/ 660400 h 660400"/>
+              </a:gdLst>
+              <a:ahLst/>
+              <a:cxnLst>
+                <a:cxn ang="0">
+                  <a:pos x="connsiteX0" y="connsiteY0"/>
+                </a:cxn>
+                <a:cxn ang="0">
+                  <a:pos x="connsiteX1" y="connsiteY1"/>
+                </a:cxn>
+                <a:cxn ang="0">
+                  <a:pos x="connsiteX2" y="connsiteY2"/>
+                </a:cxn>
+              </a:cxnLst>
+              <a:rect l="l" t="t" r="r" b="b"/>
+              <a:pathLst>
+                <a:path w="690880" h="660400">
+                  <a:moveTo>
+                    <a:pt x="690880" y="0"/>
+                  </a:moveTo>
+                  <a:cubicBezTo>
+                    <a:pt x="565573" y="178646"/>
+                    <a:pt x="440267" y="357293"/>
+                    <a:pt x="325120" y="467360"/>
+                  </a:cubicBezTo>
+                  <a:cubicBezTo>
+                    <a:pt x="209973" y="577427"/>
+                    <a:pt x="104986" y="618913"/>
+                    <a:pt x="0" y="660400"/>
+                  </a:cubicBezTo>
+                </a:path>
+              </a:pathLst>
+            </a:custGeom>
+            <a:noFill/>
+            <a:ln>
+              <a:solidFill>
+                <a:schemeClr val="tx1"/>
+              </a:solidFill>
+              <a:headEnd type="none" w="med" len="med"/>
+              <a:tailEnd type="triangle" w="med" len="med"/>
+            </a:ln>
+          </p:spPr>
+          <p:style>
+            <a:lnRef idx="2">
+              <a:schemeClr val="accent1">
+                <a:shade val="50000"/>
+              </a:schemeClr>
+            </a:lnRef>
+            <a:fillRef idx="1">
+              <a:schemeClr val="accent1"/>
+            </a:fillRef>
+            <a:effectRef idx="0">
+              <a:schemeClr val="accent1"/>
+            </a:effectRef>
+            <a:fontRef idx="minor">
+              <a:schemeClr val="lt1"/>
+            </a:fontRef>
+          </p:style>
+          <p:txBody>
+            <a:bodyPr rtlCol="0" anchor="ctr"/>
+            <a:lstStyle/>
+            <a:p>
+              <a:pPr algn="ctr"/>
+              <a:endParaRPr kumimoji="1" lang="ja-JP" altLang="en-US"/>
+            </a:p>
+          </p:txBody>
+        </p:sp>
+      </p:grpSp>
+      <p:grpSp>
+        <p:nvGrpSpPr>
+          <p:cNvPr id="12" name="グループ化 11">
+            <a:extLst>
+              <a:ext uri="{FF2B5EF4-FFF2-40B4-BE49-F238E27FC236}">
+                <a16:creationId xmlns:a16="http://schemas.microsoft.com/office/drawing/2014/main" id="{FCA7C191-1D60-0F43-9781-F8211EFD564B}"/>
+              </a:ext>
+            </a:extLst>
+          </p:cNvPr>
+          <p:cNvGrpSpPr/>
+          <p:nvPr/>
+        </p:nvGrpSpPr>
+        <p:grpSpPr>
+          <a:xfrm>
+            <a:off x="4897120" y="2798886"/>
+            <a:ext cx="2346960" cy="625033"/>
+            <a:chOff x="762000" y="5148104"/>
+            <a:chExt cx="2987040" cy="795496"/>
+          </a:xfrm>
+        </p:grpSpPr>
+        <p:cxnSp>
+          <p:nvCxnSpPr>
+            <p:cNvPr id="13" name="直線コネクタ 12">
+              <a:extLst>
+                <a:ext uri="{FF2B5EF4-FFF2-40B4-BE49-F238E27FC236}">
+                  <a16:creationId xmlns:a16="http://schemas.microsoft.com/office/drawing/2014/main" id="{0222C2A4-55CB-AA4C-8204-8F7467EBA6EC}"/>
+                </a:ext>
+              </a:extLst>
+            </p:cNvPr>
+            <p:cNvCxnSpPr>
+              <a:cxnSpLocks/>
+            </p:cNvCxnSpPr>
+            <p:nvPr/>
+          </p:nvCxnSpPr>
+          <p:spPr>
+            <a:xfrm>
+              <a:off x="762000" y="5940192"/>
+              <a:ext cx="2987040" cy="0"/>
+            </a:xfrm>
+            <a:prstGeom prst="line">
+              <a:avLst/>
+            </a:prstGeom>
+            <a:ln w="12700">
+              <a:solidFill>
+                <a:schemeClr val="tx1"/>
+              </a:solidFill>
+            </a:ln>
+          </p:spPr>
+          <p:style>
+            <a:lnRef idx="1">
+              <a:schemeClr val="accent1"/>
+            </a:lnRef>
+            <a:fillRef idx="0">
+              <a:schemeClr val="accent1"/>
+            </a:fillRef>
+            <a:effectRef idx="0">
+              <a:schemeClr val="accent1"/>
+            </a:effectRef>
+            <a:fontRef idx="minor">
+              <a:schemeClr val="tx1"/>
+            </a:fontRef>
+          </p:style>
+        </p:cxnSp>
+        <p:sp>
+          <p:nvSpPr>
+            <p:cNvPr id="14" name="フリーフォーム 13">
+              <a:extLst>
+                <a:ext uri="{FF2B5EF4-FFF2-40B4-BE49-F238E27FC236}">
+                  <a16:creationId xmlns:a16="http://schemas.microsoft.com/office/drawing/2014/main" id="{3F5AB789-EE2C-104A-9DE3-54F55B2371C9}"/>
+                </a:ext>
+              </a:extLst>
+            </p:cNvPr>
+            <p:cNvSpPr/>
+            <p:nvPr/>
+          </p:nvSpPr>
+          <p:spPr>
+            <a:xfrm>
+              <a:off x="1337072" y="5148104"/>
+              <a:ext cx="2160240" cy="795496"/>
+            </a:xfrm>
+            <a:custGeom>
+              <a:avLst/>
+              <a:gdLst>
+                <a:gd name="connsiteX0" fmla="*/ 0 w 3830320"/>
+                <a:gd name="connsiteY0" fmla="*/ 538644 h 538644"/>
+                <a:gd name="connsiteX1" fmla="*/ 812800 w 3830320"/>
+                <a:gd name="connsiteY1" fmla="*/ 447204 h 538644"/>
+                <a:gd name="connsiteX2" fmla="*/ 1828800 w 3830320"/>
+                <a:gd name="connsiteY2" fmla="*/ 164 h 538644"/>
+                <a:gd name="connsiteX3" fmla="*/ 2702560 w 3830320"/>
+                <a:gd name="connsiteY3" fmla="*/ 396404 h 538644"/>
+                <a:gd name="connsiteX4" fmla="*/ 3169920 w 3830320"/>
+                <a:gd name="connsiteY4" fmla="*/ 508164 h 538644"/>
+                <a:gd name="connsiteX5" fmla="*/ 3830320 w 3830320"/>
+                <a:gd name="connsiteY5" fmla="*/ 538644 h 538644"/>
+              </a:gdLst>
+              <a:ahLst/>
+              <a:cxnLst>
+                <a:cxn ang="0">
+                  <a:pos x="connsiteX0" y="connsiteY0"/>
+                </a:cxn>
+                <a:cxn ang="0">
+                  <a:pos x="connsiteX1" y="connsiteY1"/>
+                </a:cxn>
+                <a:cxn ang="0">
+                  <a:pos x="connsiteX2" y="connsiteY2"/>
+                </a:cxn>
+                <a:cxn ang="0">
+                  <a:pos x="connsiteX3" y="connsiteY3"/>
+                </a:cxn>
+                <a:cxn ang="0">
+                  <a:pos x="connsiteX4" y="connsiteY4"/>
+                </a:cxn>
+                <a:cxn ang="0">
+                  <a:pos x="connsiteX5" y="connsiteY5"/>
+                </a:cxn>
+              </a:cxnLst>
+              <a:rect l="l" t="t" r="r" b="b"/>
+              <a:pathLst>
+                <a:path w="3830320" h="538644">
+                  <a:moveTo>
+                    <a:pt x="0" y="538644"/>
+                  </a:moveTo>
+                  <a:cubicBezTo>
+                    <a:pt x="254000" y="537797"/>
+                    <a:pt x="508000" y="536951"/>
+                    <a:pt x="812800" y="447204"/>
+                  </a:cubicBezTo>
+                  <a:cubicBezTo>
+                    <a:pt x="1117600" y="357457"/>
+                    <a:pt x="1513840" y="8631"/>
+                    <a:pt x="1828800" y="164"/>
+                  </a:cubicBezTo>
+                  <a:cubicBezTo>
+                    <a:pt x="2143760" y="-8303"/>
+                    <a:pt x="2479040" y="311737"/>
+                    <a:pt x="2702560" y="396404"/>
+                  </a:cubicBezTo>
+                  <a:cubicBezTo>
+                    <a:pt x="2926080" y="481071"/>
+                    <a:pt x="2981960" y="484457"/>
+                    <a:pt x="3169920" y="508164"/>
+                  </a:cubicBezTo>
+                  <a:cubicBezTo>
+                    <a:pt x="3357880" y="531871"/>
+                    <a:pt x="3594100" y="535257"/>
+                    <a:pt x="3830320" y="538644"/>
+                  </a:cubicBezTo>
+                </a:path>
+              </a:pathLst>
+            </a:custGeom>
+            <a:noFill/>
+            <a:ln>
+              <a:solidFill>
+                <a:schemeClr val="tx1"/>
+              </a:solidFill>
+            </a:ln>
+          </p:spPr>
+          <p:style>
+            <a:lnRef idx="2">
+              <a:schemeClr val="accent1">
+                <a:shade val="50000"/>
+              </a:schemeClr>
+            </a:lnRef>
+            <a:fillRef idx="1">
+              <a:schemeClr val="accent1"/>
+            </a:fillRef>
+            <a:effectRef idx="0">
+              <a:schemeClr val="accent1"/>
+            </a:effectRef>
+            <a:fontRef idx="minor">
+              <a:schemeClr val="lt1"/>
+            </a:fontRef>
+          </p:style>
+          <p:txBody>
+            <a:bodyPr rtlCol="0" anchor="ctr"/>
+            <a:lstStyle/>
+            <a:p>
+              <a:pPr algn="ctr"/>
+              <a:endParaRPr kumimoji="1" lang="ja-JP" altLang="en-US"/>
+            </a:p>
+          </p:txBody>
+        </p:sp>
+        <p:sp>
+          <p:nvSpPr>
+            <p:cNvPr id="15" name="円/楕円 14">
+              <a:extLst>
+                <a:ext uri="{FF2B5EF4-FFF2-40B4-BE49-F238E27FC236}">
+                  <a16:creationId xmlns:a16="http://schemas.microsoft.com/office/drawing/2014/main" id="{60D1B95B-2FDC-124C-9106-74AEBAA27AB2}"/>
+                </a:ext>
+              </a:extLst>
+            </p:cNvPr>
+            <p:cNvSpPr/>
+            <p:nvPr/>
+          </p:nvSpPr>
+          <p:spPr>
+            <a:xfrm>
+              <a:off x="810424" y="5714008"/>
+              <a:ext cx="216024" cy="216024"/>
+            </a:xfrm>
+            <a:prstGeom prst="ellipse">
+              <a:avLst/>
+            </a:prstGeom>
+            <a:solidFill>
+              <a:srgbClr val="FF0000"/>
+            </a:solidFill>
+            <a:ln>
+              <a:solidFill>
+                <a:schemeClr val="tx1"/>
+              </a:solidFill>
+            </a:ln>
+          </p:spPr>
+          <p:style>
+            <a:lnRef idx="2">
+              <a:schemeClr val="accent1">
+                <a:shade val="50000"/>
+              </a:schemeClr>
+            </a:lnRef>
+            <a:fillRef idx="1">
+              <a:schemeClr val="accent1"/>
+            </a:fillRef>
+            <a:effectRef idx="0">
+              <a:schemeClr val="accent1"/>
+            </a:effectRef>
+            <a:fontRef idx="minor">
+              <a:schemeClr val="lt1"/>
+            </a:fontRef>
+          </p:style>
+          <p:txBody>
+            <a:bodyPr rtlCol="0" anchor="ctr"/>
+            <a:lstStyle/>
+            <a:p>
+              <a:pPr algn="ctr"/>
+              <a:endParaRPr kumimoji="1" lang="ja-JP" altLang="en-US"/>
+            </a:p>
+          </p:txBody>
+        </p:sp>
+        <p:cxnSp>
+          <p:nvCxnSpPr>
+            <p:cNvPr id="16" name="直線矢印コネクタ 15">
+              <a:extLst>
+                <a:ext uri="{FF2B5EF4-FFF2-40B4-BE49-F238E27FC236}">
+                  <a16:creationId xmlns:a16="http://schemas.microsoft.com/office/drawing/2014/main" id="{55391B24-D6BC-D149-94BE-147236621CAF}"/>
+                </a:ext>
+              </a:extLst>
+            </p:cNvPr>
+            <p:cNvCxnSpPr>
+              <a:cxnSpLocks/>
+            </p:cNvCxnSpPr>
+            <p:nvPr/>
+          </p:nvCxnSpPr>
+          <p:spPr>
+            <a:xfrm>
+              <a:off x="1027336" y="5817384"/>
+              <a:ext cx="415384" cy="0"/>
+            </a:xfrm>
+            <a:prstGeom prst="straightConnector1">
+              <a:avLst/>
+            </a:prstGeom>
+            <a:ln w="12700">
+              <a:solidFill>
+                <a:schemeClr val="tx1"/>
+              </a:solidFill>
+              <a:tailEnd type="triangle"/>
+            </a:ln>
+          </p:spPr>
+          <p:style>
+            <a:lnRef idx="1">
+              <a:schemeClr val="accent1"/>
+            </a:lnRef>
+            <a:fillRef idx="0">
+              <a:schemeClr val="accent1"/>
+            </a:fillRef>
+            <a:effectRef idx="0">
+              <a:schemeClr val="accent1"/>
+            </a:effectRef>
+            <a:fontRef idx="minor">
+              <a:schemeClr val="tx1"/>
+            </a:fontRef>
+          </p:style>
+        </p:cxnSp>
+      </p:grpSp>
+      <p:grpSp>
+        <p:nvGrpSpPr>
+          <p:cNvPr id="17" name="グループ化 16">
+            <a:extLst>
+              <a:ext uri="{FF2B5EF4-FFF2-40B4-BE49-F238E27FC236}">
+                <a16:creationId xmlns:a16="http://schemas.microsoft.com/office/drawing/2014/main" id="{86E2E43A-3CE3-434E-8D44-1CB5A2FB3AB9}"/>
+              </a:ext>
+            </a:extLst>
+          </p:cNvPr>
+          <p:cNvGrpSpPr/>
+          <p:nvPr/>
+        </p:nvGrpSpPr>
+        <p:grpSpPr>
+          <a:xfrm>
+            <a:off x="6532880" y="4820728"/>
+            <a:ext cx="2347186" cy="625032"/>
+            <a:chOff x="4826000" y="4558824"/>
+            <a:chExt cx="2987328" cy="795496"/>
+          </a:xfrm>
+        </p:grpSpPr>
+        <p:cxnSp>
+          <p:nvCxnSpPr>
+            <p:cNvPr id="18" name="直線コネクタ 17">
+              <a:extLst>
+                <a:ext uri="{FF2B5EF4-FFF2-40B4-BE49-F238E27FC236}">
+                  <a16:creationId xmlns:a16="http://schemas.microsoft.com/office/drawing/2014/main" id="{94111A38-E517-4142-A6A6-9CC540E904F0}"/>
+                </a:ext>
+              </a:extLst>
+            </p:cNvPr>
+            <p:cNvCxnSpPr>
+              <a:cxnSpLocks/>
+            </p:cNvCxnSpPr>
+            <p:nvPr/>
+          </p:nvCxnSpPr>
+          <p:spPr>
+            <a:xfrm>
+              <a:off x="4826000" y="5350912"/>
+              <a:ext cx="2987040" cy="0"/>
+            </a:xfrm>
+            <a:prstGeom prst="line">
+              <a:avLst/>
+            </a:prstGeom>
+            <a:ln w="12700">
+              <a:solidFill>
+                <a:schemeClr val="tx1"/>
+              </a:solidFill>
+            </a:ln>
+          </p:spPr>
+          <p:style>
+            <a:lnRef idx="1">
+              <a:schemeClr val="accent1"/>
+            </a:lnRef>
+            <a:fillRef idx="0">
+              <a:schemeClr val="accent1"/>
+            </a:fillRef>
+            <a:effectRef idx="0">
+              <a:schemeClr val="accent1"/>
+            </a:effectRef>
+            <a:fontRef idx="minor">
+              <a:schemeClr val="tx1"/>
+            </a:fontRef>
+          </p:style>
+        </p:cxnSp>
+        <p:sp>
+          <p:nvSpPr>
+            <p:cNvPr id="19" name="フリーフォーム 18">
+              <a:extLst>
+                <a:ext uri="{FF2B5EF4-FFF2-40B4-BE49-F238E27FC236}">
+                  <a16:creationId xmlns:a16="http://schemas.microsoft.com/office/drawing/2014/main" id="{22509EB8-79CA-1E4E-B07E-47795826501F}"/>
+                </a:ext>
+              </a:extLst>
+            </p:cNvPr>
+            <p:cNvSpPr/>
+            <p:nvPr/>
+          </p:nvSpPr>
+          <p:spPr>
+            <a:xfrm>
+              <a:off x="5401072" y="4558824"/>
+              <a:ext cx="2160240" cy="795496"/>
+            </a:xfrm>
+            <a:custGeom>
+              <a:avLst/>
+              <a:gdLst>
+                <a:gd name="connsiteX0" fmla="*/ 0 w 3830320"/>
+                <a:gd name="connsiteY0" fmla="*/ 538644 h 538644"/>
+                <a:gd name="connsiteX1" fmla="*/ 812800 w 3830320"/>
+                <a:gd name="connsiteY1" fmla="*/ 447204 h 538644"/>
+                <a:gd name="connsiteX2" fmla="*/ 1828800 w 3830320"/>
+                <a:gd name="connsiteY2" fmla="*/ 164 h 538644"/>
+                <a:gd name="connsiteX3" fmla="*/ 2702560 w 3830320"/>
+                <a:gd name="connsiteY3" fmla="*/ 396404 h 538644"/>
+                <a:gd name="connsiteX4" fmla="*/ 3169920 w 3830320"/>
+                <a:gd name="connsiteY4" fmla="*/ 508164 h 538644"/>
+                <a:gd name="connsiteX5" fmla="*/ 3830320 w 3830320"/>
+                <a:gd name="connsiteY5" fmla="*/ 538644 h 538644"/>
+              </a:gdLst>
+              <a:ahLst/>
+              <a:cxnLst>
+                <a:cxn ang="0">
+                  <a:pos x="connsiteX0" y="connsiteY0"/>
+                </a:cxn>
+                <a:cxn ang="0">
+                  <a:pos x="connsiteX1" y="connsiteY1"/>
+                </a:cxn>
+                <a:cxn ang="0">
+                  <a:pos x="connsiteX2" y="connsiteY2"/>
+                </a:cxn>
+                <a:cxn ang="0">
+                  <a:pos x="connsiteX3" y="connsiteY3"/>
+                </a:cxn>
+                <a:cxn ang="0">
+                  <a:pos x="connsiteX4" y="connsiteY4"/>
+                </a:cxn>
+                <a:cxn ang="0">
+                  <a:pos x="connsiteX5" y="connsiteY5"/>
+                </a:cxn>
+              </a:cxnLst>
+              <a:rect l="l" t="t" r="r" b="b"/>
+              <a:pathLst>
+                <a:path w="3830320" h="538644">
+                  <a:moveTo>
+                    <a:pt x="0" y="538644"/>
+                  </a:moveTo>
+                  <a:cubicBezTo>
+                    <a:pt x="254000" y="537797"/>
+                    <a:pt x="508000" y="536951"/>
+                    <a:pt x="812800" y="447204"/>
+                  </a:cubicBezTo>
+                  <a:cubicBezTo>
+                    <a:pt x="1117600" y="357457"/>
+                    <a:pt x="1513840" y="8631"/>
+                    <a:pt x="1828800" y="164"/>
+                  </a:cubicBezTo>
+                  <a:cubicBezTo>
+                    <a:pt x="2143760" y="-8303"/>
+                    <a:pt x="2479040" y="311737"/>
+                    <a:pt x="2702560" y="396404"/>
+                  </a:cubicBezTo>
+                  <a:cubicBezTo>
+                    <a:pt x="2926080" y="481071"/>
+                    <a:pt x="2981960" y="484457"/>
+                    <a:pt x="3169920" y="508164"/>
+                  </a:cubicBezTo>
+                  <a:cubicBezTo>
+                    <a:pt x="3357880" y="531871"/>
+                    <a:pt x="3594100" y="535257"/>
+                    <a:pt x="3830320" y="538644"/>
+                  </a:cubicBezTo>
+                </a:path>
+              </a:pathLst>
+            </a:custGeom>
+            <a:noFill/>
+            <a:ln>
+              <a:solidFill>
+                <a:schemeClr val="tx1"/>
+              </a:solidFill>
+            </a:ln>
+          </p:spPr>
+          <p:style>
+            <a:lnRef idx="2">
+              <a:schemeClr val="accent1">
+                <a:shade val="50000"/>
+              </a:schemeClr>
+            </a:lnRef>
+            <a:fillRef idx="1">
+              <a:schemeClr val="accent1"/>
+            </a:fillRef>
+            <a:effectRef idx="0">
+              <a:schemeClr val="accent1"/>
+            </a:effectRef>
+            <a:fontRef idx="minor">
+              <a:schemeClr val="lt1"/>
+            </a:fontRef>
+          </p:style>
+          <p:txBody>
+            <a:bodyPr rtlCol="0" anchor="ctr"/>
+            <a:lstStyle/>
+            <a:p>
+              <a:pPr algn="ctr"/>
+              <a:endParaRPr kumimoji="1" lang="ja-JP" altLang="en-US"/>
+            </a:p>
+          </p:txBody>
+        </p:sp>
+        <p:sp>
+          <p:nvSpPr>
+            <p:cNvPr id="20" name="円/楕円 19">
+              <a:extLst>
+                <a:ext uri="{FF2B5EF4-FFF2-40B4-BE49-F238E27FC236}">
+                  <a16:creationId xmlns:a16="http://schemas.microsoft.com/office/drawing/2014/main" id="{1AD12D10-2082-F04D-9864-B646ED5EF3E2}"/>
+                </a:ext>
+              </a:extLst>
+            </p:cNvPr>
+            <p:cNvSpPr/>
+            <p:nvPr/>
+          </p:nvSpPr>
+          <p:spPr>
+            <a:xfrm>
+              <a:off x="7597304" y="5124728"/>
+              <a:ext cx="216024" cy="216024"/>
+            </a:xfrm>
+            <a:prstGeom prst="ellipse">
+              <a:avLst/>
+            </a:prstGeom>
+            <a:solidFill>
+              <a:srgbClr val="FF0000"/>
+            </a:solidFill>
+            <a:ln>
+              <a:solidFill>
+                <a:schemeClr val="tx1"/>
+              </a:solidFill>
+            </a:ln>
+          </p:spPr>
+          <p:style>
+            <a:lnRef idx="2">
+              <a:schemeClr val="accent1">
+                <a:shade val="50000"/>
+              </a:schemeClr>
+            </a:lnRef>
+            <a:fillRef idx="1">
+              <a:schemeClr val="accent1"/>
+            </a:fillRef>
+            <a:effectRef idx="0">
+              <a:schemeClr val="accent1"/>
+            </a:effectRef>
+            <a:fontRef idx="minor">
+              <a:schemeClr val="lt1"/>
+            </a:fontRef>
+          </p:style>
+          <p:txBody>
+            <a:bodyPr rtlCol="0" anchor="ctr"/>
+            <a:lstStyle/>
+            <a:p>
+              <a:pPr algn="ctr"/>
+              <a:endParaRPr kumimoji="1" lang="ja-JP" altLang="en-US"/>
+            </a:p>
+          </p:txBody>
+        </p:sp>
+        <p:sp>
+          <p:nvSpPr>
+            <p:cNvPr id="21" name="円/楕円 20">
+              <a:extLst>
+                <a:ext uri="{FF2B5EF4-FFF2-40B4-BE49-F238E27FC236}">
+                  <a16:creationId xmlns:a16="http://schemas.microsoft.com/office/drawing/2014/main" id="{E801C04F-8F9C-494D-84B9-582B7C95162A}"/>
+                </a:ext>
+              </a:extLst>
+            </p:cNvPr>
+            <p:cNvSpPr/>
+            <p:nvPr/>
+          </p:nvSpPr>
+          <p:spPr>
+            <a:xfrm>
+              <a:off x="6357784" y="5114568"/>
+              <a:ext cx="216024" cy="216024"/>
+            </a:xfrm>
+            <a:prstGeom prst="ellipse">
+              <a:avLst/>
+            </a:prstGeom>
+            <a:solidFill>
+              <a:srgbClr val="FF0000">
+                <a:alpha val="25882"/>
+              </a:srgbClr>
+            </a:solidFill>
+            <a:ln>
+              <a:solidFill>
+                <a:srgbClr val="000000">
+                  <a:alpha val="43137"/>
+                </a:srgbClr>
+              </a:solidFill>
+            </a:ln>
+          </p:spPr>
+          <p:style>
+            <a:lnRef idx="2">
+              <a:schemeClr val="accent1">
+                <a:shade val="50000"/>
+              </a:schemeClr>
+            </a:lnRef>
+            <a:fillRef idx="1">
+              <a:schemeClr val="accent1"/>
+            </a:fillRef>
+            <a:effectRef idx="0">
+              <a:schemeClr val="accent1"/>
+            </a:effectRef>
+            <a:fontRef idx="minor">
+              <a:schemeClr val="lt1"/>
+            </a:fontRef>
+          </p:style>
+          <p:txBody>
+            <a:bodyPr rtlCol="0" anchor="ctr"/>
+            <a:lstStyle/>
+            <a:p>
+              <a:pPr algn="ctr"/>
+              <a:endParaRPr kumimoji="1" lang="ja-JP" altLang="en-US"/>
+            </a:p>
+          </p:txBody>
+        </p:sp>
+        <p:cxnSp>
+          <p:nvCxnSpPr>
+            <p:cNvPr id="22" name="直線矢印コネクタ 21">
+              <a:extLst>
+                <a:ext uri="{FF2B5EF4-FFF2-40B4-BE49-F238E27FC236}">
+                  <a16:creationId xmlns:a16="http://schemas.microsoft.com/office/drawing/2014/main" id="{4D63B226-F0D3-154F-BBB4-388872209801}"/>
+                </a:ext>
+              </a:extLst>
+            </p:cNvPr>
+            <p:cNvCxnSpPr>
+              <a:cxnSpLocks/>
+            </p:cNvCxnSpPr>
+            <p:nvPr/>
+          </p:nvCxnSpPr>
+          <p:spPr>
+            <a:xfrm flipV="1">
+              <a:off x="5910278" y="5222240"/>
+              <a:ext cx="1618282" cy="27517"/>
+            </a:xfrm>
+            <a:prstGeom prst="straightConnector1">
+              <a:avLst/>
+            </a:prstGeom>
+            <a:ln w="12700">
+              <a:solidFill>
+                <a:schemeClr val="tx1"/>
+              </a:solidFill>
+              <a:prstDash val="dash"/>
+              <a:tailEnd type="triangle"/>
+            </a:ln>
+          </p:spPr>
+          <p:style>
+            <a:lnRef idx="1">
+              <a:schemeClr val="accent1"/>
+            </a:lnRef>
+            <a:fillRef idx="0">
+              <a:schemeClr val="accent1"/>
+            </a:fillRef>
+            <a:effectRef idx="0">
+              <a:schemeClr val="accent1"/>
+            </a:effectRef>
+            <a:fontRef idx="minor">
+              <a:schemeClr val="tx1"/>
+            </a:fontRef>
+          </p:style>
+        </p:cxnSp>
+      </p:grpSp>
+      <p:grpSp>
+        <p:nvGrpSpPr>
+          <p:cNvPr id="23" name="グループ化 22">
+            <a:extLst>
+              <a:ext uri="{FF2B5EF4-FFF2-40B4-BE49-F238E27FC236}">
+                <a16:creationId xmlns:a16="http://schemas.microsoft.com/office/drawing/2014/main" id="{CC8A3642-6235-CF4D-92EB-2F79AA93C14D}"/>
+              </a:ext>
+            </a:extLst>
+          </p:cNvPr>
+          <p:cNvGrpSpPr/>
+          <p:nvPr/>
+        </p:nvGrpSpPr>
+        <p:grpSpPr>
+          <a:xfrm>
+            <a:off x="3850640" y="4807130"/>
+            <a:ext cx="2346960" cy="638629"/>
+            <a:chOff x="4876800" y="5963920"/>
+            <a:chExt cx="2987040" cy="812800"/>
+          </a:xfrm>
+        </p:grpSpPr>
+        <p:cxnSp>
+          <p:nvCxnSpPr>
+            <p:cNvPr id="24" name="直線コネクタ 23">
+              <a:extLst>
+                <a:ext uri="{FF2B5EF4-FFF2-40B4-BE49-F238E27FC236}">
+                  <a16:creationId xmlns:a16="http://schemas.microsoft.com/office/drawing/2014/main" id="{CA7658EA-57F6-D545-BEDE-45684F03C660}"/>
+                </a:ext>
+              </a:extLst>
+            </p:cNvPr>
+            <p:cNvCxnSpPr>
+              <a:cxnSpLocks/>
+            </p:cNvCxnSpPr>
+            <p:nvPr/>
+          </p:nvCxnSpPr>
+          <p:spPr>
+            <a:xfrm>
+              <a:off x="4876800" y="6773312"/>
+              <a:ext cx="2987040" cy="0"/>
+            </a:xfrm>
+            <a:prstGeom prst="line">
+              <a:avLst/>
+            </a:prstGeom>
+            <a:ln w="12700">
+              <a:solidFill>
+                <a:schemeClr val="tx1"/>
+              </a:solidFill>
+            </a:ln>
+          </p:spPr>
+          <p:style>
+            <a:lnRef idx="1">
+              <a:schemeClr val="accent1"/>
+            </a:lnRef>
+            <a:fillRef idx="0">
+              <a:schemeClr val="accent1"/>
+            </a:fillRef>
+            <a:effectRef idx="0">
+              <a:schemeClr val="accent1"/>
+            </a:effectRef>
+            <a:fontRef idx="minor">
+              <a:schemeClr val="tx1"/>
+            </a:fontRef>
+          </p:style>
+        </p:cxnSp>
+        <p:sp>
+          <p:nvSpPr>
+            <p:cNvPr id="25" name="フリーフォーム 24">
+              <a:extLst>
+                <a:ext uri="{FF2B5EF4-FFF2-40B4-BE49-F238E27FC236}">
+                  <a16:creationId xmlns:a16="http://schemas.microsoft.com/office/drawing/2014/main" id="{93A098E8-C89D-5A4A-8D2F-908870764EC0}"/>
+                </a:ext>
+              </a:extLst>
+            </p:cNvPr>
+            <p:cNvSpPr/>
+            <p:nvPr/>
+          </p:nvSpPr>
+          <p:spPr>
+            <a:xfrm>
+              <a:off x="5451872" y="5981224"/>
+              <a:ext cx="2160240" cy="795496"/>
+            </a:xfrm>
+            <a:custGeom>
+              <a:avLst/>
+              <a:gdLst>
+                <a:gd name="connsiteX0" fmla="*/ 0 w 3830320"/>
+                <a:gd name="connsiteY0" fmla="*/ 538644 h 538644"/>
+                <a:gd name="connsiteX1" fmla="*/ 812800 w 3830320"/>
+                <a:gd name="connsiteY1" fmla="*/ 447204 h 538644"/>
+                <a:gd name="connsiteX2" fmla="*/ 1828800 w 3830320"/>
+                <a:gd name="connsiteY2" fmla="*/ 164 h 538644"/>
+                <a:gd name="connsiteX3" fmla="*/ 2702560 w 3830320"/>
+                <a:gd name="connsiteY3" fmla="*/ 396404 h 538644"/>
+                <a:gd name="connsiteX4" fmla="*/ 3169920 w 3830320"/>
+                <a:gd name="connsiteY4" fmla="*/ 508164 h 538644"/>
+                <a:gd name="connsiteX5" fmla="*/ 3830320 w 3830320"/>
+                <a:gd name="connsiteY5" fmla="*/ 538644 h 538644"/>
+              </a:gdLst>
+              <a:ahLst/>
+              <a:cxnLst>
+                <a:cxn ang="0">
+                  <a:pos x="connsiteX0" y="connsiteY0"/>
+                </a:cxn>
+                <a:cxn ang="0">
+                  <a:pos x="connsiteX1" y="connsiteY1"/>
+                </a:cxn>
+                <a:cxn ang="0">
+                  <a:pos x="connsiteX2" y="connsiteY2"/>
+                </a:cxn>
+                <a:cxn ang="0">
+                  <a:pos x="connsiteX3" y="connsiteY3"/>
+                </a:cxn>
+                <a:cxn ang="0">
+                  <a:pos x="connsiteX4" y="connsiteY4"/>
+                </a:cxn>
+                <a:cxn ang="0">
+                  <a:pos x="connsiteX5" y="connsiteY5"/>
+                </a:cxn>
+              </a:cxnLst>
+              <a:rect l="l" t="t" r="r" b="b"/>
+              <a:pathLst>
+                <a:path w="3830320" h="538644">
+                  <a:moveTo>
+                    <a:pt x="0" y="538644"/>
+                  </a:moveTo>
+                  <a:cubicBezTo>
+                    <a:pt x="254000" y="537797"/>
+                    <a:pt x="508000" y="536951"/>
+                    <a:pt x="812800" y="447204"/>
+                  </a:cubicBezTo>
+                  <a:cubicBezTo>
+                    <a:pt x="1117600" y="357457"/>
+                    <a:pt x="1513840" y="8631"/>
+                    <a:pt x="1828800" y="164"/>
+                  </a:cubicBezTo>
+                  <a:cubicBezTo>
+                    <a:pt x="2143760" y="-8303"/>
+                    <a:pt x="2479040" y="311737"/>
+                    <a:pt x="2702560" y="396404"/>
+                  </a:cubicBezTo>
+                  <a:cubicBezTo>
+                    <a:pt x="2926080" y="481071"/>
+                    <a:pt x="2981960" y="484457"/>
+                    <a:pt x="3169920" y="508164"/>
+                  </a:cubicBezTo>
+                  <a:cubicBezTo>
+                    <a:pt x="3357880" y="531871"/>
+                    <a:pt x="3594100" y="535257"/>
+                    <a:pt x="3830320" y="538644"/>
+                  </a:cubicBezTo>
+                </a:path>
+              </a:pathLst>
+            </a:custGeom>
+            <a:noFill/>
+            <a:ln>
+              <a:solidFill>
+                <a:schemeClr val="tx1"/>
+              </a:solidFill>
+            </a:ln>
+          </p:spPr>
+          <p:style>
+            <a:lnRef idx="2">
+              <a:schemeClr val="accent1">
+                <a:shade val="50000"/>
+              </a:schemeClr>
+            </a:lnRef>
+            <a:fillRef idx="1">
+              <a:schemeClr val="accent1"/>
+            </a:fillRef>
+            <a:effectRef idx="0">
+              <a:schemeClr val="accent1"/>
+            </a:effectRef>
+            <a:fontRef idx="minor">
+              <a:schemeClr val="lt1"/>
+            </a:fontRef>
+          </p:style>
+          <p:txBody>
+            <a:bodyPr rtlCol="0" anchor="ctr"/>
+            <a:lstStyle/>
+            <a:p>
+              <a:pPr algn="ctr"/>
+              <a:endParaRPr kumimoji="1" lang="ja-JP" altLang="en-US"/>
+            </a:p>
+          </p:txBody>
+        </p:sp>
+        <p:sp>
+          <p:nvSpPr>
+            <p:cNvPr id="26" name="円/楕円 25">
+              <a:extLst>
+                <a:ext uri="{FF2B5EF4-FFF2-40B4-BE49-F238E27FC236}">
+                  <a16:creationId xmlns:a16="http://schemas.microsoft.com/office/drawing/2014/main" id="{83301D96-CFB5-F04D-8157-56C795AF0754}"/>
+                </a:ext>
+              </a:extLst>
+            </p:cNvPr>
+            <p:cNvSpPr/>
+            <p:nvPr/>
+          </p:nvSpPr>
+          <p:spPr>
+            <a:xfrm>
+              <a:off x="5209704" y="6557288"/>
+              <a:ext cx="216024" cy="216024"/>
+            </a:xfrm>
+            <a:prstGeom prst="ellipse">
+              <a:avLst/>
+            </a:prstGeom>
+            <a:solidFill>
+              <a:srgbClr val="FF0000"/>
+            </a:solidFill>
+            <a:ln>
+              <a:solidFill>
+                <a:schemeClr val="tx1"/>
+              </a:solidFill>
+            </a:ln>
+          </p:spPr>
+          <p:style>
+            <a:lnRef idx="2">
+              <a:schemeClr val="accent1">
+                <a:shade val="50000"/>
+              </a:schemeClr>
+            </a:lnRef>
+            <a:fillRef idx="1">
+              <a:schemeClr val="accent1"/>
+            </a:fillRef>
+            <a:effectRef idx="0">
+              <a:schemeClr val="accent1"/>
+            </a:effectRef>
+            <a:fontRef idx="minor">
+              <a:schemeClr val="lt1"/>
+            </a:fontRef>
+          </p:style>
+          <p:txBody>
+            <a:bodyPr rtlCol="0" anchor="ctr"/>
+            <a:lstStyle/>
+            <a:p>
+              <a:pPr algn="ctr"/>
+              <a:endParaRPr kumimoji="1" lang="ja-JP" altLang="en-US"/>
+            </a:p>
+          </p:txBody>
+        </p:sp>
+        <p:sp>
+          <p:nvSpPr>
+            <p:cNvPr id="27" name="フリーフォーム 26">
+              <a:extLst>
+                <a:ext uri="{FF2B5EF4-FFF2-40B4-BE49-F238E27FC236}">
+                  <a16:creationId xmlns:a16="http://schemas.microsoft.com/office/drawing/2014/main" id="{35CD3F67-CE50-FA4A-94F8-7EAD6DC53E80}"/>
+                </a:ext>
+              </a:extLst>
+            </p:cNvPr>
+            <p:cNvSpPr/>
+            <p:nvPr/>
+          </p:nvSpPr>
+          <p:spPr>
+            <a:xfrm>
+              <a:off x="5496560" y="5963920"/>
+              <a:ext cx="690880" cy="660400"/>
+            </a:xfrm>
+            <a:custGeom>
+              <a:avLst/>
+              <a:gdLst>
+                <a:gd name="connsiteX0" fmla="*/ 690880 w 690880"/>
+                <a:gd name="connsiteY0" fmla="*/ 0 h 660400"/>
+                <a:gd name="connsiteX1" fmla="*/ 325120 w 690880"/>
+                <a:gd name="connsiteY1" fmla="*/ 467360 h 660400"/>
+                <a:gd name="connsiteX2" fmla="*/ 0 w 690880"/>
+                <a:gd name="connsiteY2" fmla="*/ 660400 h 660400"/>
+              </a:gdLst>
+              <a:ahLst/>
+              <a:cxnLst>
+                <a:cxn ang="0">
+                  <a:pos x="connsiteX0" y="connsiteY0"/>
+                </a:cxn>
+                <a:cxn ang="0">
+                  <a:pos x="connsiteX1" y="connsiteY1"/>
+                </a:cxn>
+                <a:cxn ang="0">
+                  <a:pos x="connsiteX2" y="connsiteY2"/>
+                </a:cxn>
+              </a:cxnLst>
+              <a:rect l="l" t="t" r="r" b="b"/>
+              <a:pathLst>
+                <a:path w="690880" h="660400">
+                  <a:moveTo>
+                    <a:pt x="690880" y="0"/>
+                  </a:moveTo>
+                  <a:cubicBezTo>
+                    <a:pt x="565573" y="178646"/>
+                    <a:pt x="440267" y="357293"/>
+                    <a:pt x="325120" y="467360"/>
+                  </a:cubicBezTo>
+                  <a:cubicBezTo>
+                    <a:pt x="209973" y="577427"/>
+                    <a:pt x="104986" y="618913"/>
+                    <a:pt x="0" y="660400"/>
+                  </a:cubicBezTo>
+                </a:path>
+              </a:pathLst>
+            </a:custGeom>
+            <a:noFill/>
+            <a:ln>
+              <a:solidFill>
+                <a:schemeClr val="tx1"/>
+              </a:solidFill>
+              <a:headEnd type="none" w="med" len="med"/>
+              <a:tailEnd type="triangle" w="med" len="med"/>
+            </a:ln>
+          </p:spPr>
+          <p:style>
+            <a:lnRef idx="2">
+              <a:schemeClr val="accent1">
+                <a:shade val="50000"/>
+              </a:schemeClr>
+            </a:lnRef>
+            <a:fillRef idx="1">
+              <a:schemeClr val="accent1"/>
+            </a:fillRef>
+            <a:effectRef idx="0">
+              <a:schemeClr val="accent1"/>
+            </a:effectRef>
+            <a:fontRef idx="minor">
+              <a:schemeClr val="lt1"/>
+            </a:fontRef>
+          </p:style>
+          <p:txBody>
+            <a:bodyPr rtlCol="0" anchor="ctr"/>
+            <a:lstStyle/>
+            <a:p>
+              <a:pPr algn="ctr"/>
+              <a:endParaRPr kumimoji="1" lang="ja-JP" altLang="en-US"/>
+            </a:p>
+          </p:txBody>
+        </p:sp>
+      </p:grpSp>
+      <p:cxnSp>
+        <p:nvCxnSpPr>
+          <p:cNvPr id="28" name="直線コネクタ 27">
+            <a:extLst>
+              <a:ext uri="{FF2B5EF4-FFF2-40B4-BE49-F238E27FC236}">
+                <a16:creationId xmlns:a16="http://schemas.microsoft.com/office/drawing/2014/main" id="{E121E9F2-34C3-D84F-B199-2D2ACF2A913D}"/>
+              </a:ext>
+            </a:extLst>
+          </p:cNvPr>
+          <p:cNvCxnSpPr/>
+          <p:nvPr/>
+        </p:nvCxnSpPr>
+        <p:spPr>
+          <a:xfrm>
+            <a:off x="1882944" y="1622192"/>
+            <a:ext cx="5400600" cy="0"/>
+          </a:xfrm>
+          <a:prstGeom prst="line">
+            <a:avLst/>
+          </a:prstGeom>
+          <a:ln w="12700">
+            <a:solidFill>
+              <a:schemeClr val="tx1"/>
+            </a:solidFill>
+          </a:ln>
+        </p:spPr>
+        <p:style>
+          <a:lnRef idx="1">
+            <a:schemeClr val="accent1"/>
+          </a:lnRef>
+          <a:fillRef idx="0">
+            <a:schemeClr val="accent1"/>
+          </a:fillRef>
+          <a:effectRef idx="0">
+            <a:schemeClr val="accent1"/>
+          </a:effectRef>
+          <a:fontRef idx="minor">
+            <a:schemeClr val="tx1"/>
+          </a:fontRef>
+        </p:style>
+      </p:cxnSp>
+      <p:sp>
+        <p:nvSpPr>
+          <p:cNvPr id="29" name="フリーフォーム 28">
+            <a:extLst>
+              <a:ext uri="{FF2B5EF4-FFF2-40B4-BE49-F238E27FC236}">
+                <a16:creationId xmlns:a16="http://schemas.microsoft.com/office/drawing/2014/main" id="{B002C010-5363-4344-B610-EB02973DDD26}"/>
+              </a:ext>
+            </a:extLst>
+          </p:cNvPr>
+          <p:cNvSpPr/>
+          <p:nvPr/>
+        </p:nvSpPr>
+        <p:spPr>
+          <a:xfrm>
+            <a:off x="3755152" y="830104"/>
+            <a:ext cx="2160240" cy="795496"/>
+          </a:xfrm>
+          <a:custGeom>
+            <a:avLst/>
+            <a:gdLst>
+              <a:gd name="connsiteX0" fmla="*/ 0 w 3830320"/>
+              <a:gd name="connsiteY0" fmla="*/ 538644 h 538644"/>
+              <a:gd name="connsiteX1" fmla="*/ 812800 w 3830320"/>
+              <a:gd name="connsiteY1" fmla="*/ 447204 h 538644"/>
+              <a:gd name="connsiteX2" fmla="*/ 1828800 w 3830320"/>
+              <a:gd name="connsiteY2" fmla="*/ 164 h 538644"/>
+              <a:gd name="connsiteX3" fmla="*/ 2702560 w 3830320"/>
+              <a:gd name="connsiteY3" fmla="*/ 396404 h 538644"/>
+              <a:gd name="connsiteX4" fmla="*/ 3169920 w 3830320"/>
+              <a:gd name="connsiteY4" fmla="*/ 508164 h 538644"/>
+              <a:gd name="connsiteX5" fmla="*/ 3830320 w 3830320"/>
+              <a:gd name="connsiteY5" fmla="*/ 538644 h 538644"/>
+            </a:gdLst>
+            <a:ahLst/>
+            <a:cxnLst>
+              <a:cxn ang="0">
+                <a:pos x="connsiteX0" y="connsiteY0"/>
+              </a:cxn>
+              <a:cxn ang="0">
+                <a:pos x="connsiteX1" y="connsiteY1"/>
+              </a:cxn>
+              <a:cxn ang="0">
+                <a:pos x="connsiteX2" y="connsiteY2"/>
+              </a:cxn>
+              <a:cxn ang="0">
+                <a:pos x="connsiteX3" y="connsiteY3"/>
+              </a:cxn>
+              <a:cxn ang="0">
+                <a:pos x="connsiteX4" y="connsiteY4"/>
+              </a:cxn>
+              <a:cxn ang="0">
+                <a:pos x="connsiteX5" y="connsiteY5"/>
+              </a:cxn>
+            </a:cxnLst>
+            <a:rect l="l" t="t" r="r" b="b"/>
+            <a:pathLst>
+              <a:path w="3830320" h="538644">
+                <a:moveTo>
+                  <a:pt x="0" y="538644"/>
+                </a:moveTo>
+                <a:cubicBezTo>
+                  <a:pt x="254000" y="537797"/>
+                  <a:pt x="508000" y="536951"/>
+                  <a:pt x="812800" y="447204"/>
+                </a:cubicBezTo>
+                <a:cubicBezTo>
+                  <a:pt x="1117600" y="357457"/>
+                  <a:pt x="1513840" y="8631"/>
+                  <a:pt x="1828800" y="164"/>
+                </a:cubicBezTo>
+                <a:cubicBezTo>
+                  <a:pt x="2143760" y="-8303"/>
+                  <a:pt x="2479040" y="311737"/>
+                  <a:pt x="2702560" y="396404"/>
+                </a:cubicBezTo>
+                <a:cubicBezTo>
+                  <a:pt x="2926080" y="481071"/>
+                  <a:pt x="2981960" y="484457"/>
+                  <a:pt x="3169920" y="508164"/>
+                </a:cubicBezTo>
+                <a:cubicBezTo>
+                  <a:pt x="3357880" y="531871"/>
+                  <a:pt x="3594100" y="535257"/>
+                  <a:pt x="3830320" y="538644"/>
+                </a:cubicBezTo>
+              </a:path>
+            </a:pathLst>
+          </a:custGeom>
+          <a:noFill/>
+          <a:ln>
+            <a:solidFill>
+              <a:schemeClr val="tx1"/>
+            </a:solidFill>
+          </a:ln>
+        </p:spPr>
+        <p:style>
+          <a:lnRef idx="2">
+            <a:schemeClr val="accent1">
+              <a:shade val="50000"/>
+            </a:schemeClr>
+          </a:lnRef>
+          <a:fillRef idx="1">
+            <a:schemeClr val="accent1"/>
+          </a:fillRef>
+          <a:effectRef idx="0">
+            <a:schemeClr val="accent1"/>
+          </a:effectRef>
+          <a:fontRef idx="minor">
+            <a:schemeClr val="lt1"/>
+          </a:fontRef>
+        </p:style>
+        <p:txBody>
+          <a:bodyPr rtlCol="0" anchor="ctr"/>
+          <a:lstStyle/>
+          <a:p>
+            <a:pPr algn="ctr"/>
+            <a:endParaRPr kumimoji="1" lang="ja-JP" altLang="en-US"/>
+          </a:p>
+        </p:txBody>
+      </p:sp>
+      <p:cxnSp>
+        <p:nvCxnSpPr>
+          <p:cNvPr id="30" name="直線矢印コネクタ 29">
+            <a:extLst>
+              <a:ext uri="{FF2B5EF4-FFF2-40B4-BE49-F238E27FC236}">
+                <a16:creationId xmlns:a16="http://schemas.microsoft.com/office/drawing/2014/main" id="{7D4FE1B0-209C-C243-A344-8BDAB46823C3}"/>
+              </a:ext>
+            </a:extLst>
+          </p:cNvPr>
+          <p:cNvCxnSpPr>
+            <a:cxnSpLocks/>
+          </p:cNvCxnSpPr>
+          <p:nvPr/>
+        </p:nvCxnSpPr>
+        <p:spPr>
+          <a:xfrm>
+            <a:off x="4763264" y="830104"/>
+            <a:ext cx="0" cy="791846"/>
+          </a:xfrm>
+          <a:prstGeom prst="straightConnector1">
+            <a:avLst/>
+          </a:prstGeom>
+          <a:ln w="12700">
+            <a:solidFill>
+              <a:schemeClr val="tx1"/>
+            </a:solidFill>
+            <a:headEnd type="triangle"/>
+            <a:tailEnd type="triangle"/>
+          </a:ln>
+        </p:spPr>
+        <p:style>
+          <a:lnRef idx="1">
+            <a:schemeClr val="accent1"/>
+          </a:lnRef>
+          <a:fillRef idx="0">
+            <a:schemeClr val="accent1"/>
+          </a:fillRef>
+          <a:effectRef idx="0">
+            <a:schemeClr val="accent1"/>
+          </a:effectRef>
+          <a:fontRef idx="minor">
+            <a:schemeClr val="tx1"/>
+          </a:fontRef>
+        </p:style>
+      </p:cxnSp>
+      <p:sp>
+        <p:nvSpPr>
+          <p:cNvPr id="31" name="円/楕円 30">
+            <a:extLst>
+              <a:ext uri="{FF2B5EF4-FFF2-40B4-BE49-F238E27FC236}">
+                <a16:creationId xmlns:a16="http://schemas.microsoft.com/office/drawing/2014/main" id="{F9BCFAA6-A069-0243-9D5C-29FB5DB9A986}"/>
+              </a:ext>
+            </a:extLst>
+          </p:cNvPr>
+          <p:cNvSpPr/>
+          <p:nvPr/>
+        </p:nvSpPr>
+        <p:spPr>
+          <a:xfrm>
+            <a:off x="2242984" y="1406168"/>
+            <a:ext cx="216024" cy="216024"/>
+          </a:xfrm>
+          <a:prstGeom prst="ellipse">
+            <a:avLst/>
+          </a:prstGeom>
+          <a:solidFill>
+            <a:srgbClr val="FF0000"/>
+          </a:solidFill>
+          <a:ln>
+            <a:solidFill>
+              <a:schemeClr val="tx1"/>
+            </a:solidFill>
+          </a:ln>
+        </p:spPr>
+        <p:style>
+          <a:lnRef idx="2">
+            <a:schemeClr val="accent1">
+              <a:shade val="50000"/>
+            </a:schemeClr>
+          </a:lnRef>
+          <a:fillRef idx="1">
+            <a:schemeClr val="accent1"/>
+          </a:fillRef>
+          <a:effectRef idx="0">
+            <a:schemeClr val="accent1"/>
+          </a:effectRef>
+          <a:fontRef idx="minor">
+            <a:schemeClr val="lt1"/>
+          </a:fontRef>
+        </p:style>
+        <p:txBody>
+          <a:bodyPr rtlCol="0" anchor="ctr"/>
+          <a:lstStyle/>
+          <a:p>
+            <a:pPr algn="ctr"/>
+            <a:endParaRPr kumimoji="1" lang="ja-JP" altLang="en-US"/>
+          </a:p>
+        </p:txBody>
+      </p:sp>
+      <p:cxnSp>
+        <p:nvCxnSpPr>
+          <p:cNvPr id="32" name="直線矢印コネクタ 31">
+            <a:extLst>
+              <a:ext uri="{FF2B5EF4-FFF2-40B4-BE49-F238E27FC236}">
+                <a16:creationId xmlns:a16="http://schemas.microsoft.com/office/drawing/2014/main" id="{A8E99B99-BA07-F843-87EF-4401065D65A0}"/>
+              </a:ext>
+            </a:extLst>
+          </p:cNvPr>
+          <p:cNvCxnSpPr>
+            <a:cxnSpLocks/>
+          </p:cNvCxnSpPr>
+          <p:nvPr/>
+        </p:nvCxnSpPr>
+        <p:spPr>
+          <a:xfrm>
+            <a:off x="2459896" y="1499384"/>
+            <a:ext cx="415384" cy="0"/>
+          </a:xfrm>
+          <a:prstGeom prst="straightConnector1">
+            <a:avLst/>
+          </a:prstGeom>
+          <a:ln w="12700">
+            <a:solidFill>
+              <a:schemeClr val="tx1"/>
+            </a:solidFill>
+            <a:tailEnd type="triangle"/>
+          </a:ln>
+        </p:spPr>
+        <p:style>
+          <a:lnRef idx="1">
+            <a:schemeClr val="accent1"/>
+          </a:lnRef>
+          <a:fillRef idx="0">
+            <a:schemeClr val="accent1"/>
+          </a:fillRef>
+          <a:effectRef idx="0">
+            <a:schemeClr val="accent1"/>
+          </a:effectRef>
+          <a:fontRef idx="minor">
+            <a:schemeClr val="tx1"/>
+          </a:fontRef>
+        </p:style>
+      </p:cxnSp>
+      <mc:AlternateContent xmlns:mc="http://schemas.openxmlformats.org/markup-compatibility/2006">
+        <mc:Choice xmlns:a14="http://schemas.microsoft.com/office/drawing/2010/main" Requires="a14">
+          <p:sp>
+            <p:nvSpPr>
+              <p:cNvPr id="33" name="テキスト ボックス 32">
+                <a:extLst>
+                  <a:ext uri="{FF2B5EF4-FFF2-40B4-BE49-F238E27FC236}">
+                    <a16:creationId xmlns:a16="http://schemas.microsoft.com/office/drawing/2014/main" id="{8EF28B72-1E9D-224E-B127-8486F308D581}"/>
+                  </a:ext>
+                </a:extLst>
+              </p:cNvPr>
+              <p:cNvSpPr txBox="1"/>
+              <p:nvPr/>
+            </p:nvSpPr>
+            <p:spPr>
+              <a:xfrm>
+                <a:off x="2560320" y="1193800"/>
+                <a:ext cx="184666" cy="276999"/>
+              </a:xfrm>
+              <a:prstGeom prst="rect">
+                <a:avLst/>
+              </a:prstGeom>
+              <a:noFill/>
+            </p:spPr>
+            <p:txBody>
+              <a:bodyPr wrap="none" lIns="0" tIns="0" rIns="0" bIns="0" rtlCol="0">
+                <a:spAutoFit/>
+              </a:bodyPr>
+              <a:lstStyle/>
+              <a:p>
+                <a14:m>
+                  <m:oMathPara xmlns:m="http://schemas.openxmlformats.org/officeDocument/2006/math">
+                    <m:oMathParaPr>
+                      <m:jc m:val="centerGroup"/>
+                    </m:oMathParaPr>
+                    <m:oMath xmlns:m="http://schemas.openxmlformats.org/officeDocument/2006/math">
+                      <m:r>
+                        <a:rPr kumimoji="1" lang="en-US" altLang="ja-JP" b="0" i="1">
+                          <a:latin typeface="Cambria Math" panose="02040503050406030204" pitchFamily="18" charset="0"/>
+                        </a:rPr>
+                        <m:t>𝑣</m:t>
+                      </m:r>
+                    </m:oMath>
+                  </m:oMathPara>
+                </a14:m>
+                <a:endParaRPr kumimoji="1" lang="ja-JP" altLang="en-US"/>
+              </a:p>
+            </p:txBody>
+          </p:sp>
+        </mc:Choice>
+        <mc:Fallback>
+          <p:sp>
+            <p:nvSpPr>
+              <p:cNvPr id="33" name="テキスト ボックス 32">
+                <a:extLst>
+                  <a:ext uri="{FF2B5EF4-FFF2-40B4-BE49-F238E27FC236}">
+                    <a16:creationId xmlns:a16="http://schemas.microsoft.com/office/drawing/2014/main" id="{8EF28B72-1E9D-224E-B127-8486F308D581}"/>
+                  </a:ext>
+                </a:extLst>
+              </p:cNvPr>
+              <p:cNvSpPr txBox="1">
+                <a:spLocks noRot="1" noChangeAspect="1" noMove="1" noResize="1" noEditPoints="1" noAdjustHandles="1" noChangeArrowheads="1" noChangeShapeType="1" noTextEdit="1"/>
+              </p:cNvSpPr>
+              <p:nvPr/>
+            </p:nvSpPr>
+            <p:spPr>
+              <a:xfrm>
+                <a:off x="2560320" y="1193800"/>
+                <a:ext cx="184666" cy="276999"/>
+              </a:xfrm>
+              <a:prstGeom prst="rect">
+                <a:avLst/>
+              </a:prstGeom>
+              <a:blipFill>
+                <a:blip r:embed="rId2"/>
+                <a:stretch>
+                  <a:fillRect l="-13333" r="-13333"/>
+                </a:stretch>
+              </a:blipFill>
+            </p:spPr>
+            <p:txBody>
+              <a:bodyPr/>
+              <a:lstStyle/>
+              <a:p>
+                <a:r>
+                  <a:rPr lang="ja-JP" altLang="en-US">
+                    <a:noFill/>
+                  </a:rPr>
+                  <a:t> </a:t>
+                </a:r>
+              </a:p>
+            </p:txBody>
+          </p:sp>
+        </mc:Fallback>
+      </mc:AlternateContent>
+      <mc:AlternateContent xmlns:mc="http://schemas.openxmlformats.org/markup-compatibility/2006">
+        <mc:Choice xmlns:a14="http://schemas.microsoft.com/office/drawing/2010/main" Requires="a14">
+          <p:sp>
+            <p:nvSpPr>
+              <p:cNvPr id="34" name="テキスト ボックス 33">
+                <a:extLst>
+                  <a:ext uri="{FF2B5EF4-FFF2-40B4-BE49-F238E27FC236}">
+                    <a16:creationId xmlns:a16="http://schemas.microsoft.com/office/drawing/2014/main" id="{8403247F-4DA4-CC48-9DC5-74979F1A0059}"/>
+                  </a:ext>
+                </a:extLst>
+              </p:cNvPr>
+              <p:cNvSpPr txBox="1"/>
+              <p:nvPr/>
+            </p:nvSpPr>
+            <p:spPr>
+              <a:xfrm>
+                <a:off x="4866640" y="1173480"/>
+                <a:ext cx="184666" cy="276999"/>
+              </a:xfrm>
+              <a:prstGeom prst="rect">
+                <a:avLst/>
+              </a:prstGeom>
+              <a:noFill/>
+            </p:spPr>
+            <p:txBody>
+              <a:bodyPr wrap="none" lIns="0" tIns="0" rIns="0" bIns="0" rtlCol="0">
+                <a:spAutoFit/>
+              </a:bodyPr>
+              <a:lstStyle/>
+              <a:p>
+                <a14:m>
+                  <m:oMathPara xmlns:m="http://schemas.openxmlformats.org/officeDocument/2006/math">
+                    <m:oMathParaPr>
+                      <m:jc m:val="centerGroup"/>
+                    </m:oMathParaPr>
+                    <m:oMath xmlns:m="http://schemas.openxmlformats.org/officeDocument/2006/math">
+                      <m:r>
+                        <a:rPr kumimoji="1" lang="en-US" altLang="ja-JP" b="0" i="1">
+                          <a:latin typeface="Cambria Math" panose="02040503050406030204" pitchFamily="18" charset="0"/>
+                        </a:rPr>
+                        <m:t>h</m:t>
+                      </m:r>
+                    </m:oMath>
+                  </m:oMathPara>
+                </a14:m>
+                <a:endParaRPr kumimoji="1" lang="ja-JP" altLang="en-US"/>
+              </a:p>
+            </p:txBody>
+          </p:sp>
+        </mc:Choice>
+        <mc:Fallback>
+          <p:sp>
+            <p:nvSpPr>
+              <p:cNvPr id="34" name="テキスト ボックス 33">
+                <a:extLst>
+                  <a:ext uri="{FF2B5EF4-FFF2-40B4-BE49-F238E27FC236}">
+                    <a16:creationId xmlns:a16="http://schemas.microsoft.com/office/drawing/2014/main" id="{8403247F-4DA4-CC48-9DC5-74979F1A0059}"/>
+                  </a:ext>
+                </a:extLst>
+              </p:cNvPr>
+              <p:cNvSpPr txBox="1">
+                <a:spLocks noRot="1" noChangeAspect="1" noMove="1" noResize="1" noEditPoints="1" noAdjustHandles="1" noChangeArrowheads="1" noChangeShapeType="1" noTextEdit="1"/>
+              </p:cNvSpPr>
+              <p:nvPr/>
+            </p:nvSpPr>
+            <p:spPr>
+              <a:xfrm>
+                <a:off x="4866640" y="1173480"/>
+                <a:ext cx="184666" cy="276999"/>
+              </a:xfrm>
+              <a:prstGeom prst="rect">
+                <a:avLst/>
+              </a:prstGeom>
+              <a:blipFill>
+                <a:blip r:embed="rId3"/>
+                <a:stretch>
+                  <a:fillRect l="-25000" r="-25000" b="-8696"/>
+                </a:stretch>
+              </a:blipFill>
+            </p:spPr>
+            <p:txBody>
+              <a:bodyPr/>
+              <a:lstStyle/>
+              <a:p>
+                <a:r>
+                  <a:rPr lang="ja-JP" altLang="en-US">
+                    <a:noFill/>
+                  </a:rPr>
+                  <a:t> </a:t>
+                </a:r>
+              </a:p>
+            </p:txBody>
+          </p:sp>
+        </mc:Fallback>
+      </mc:AlternateContent>
+      <p:sp>
+        <p:nvSpPr>
+          <p:cNvPr id="36" name="テキスト ボックス 35">
+            <a:extLst>
+              <a:ext uri="{FF2B5EF4-FFF2-40B4-BE49-F238E27FC236}">
+                <a16:creationId xmlns:a16="http://schemas.microsoft.com/office/drawing/2014/main" id="{6253E9BC-8DB0-1741-8DE5-3E595D134C55}"/>
+              </a:ext>
+            </a:extLst>
+          </p:cNvPr>
+          <p:cNvSpPr txBox="1"/>
+          <p:nvPr/>
+        </p:nvSpPr>
+        <p:spPr>
+          <a:xfrm>
+            <a:off x="1209040" y="579120"/>
+            <a:ext cx="2031325" cy="646331"/>
+          </a:xfrm>
+          <a:prstGeom prst="rect">
+            <a:avLst/>
+          </a:prstGeom>
+          <a:noFill/>
+        </p:spPr>
+        <p:txBody>
+          <a:bodyPr wrap="none" rtlCol="0">
+            <a:spAutoFit/>
+          </a:bodyPr>
+          <a:lstStyle/>
+          <a:p>
+            <a:r>
+              <a:rPr kumimoji="1" lang="ja-JP" altLang="en-US"/>
+              <a:t>山の高さを</a:t>
+            </a:r>
+            <a:endParaRPr kumimoji="1" lang="en-US" altLang="ja-JP"/>
+          </a:p>
+          <a:p>
+            <a:r>
+              <a:rPr kumimoji="1" lang="ja-JP" altLang="en-US"/>
+              <a:t>超えられない初速</a:t>
+            </a:r>
+          </a:p>
+        </p:txBody>
+      </p:sp>
+      <p:sp>
+        <p:nvSpPr>
+          <p:cNvPr id="37" name="テキスト ボックス 36">
+            <a:extLst>
+              <a:ext uri="{FF2B5EF4-FFF2-40B4-BE49-F238E27FC236}">
+                <a16:creationId xmlns:a16="http://schemas.microsoft.com/office/drawing/2014/main" id="{84EDE6D8-AD85-D942-A0FA-064CBFC0C9A7}"/>
+              </a:ext>
+            </a:extLst>
+          </p:cNvPr>
+          <p:cNvSpPr txBox="1"/>
+          <p:nvPr/>
+        </p:nvSpPr>
+        <p:spPr>
+          <a:xfrm>
+            <a:off x="894080" y="2103120"/>
+            <a:ext cx="1723549" cy="400110"/>
+          </a:xfrm>
+          <a:prstGeom prst="rect">
+            <a:avLst/>
+          </a:prstGeom>
+          <a:noFill/>
+        </p:spPr>
+        <p:txBody>
+          <a:bodyPr wrap="none" rtlCol="0">
+            <a:spAutoFit/>
+          </a:bodyPr>
+          <a:lstStyle/>
+          <a:p>
+            <a:r>
+              <a:rPr kumimoji="1" lang="ja-JP" altLang="en-US" sz="2000"/>
+              <a:t>古典系の場合</a:t>
+            </a:r>
+          </a:p>
+        </p:txBody>
+      </p:sp>
+      <p:sp>
+        <p:nvSpPr>
+          <p:cNvPr id="38" name="右矢印 37">
+            <a:extLst>
+              <a:ext uri="{FF2B5EF4-FFF2-40B4-BE49-F238E27FC236}">
+                <a16:creationId xmlns:a16="http://schemas.microsoft.com/office/drawing/2014/main" id="{459BDD46-5CD1-5A40-960B-A5D05F45CFE4}"/>
+              </a:ext>
+            </a:extLst>
+          </p:cNvPr>
+          <p:cNvSpPr/>
+          <p:nvPr/>
+        </p:nvSpPr>
+        <p:spPr>
+          <a:xfrm rot="5400000">
+            <a:off x="1480096" y="3850641"/>
+            <a:ext cx="426997" cy="320248"/>
+          </a:xfrm>
+          <a:prstGeom prst="rightArrow">
+            <a:avLst/>
+          </a:prstGeom>
+          <a:solidFill>
+            <a:srgbClr val="FF0000"/>
+          </a:solidFill>
+          <a:ln>
+            <a:solidFill>
+              <a:schemeClr val="tx1"/>
+            </a:solidFill>
+          </a:ln>
+        </p:spPr>
+        <p:style>
+          <a:lnRef idx="2">
+            <a:schemeClr val="accent1">
+              <a:shade val="50000"/>
+            </a:schemeClr>
+          </a:lnRef>
+          <a:fillRef idx="1">
+            <a:schemeClr val="accent1"/>
+          </a:fillRef>
+          <a:effectRef idx="0">
+            <a:schemeClr val="accent1"/>
+          </a:effectRef>
+          <a:fontRef idx="minor">
+            <a:schemeClr val="lt1"/>
+          </a:fontRef>
+        </p:style>
+        <p:txBody>
+          <a:bodyPr rtlCol="0" anchor="ctr"/>
+          <a:lstStyle/>
+          <a:p>
+            <a:pPr algn="ctr"/>
+            <a:endParaRPr kumimoji="1" lang="ja-JP" altLang="en-US"/>
+          </a:p>
+        </p:txBody>
+      </p:sp>
+      <p:sp>
+        <p:nvSpPr>
+          <p:cNvPr id="39" name="テキスト ボックス 38">
+            <a:extLst>
+              <a:ext uri="{FF2B5EF4-FFF2-40B4-BE49-F238E27FC236}">
+                <a16:creationId xmlns:a16="http://schemas.microsoft.com/office/drawing/2014/main" id="{E6AEB115-FD27-4A46-B32E-657EE1643A14}"/>
+              </a:ext>
+            </a:extLst>
+          </p:cNvPr>
+          <p:cNvSpPr txBox="1"/>
+          <p:nvPr/>
+        </p:nvSpPr>
+        <p:spPr>
+          <a:xfrm>
+            <a:off x="548640" y="5791200"/>
+            <a:ext cx="2085827" cy="646331"/>
+          </a:xfrm>
+          <a:prstGeom prst="rect">
+            <a:avLst/>
+          </a:prstGeom>
+          <a:noFill/>
+        </p:spPr>
+        <p:txBody>
+          <a:bodyPr wrap="none" rtlCol="0">
+            <a:spAutoFit/>
+          </a:bodyPr>
+          <a:lstStyle/>
+          <a:p>
+            <a:r>
+              <a:rPr lang="ja-JP" altLang="en-US"/>
+              <a:t>山</a:t>
+            </a:r>
+            <a:r>
+              <a:rPr kumimoji="1" lang="ja-JP" altLang="en-US"/>
+              <a:t>を登りきれずに</a:t>
+            </a:r>
+            <a:endParaRPr kumimoji="1" lang="en-US" altLang="ja-JP"/>
+          </a:p>
+          <a:p>
+            <a:r>
+              <a:rPr kumimoji="1" lang="en-US" altLang="ja-JP"/>
+              <a:t>100%</a:t>
+            </a:r>
+            <a:r>
+              <a:rPr kumimoji="1" lang="ja-JP" altLang="en-US"/>
+              <a:t>跳ね返される</a:t>
+            </a:r>
+          </a:p>
+        </p:txBody>
+      </p:sp>
+      <p:sp>
+        <p:nvSpPr>
+          <p:cNvPr id="40" name="テキスト ボックス 39">
+            <a:extLst>
+              <a:ext uri="{FF2B5EF4-FFF2-40B4-BE49-F238E27FC236}">
+                <a16:creationId xmlns:a16="http://schemas.microsoft.com/office/drawing/2014/main" id="{8119AEAD-68DF-8E48-B9D1-12F1C3B6BA3F}"/>
+              </a:ext>
+            </a:extLst>
+          </p:cNvPr>
+          <p:cNvSpPr txBox="1"/>
+          <p:nvPr/>
+        </p:nvSpPr>
+        <p:spPr>
+          <a:xfrm>
+            <a:off x="5445760" y="2113280"/>
+            <a:ext cx="1723549" cy="400110"/>
+          </a:xfrm>
+          <a:prstGeom prst="rect">
+            <a:avLst/>
+          </a:prstGeom>
+          <a:noFill/>
+        </p:spPr>
+        <p:txBody>
+          <a:bodyPr wrap="none" rtlCol="0">
+            <a:spAutoFit/>
+          </a:bodyPr>
+          <a:lstStyle/>
+          <a:p>
+            <a:r>
+              <a:rPr kumimoji="1" lang="ja-JP" altLang="en-US" sz="2000"/>
+              <a:t>量子系の場合</a:t>
+            </a:r>
+          </a:p>
+        </p:txBody>
+      </p:sp>
+      <p:sp>
+        <p:nvSpPr>
+          <p:cNvPr id="41" name="右矢印 40">
+            <a:extLst>
+              <a:ext uri="{FF2B5EF4-FFF2-40B4-BE49-F238E27FC236}">
+                <a16:creationId xmlns:a16="http://schemas.microsoft.com/office/drawing/2014/main" id="{BB72EFCC-6B66-1946-9D59-AF076E205365}"/>
+              </a:ext>
+            </a:extLst>
+          </p:cNvPr>
+          <p:cNvSpPr/>
+          <p:nvPr/>
+        </p:nvSpPr>
+        <p:spPr>
+          <a:xfrm rot="7279526">
+            <a:off x="5279938" y="4013201"/>
+            <a:ext cx="426997" cy="320248"/>
+          </a:xfrm>
+          <a:prstGeom prst="rightArrow">
+            <a:avLst/>
+          </a:prstGeom>
+          <a:solidFill>
+            <a:srgbClr val="FF0000"/>
+          </a:solidFill>
+          <a:ln>
+            <a:solidFill>
+              <a:schemeClr val="tx1"/>
+            </a:solidFill>
+          </a:ln>
+        </p:spPr>
+        <p:style>
+          <a:lnRef idx="2">
+            <a:schemeClr val="accent1">
+              <a:shade val="50000"/>
+            </a:schemeClr>
+          </a:lnRef>
+          <a:fillRef idx="1">
+            <a:schemeClr val="accent1"/>
+          </a:fillRef>
+          <a:effectRef idx="0">
+            <a:schemeClr val="accent1"/>
+          </a:effectRef>
+          <a:fontRef idx="minor">
+            <a:schemeClr val="lt1"/>
+          </a:fontRef>
+        </p:style>
+        <p:txBody>
+          <a:bodyPr rtlCol="0" anchor="ctr"/>
+          <a:lstStyle/>
+          <a:p>
+            <a:pPr algn="ctr"/>
+            <a:endParaRPr kumimoji="1" lang="ja-JP" altLang="en-US"/>
+          </a:p>
+        </p:txBody>
+      </p:sp>
+      <p:sp>
+        <p:nvSpPr>
+          <p:cNvPr id="42" name="右矢印 41">
+            <a:extLst>
+              <a:ext uri="{FF2B5EF4-FFF2-40B4-BE49-F238E27FC236}">
+                <a16:creationId xmlns:a16="http://schemas.microsoft.com/office/drawing/2014/main" id="{76FD552D-3B6B-9949-910B-5A7722CA8E32}"/>
+              </a:ext>
+            </a:extLst>
+          </p:cNvPr>
+          <p:cNvSpPr/>
+          <p:nvPr/>
+        </p:nvSpPr>
+        <p:spPr>
+          <a:xfrm rot="3492407">
+            <a:off x="6763299" y="3982721"/>
+            <a:ext cx="426997" cy="320248"/>
+          </a:xfrm>
+          <a:prstGeom prst="rightArrow">
+            <a:avLst/>
+          </a:prstGeom>
+          <a:solidFill>
+            <a:srgbClr val="FF0000"/>
+          </a:solidFill>
+          <a:ln>
+            <a:solidFill>
+              <a:schemeClr val="tx1"/>
+            </a:solidFill>
+          </a:ln>
+        </p:spPr>
+        <p:style>
+          <a:lnRef idx="2">
+            <a:schemeClr val="accent1">
+              <a:shade val="50000"/>
+            </a:schemeClr>
+          </a:lnRef>
+          <a:fillRef idx="1">
+            <a:schemeClr val="accent1"/>
+          </a:fillRef>
+          <a:effectRef idx="0">
+            <a:schemeClr val="accent1"/>
+          </a:effectRef>
+          <a:fontRef idx="minor">
+            <a:schemeClr val="lt1"/>
+          </a:fontRef>
+        </p:style>
+        <p:txBody>
+          <a:bodyPr rtlCol="0" anchor="ctr"/>
+          <a:lstStyle/>
+          <a:p>
+            <a:pPr algn="ctr"/>
+            <a:endParaRPr kumimoji="1" lang="ja-JP" altLang="en-US"/>
+          </a:p>
+        </p:txBody>
+      </p:sp>
+      <p:sp>
+        <p:nvSpPr>
+          <p:cNvPr id="43" name="テキスト ボックス 42">
+            <a:extLst>
+              <a:ext uri="{FF2B5EF4-FFF2-40B4-BE49-F238E27FC236}">
+                <a16:creationId xmlns:a16="http://schemas.microsoft.com/office/drawing/2014/main" id="{1C45EE15-2241-7941-A87C-C55043CD9000}"/>
+              </a:ext>
+            </a:extLst>
+          </p:cNvPr>
+          <p:cNvSpPr txBox="1"/>
+          <p:nvPr/>
+        </p:nvSpPr>
+        <p:spPr>
+          <a:xfrm>
+            <a:off x="3464560" y="5892800"/>
+            <a:ext cx="2882520" cy="369332"/>
+          </a:xfrm>
+          <a:prstGeom prst="rect">
+            <a:avLst/>
+          </a:prstGeom>
+          <a:noFill/>
+        </p:spPr>
+        <p:txBody>
+          <a:bodyPr wrap="none" rtlCol="0">
+            <a:spAutoFit/>
+          </a:bodyPr>
+          <a:lstStyle/>
+          <a:p>
+            <a:r>
+              <a:rPr kumimoji="1" lang="ja-JP" altLang="en-US"/>
+              <a:t>ほとんど跳ね返されるが</a:t>
+            </a:r>
+            <a:r>
+              <a:rPr lang="en-US" altLang="ja-JP"/>
+              <a:t>…</a:t>
+            </a:r>
+            <a:endParaRPr kumimoji="1" lang="ja-JP" altLang="en-US"/>
+          </a:p>
+        </p:txBody>
+      </p:sp>
+      <p:sp>
+        <p:nvSpPr>
+          <p:cNvPr id="44" name="テキスト ボックス 43">
+            <a:extLst>
+              <a:ext uri="{FF2B5EF4-FFF2-40B4-BE49-F238E27FC236}">
+                <a16:creationId xmlns:a16="http://schemas.microsoft.com/office/drawing/2014/main" id="{26F40E66-F6E8-F04D-AB74-BEB0239266C8}"/>
+              </a:ext>
+            </a:extLst>
+          </p:cNvPr>
+          <p:cNvSpPr txBox="1"/>
+          <p:nvPr/>
+        </p:nvSpPr>
+        <p:spPr>
+          <a:xfrm>
+            <a:off x="6729442" y="5852160"/>
+            <a:ext cx="2262158" cy="369332"/>
+          </a:xfrm>
+          <a:prstGeom prst="rect">
+            <a:avLst/>
+          </a:prstGeom>
+          <a:noFill/>
+        </p:spPr>
+        <p:txBody>
+          <a:bodyPr wrap="none" rtlCol="0">
+            <a:spAutoFit/>
+          </a:bodyPr>
+          <a:lstStyle/>
+          <a:p>
+            <a:r>
+              <a:rPr kumimoji="1" lang="ja-JP" altLang="en-US"/>
+              <a:t>低確率ですり抜ける</a:t>
+            </a:r>
+          </a:p>
+        </p:txBody>
+      </p:sp>
+      <p:sp>
+        <p:nvSpPr>
+          <p:cNvPr id="45" name="角丸四角形 44">
+            <a:extLst>
+              <a:ext uri="{FF2B5EF4-FFF2-40B4-BE49-F238E27FC236}">
+                <a16:creationId xmlns:a16="http://schemas.microsoft.com/office/drawing/2014/main" id="{0D3F975F-0729-244F-8EA9-85681CC2896E}"/>
+              </a:ext>
+            </a:extLst>
+          </p:cNvPr>
+          <p:cNvSpPr/>
+          <p:nvPr/>
+        </p:nvSpPr>
+        <p:spPr>
+          <a:xfrm>
+            <a:off x="264160" y="2448560"/>
+            <a:ext cx="2905760" cy="4043680"/>
+          </a:xfrm>
+          <a:prstGeom prst="roundRect">
+            <a:avLst>
+              <a:gd name="adj" fmla="val 13520"/>
+            </a:avLst>
+          </a:prstGeom>
+          <a:noFill/>
+          <a:ln>
+            <a:solidFill>
+              <a:schemeClr val="tx1"/>
+            </a:solidFill>
+          </a:ln>
+        </p:spPr>
+        <p:style>
+          <a:lnRef idx="2">
+            <a:schemeClr val="accent1">
+              <a:shade val="50000"/>
+            </a:schemeClr>
+          </a:lnRef>
+          <a:fillRef idx="1">
+            <a:schemeClr val="accent1"/>
+          </a:fillRef>
+          <a:effectRef idx="0">
+            <a:schemeClr val="accent1"/>
+          </a:effectRef>
+          <a:fontRef idx="minor">
+            <a:schemeClr val="lt1"/>
+          </a:fontRef>
+        </p:style>
+        <p:txBody>
+          <a:bodyPr rtlCol="0" anchor="ctr"/>
+          <a:lstStyle/>
+          <a:p>
+            <a:pPr algn="ctr"/>
+            <a:endParaRPr kumimoji="1" lang="ja-JP" altLang="en-US"/>
+          </a:p>
+        </p:txBody>
+      </p:sp>
+      <p:sp>
+        <p:nvSpPr>
+          <p:cNvPr id="46" name="角丸四角形 45">
+            <a:extLst>
+              <a:ext uri="{FF2B5EF4-FFF2-40B4-BE49-F238E27FC236}">
+                <a16:creationId xmlns:a16="http://schemas.microsoft.com/office/drawing/2014/main" id="{FD94E098-F480-104D-9682-BC0E09E5ED4A}"/>
+              </a:ext>
+            </a:extLst>
+          </p:cNvPr>
+          <p:cNvSpPr/>
+          <p:nvPr/>
+        </p:nvSpPr>
+        <p:spPr>
+          <a:xfrm>
+            <a:off x="3464560" y="2468880"/>
+            <a:ext cx="5588000" cy="4043680"/>
+          </a:xfrm>
+          <a:prstGeom prst="roundRect">
+            <a:avLst>
+              <a:gd name="adj" fmla="val 10386"/>
+            </a:avLst>
+          </a:prstGeom>
+          <a:noFill/>
+          <a:ln>
+            <a:solidFill>
+              <a:schemeClr val="tx1"/>
+            </a:solidFill>
+          </a:ln>
+        </p:spPr>
+        <p:style>
+          <a:lnRef idx="2">
+            <a:schemeClr val="accent1">
+              <a:shade val="50000"/>
+            </a:schemeClr>
+          </a:lnRef>
+          <a:fillRef idx="1">
+            <a:schemeClr val="accent1"/>
+          </a:fillRef>
+          <a:effectRef idx="0">
+            <a:schemeClr val="accent1"/>
+          </a:effectRef>
+          <a:fontRef idx="minor">
+            <a:schemeClr val="lt1"/>
+          </a:fontRef>
+        </p:style>
+        <p:txBody>
+          <a:bodyPr rtlCol="0" anchor="ctr"/>
+          <a:lstStyle/>
+          <a:p>
+            <a:pPr algn="ctr"/>
+            <a:endParaRPr kumimoji="1" lang="ja-JP" altLang="en-US"/>
+          </a:p>
+        </p:txBody>
+      </p:sp>
+      <p:sp>
+        <p:nvSpPr>
+          <p:cNvPr id="47" name="テキスト ボックス 46">
+            <a:extLst>
+              <a:ext uri="{FF2B5EF4-FFF2-40B4-BE49-F238E27FC236}">
+                <a16:creationId xmlns:a16="http://schemas.microsoft.com/office/drawing/2014/main" id="{BA01CF6B-6981-3948-AF44-3BBD5390B723}"/>
+              </a:ext>
+            </a:extLst>
+          </p:cNvPr>
+          <p:cNvSpPr txBox="1"/>
+          <p:nvPr/>
+        </p:nvSpPr>
+        <p:spPr>
+          <a:xfrm>
+            <a:off x="3647440" y="91440"/>
+            <a:ext cx="2339102" cy="523220"/>
+          </a:xfrm>
+          <a:prstGeom prst="rect">
+            <a:avLst/>
+          </a:prstGeom>
+          <a:noFill/>
+        </p:spPr>
+        <p:txBody>
+          <a:bodyPr wrap="none" rtlCol="0">
+            <a:spAutoFit/>
+          </a:bodyPr>
+          <a:lstStyle/>
+          <a:p>
+            <a:r>
+              <a:rPr kumimoji="1" lang="ja-JP" altLang="en-US" sz="2800"/>
+              <a:t>トンネル効果</a:t>
+            </a:r>
+          </a:p>
+        </p:txBody>
+      </p:sp>
+    </p:spTree>
+    <p:extLst>
+      <p:ext uri="{BB962C8B-B14F-4D97-AF65-F5344CB8AC3E}">
+        <p14:creationId xmlns:p14="http://schemas.microsoft.com/office/powerpoint/2010/main" val="2415512288"/>
+      </p:ext>
+    </p:extLst>
+  </p:cSld>
+  <p:clrMapOvr>
+    <a:masterClrMapping/>
+  </p:clrMapOvr>
+</p:sld>
+</file>
+
+<file path=ppt/slides/slide3.xml><?xml version="1.0" encoding="utf-8"?>
+<p:sld xmlns:a="http://schemas.openxmlformats.org/drawingml/2006/main" xmlns:r="http://schemas.openxmlformats.org/officeDocument/2006/relationships" xmlns:p="http://schemas.openxmlformats.org/presentationml/2006/main">
+  <p:cSld>
+    <p:spTree>
+      <p:nvGrpSpPr>
+        <p:cNvPr id="1" name=""/>
+        <p:cNvGrpSpPr/>
+        <p:nvPr/>
+      </p:nvGrpSpPr>
+      <p:grpSpPr>
+        <a:xfrm>
+          <a:off x="0" y="0"/>
+          <a:ext cx="0" cy="0"/>
+          <a:chOff x="0" y="0"/>
+          <a:chExt cx="0" cy="0"/>
+        </a:xfrm>
+      </p:grpSpPr>
       <p:sp>
         <p:nvSpPr>
           <p:cNvPr id="3" name="正方形/長方形 2"/>
@@ -599,7 +5777,7 @@
           <a:p>
             <a:pPr algn="ctr"/>
             <a:r>
-              <a:rPr kumimoji="1" lang="en-US" altLang="ja-JP" sz="7200" dirty="0" smtClean="0">
+              <a:rPr kumimoji="1" lang="en-US" altLang="ja-JP" sz="7200" dirty="0">
                 <a:solidFill>
                   <a:schemeClr val="tx1"/>
                 </a:solidFill>
@@ -662,7 +5840,7 @@
           <a:p>
             <a:pPr algn="ctr"/>
             <a:r>
-              <a:rPr kumimoji="1" lang="en-US" altLang="ja-JP" sz="7200" dirty="0" smtClean="0">
+              <a:rPr kumimoji="1" lang="en-US" altLang="ja-JP" sz="7200" dirty="0">
                 <a:solidFill>
                   <a:schemeClr val="tx1"/>
                 </a:solidFill>
@@ -700,7 +5878,7 @@
           <a:lstStyle/>
           <a:p>
             <a:r>
-              <a:rPr kumimoji="1" lang="en-US" altLang="ja-JP" sz="2800" dirty="0" smtClean="0"/>
+              <a:rPr kumimoji="1" lang="en-US" altLang="ja-JP" sz="2800" dirty="0"/>
               <a:t>m</a:t>
             </a:r>
             <a:endParaRPr kumimoji="1" lang="ja-JP" altLang="en-US" sz="2800" dirty="0"/>
@@ -730,7 +5908,7 @@
           <a:lstStyle/>
           <a:p>
             <a:r>
-              <a:rPr kumimoji="1" lang="en-US" altLang="ja-JP" sz="2800" dirty="0" smtClean="0"/>
+              <a:rPr kumimoji="1" lang="en-US" altLang="ja-JP" sz="2800" dirty="0"/>
               <a:t>n</a:t>
             </a:r>
             <a:endParaRPr kumimoji="1" lang="ja-JP" altLang="en-US" sz="2800" dirty="0"/>
@@ -760,7 +5938,7 @@
           <a:lstStyle/>
           <a:p>
             <a:r>
-              <a:rPr kumimoji="1" lang="en-US" altLang="ja-JP" sz="2800" dirty="0" smtClean="0"/>
+              <a:rPr kumimoji="1" lang="en-US" altLang="ja-JP" sz="2800" dirty="0"/>
               <a:t>n</a:t>
             </a:r>
             <a:endParaRPr kumimoji="1" lang="ja-JP" altLang="en-US" sz="2800" dirty="0"/>
@@ -790,7 +5968,7 @@
           <a:lstStyle/>
           <a:p>
             <a:r>
-              <a:rPr kumimoji="1" lang="en-US" altLang="ja-JP" sz="2800" dirty="0" smtClean="0"/>
+              <a:rPr kumimoji="1" lang="en-US" altLang="ja-JP" sz="2800" dirty="0"/>
               <a:t>k</a:t>
             </a:r>
             <a:endParaRPr kumimoji="1" lang="ja-JP" altLang="en-US" sz="2800" dirty="0"/>
@@ -820,7 +5998,7 @@
           <a:lstStyle/>
           <a:p>
             <a:r>
-              <a:rPr kumimoji="1" lang="en-US" altLang="ja-JP" sz="2800" dirty="0" smtClean="0"/>
+              <a:rPr kumimoji="1" lang="en-US" altLang="ja-JP" sz="2800" dirty="0"/>
               <a:t>m</a:t>
             </a:r>
             <a:endParaRPr kumimoji="1" lang="ja-JP" altLang="en-US" sz="2800" dirty="0"/>
@@ -850,7 +6028,7 @@
           <a:lstStyle/>
           <a:p>
             <a:r>
-              <a:rPr kumimoji="1" lang="en-US" altLang="ja-JP" sz="2800" dirty="0" smtClean="0"/>
+              <a:rPr kumimoji="1" lang="en-US" altLang="ja-JP" sz="2800" dirty="0"/>
               <a:t>k</a:t>
             </a:r>
             <a:endParaRPr kumimoji="1" lang="ja-JP" altLang="en-US" sz="2800" dirty="0"/>
@@ -880,7 +6058,7 @@
           <a:lstStyle/>
           <a:p>
             <a:r>
-              <a:rPr kumimoji="1" lang="en-US" altLang="ja-JP" sz="6600" dirty="0" smtClean="0"/>
+              <a:rPr kumimoji="1" lang="en-US" altLang="ja-JP" sz="6600" dirty="0"/>
               <a:t>C = AB</a:t>
             </a:r>
             <a:endParaRPr kumimoji="1" lang="ja-JP" altLang="en-US" sz="6600" dirty="0"/>
@@ -955,7 +6133,7 @@
           <a:lstStyle/>
           <a:p>
             <a:r>
-              <a:rPr lang="ja-JP" altLang="en-US" dirty="0" smtClean="0"/>
+              <a:rPr lang="ja-JP" altLang="en-US" dirty="0"/>
               <a:t>ここが等しい</a:t>
             </a:r>
             <a:endParaRPr kumimoji="1" lang="ja-JP" altLang="en-US" dirty="0"/>
@@ -985,11 +6163,11 @@
           <a:lstStyle/>
           <a:p>
             <a:r>
-              <a:rPr kumimoji="1" lang="en-US" altLang="ja-JP" sz="4000" dirty="0" smtClean="0"/>
+              <a:rPr kumimoji="1" lang="en-US" altLang="ja-JP" sz="4000" dirty="0"/>
               <a:t>(</a:t>
             </a:r>
             <a:r>
-              <a:rPr kumimoji="1" lang="en-US" altLang="ja-JP" sz="4000" dirty="0" smtClean="0">
+              <a:rPr kumimoji="1" lang="en-US" altLang="ja-JP" sz="4000" dirty="0">
                 <a:solidFill>
                   <a:srgbClr val="FF0000"/>
                 </a:solidFill>
@@ -997,11 +6175,11 @@
               <a:t>m</a:t>
             </a:r>
             <a:r>
-              <a:rPr kumimoji="1" lang="en-US" altLang="ja-JP" sz="4000" dirty="0" smtClean="0"/>
+              <a:rPr kumimoji="1" lang="en-US" altLang="ja-JP" sz="4000" dirty="0"/>
               <a:t>,</a:t>
             </a:r>
             <a:r>
-              <a:rPr kumimoji="1" lang="en-US" altLang="ja-JP" sz="4000" dirty="0" smtClean="0">
+              <a:rPr kumimoji="1" lang="en-US" altLang="ja-JP" sz="4000" dirty="0">
                 <a:solidFill>
                   <a:srgbClr val="0070C0"/>
                 </a:solidFill>
@@ -1009,7 +6187,7 @@
               <a:t>n</a:t>
             </a:r>
             <a:r>
-              <a:rPr kumimoji="1" lang="en-US" altLang="ja-JP" sz="4000" dirty="0" smtClean="0"/>
+              <a:rPr kumimoji="1" lang="en-US" altLang="ja-JP" sz="4000" dirty="0"/>
               <a:t>)</a:t>
             </a:r>
             <a:r>
@@ -1017,11 +6195,11 @@
               <a:t> </a:t>
             </a:r>
             <a:r>
-              <a:rPr lang="en-US" altLang="ja-JP" sz="4000" dirty="0" smtClean="0"/>
+              <a:rPr lang="en-US" altLang="ja-JP" sz="4000" dirty="0"/>
               <a:t>x (</a:t>
             </a:r>
             <a:r>
-              <a:rPr kumimoji="1" lang="en-US" altLang="ja-JP" sz="4000" dirty="0" smtClean="0">
+              <a:rPr kumimoji="1" lang="en-US" altLang="ja-JP" sz="4000" dirty="0">
                 <a:solidFill>
                   <a:srgbClr val="0070C0"/>
                 </a:solidFill>
@@ -1029,11 +6207,11 @@
               <a:t>n</a:t>
             </a:r>
             <a:r>
-              <a:rPr lang="en-US" altLang="ja-JP" sz="4000" dirty="0" smtClean="0"/>
+              <a:rPr lang="en-US" altLang="ja-JP" sz="4000" dirty="0"/>
               <a:t>, </a:t>
             </a:r>
             <a:r>
-              <a:rPr kumimoji="1" lang="en-US" altLang="ja-JP" sz="4000" dirty="0" smtClean="0">
+              <a:rPr kumimoji="1" lang="en-US" altLang="ja-JP" sz="4000" dirty="0">
                 <a:solidFill>
                   <a:srgbClr val="00B050"/>
                 </a:solidFill>
@@ -1041,19 +6219,19 @@
               <a:t>k</a:t>
             </a:r>
             <a:r>
-              <a:rPr kumimoji="1" lang="en-US" altLang="ja-JP" sz="4000" dirty="0" smtClean="0"/>
+              <a:rPr kumimoji="1" lang="en-US" altLang="ja-JP" sz="4000" dirty="0"/>
               <a:t>) </a:t>
             </a:r>
             <a:r>
-              <a:rPr kumimoji="1" lang="ja-JP" altLang="en-US" sz="4000" dirty="0" smtClean="0"/>
+              <a:rPr kumimoji="1" lang="ja-JP" altLang="en-US" sz="4000" dirty="0"/>
               <a:t>→ </a:t>
             </a:r>
             <a:r>
-              <a:rPr kumimoji="1" lang="en-US" altLang="ja-JP" sz="4000" dirty="0" smtClean="0"/>
+              <a:rPr kumimoji="1" lang="en-US" altLang="ja-JP" sz="4000" dirty="0"/>
               <a:t>(</a:t>
             </a:r>
             <a:r>
-              <a:rPr kumimoji="1" lang="en-US" altLang="ja-JP" sz="4000" dirty="0" smtClean="0">
+              <a:rPr kumimoji="1" lang="en-US" altLang="ja-JP" sz="4000" dirty="0">
                 <a:solidFill>
                   <a:srgbClr val="FF0000"/>
                 </a:solidFill>
@@ -1061,11 +6239,11 @@
               <a:t>m</a:t>
             </a:r>
             <a:r>
-              <a:rPr lang="en-US" altLang="ja-JP" sz="4000" dirty="0" smtClean="0"/>
+              <a:rPr lang="en-US" altLang="ja-JP" sz="4000" dirty="0"/>
               <a:t>, </a:t>
             </a:r>
             <a:r>
-              <a:rPr kumimoji="1" lang="en-US" altLang="ja-JP" sz="4000" dirty="0" smtClean="0">
+              <a:rPr kumimoji="1" lang="en-US" altLang="ja-JP" sz="4000" dirty="0">
                 <a:solidFill>
                   <a:srgbClr val="00B050"/>
                 </a:solidFill>
@@ -1073,7 +6251,7 @@
               <a:t>k</a:t>
             </a:r>
             <a:r>
-              <a:rPr kumimoji="1" lang="en-US" altLang="ja-JP" sz="4000" dirty="0" smtClean="0"/>
+              <a:rPr kumimoji="1" lang="en-US" altLang="ja-JP" sz="4000" dirty="0"/>
               <a:t>)</a:t>
             </a:r>
             <a:endParaRPr kumimoji="1" lang="ja-JP" altLang="en-US" sz="4000" dirty="0"/>
@@ -1093,7 +6271,7 @@
 </p:sld>
 </file>
 
-<file path=ppt/slides/slide2.xml><?xml version="1.0" encoding="utf-8"?>
+<file path=ppt/slides/slide4.xml><?xml version="1.0" encoding="utf-8"?>
 <p:sld xmlns:a="http://schemas.openxmlformats.org/drawingml/2006/main" xmlns:r="http://schemas.openxmlformats.org/officeDocument/2006/relationships" xmlns:p="http://schemas.openxmlformats.org/presentationml/2006/main">
   <p:cSld>
     <p:spTree>
@@ -1221,7 +6399,7 @@
           <a:p>
             <a:pPr algn="ctr"/>
             <a:r>
-              <a:rPr kumimoji="1" lang="en-US" altLang="ja-JP" sz="7200" dirty="0" smtClean="0">
+              <a:rPr kumimoji="1" lang="en-US" altLang="ja-JP" sz="7200" dirty="0">
                 <a:solidFill>
                   <a:schemeClr val="tx1"/>
                 </a:solidFill>
@@ -1284,7 +6462,7 @@
           <a:p>
             <a:pPr algn="ctr"/>
             <a:r>
-              <a:rPr kumimoji="1" lang="en-US" altLang="ja-JP" sz="7200" dirty="0" smtClean="0">
+              <a:rPr kumimoji="1" lang="en-US" altLang="ja-JP" sz="7200" dirty="0">
                 <a:solidFill>
                   <a:schemeClr val="tx1"/>
                 </a:solidFill>
@@ -1322,7 +6500,7 @@
           <a:lstStyle/>
           <a:p>
             <a:r>
-              <a:rPr kumimoji="1" lang="en-US" altLang="ja-JP" sz="6600" dirty="0" smtClean="0"/>
+              <a:rPr kumimoji="1" lang="en-US" altLang="ja-JP" sz="6600" dirty="0"/>
               <a:t>C = AB</a:t>
             </a:r>
             <a:endParaRPr kumimoji="1" lang="ja-JP" altLang="en-US" sz="6600" dirty="0"/>
@@ -1352,43 +6530,43 @@
           <a:lstStyle/>
           <a:p>
             <a:r>
-              <a:rPr lang="en-US" altLang="ja-JP" sz="2400" dirty="0" smtClean="0"/>
+              <a:rPr lang="en-US" altLang="ja-JP" sz="2400" dirty="0"/>
               <a:t>A</a:t>
             </a:r>
             <a:r>
-              <a:rPr lang="ja-JP" altLang="en-US" sz="2400" dirty="0" smtClean="0"/>
+              <a:rPr lang="ja-JP" altLang="en-US" sz="2400" dirty="0"/>
               <a:t>と</a:t>
             </a:r>
             <a:r>
-              <a:rPr lang="en-US" altLang="ja-JP" sz="2400" dirty="0" smtClean="0"/>
+              <a:rPr lang="en-US" altLang="ja-JP" sz="2400" dirty="0"/>
               <a:t>B</a:t>
             </a:r>
             <a:r>
-              <a:rPr lang="ja-JP" altLang="en-US" sz="2400" dirty="0" smtClean="0"/>
+              <a:rPr lang="ja-JP" altLang="en-US" sz="2400" dirty="0"/>
               <a:t>の要素数</a:t>
             </a:r>
             <a:r>
-              <a:rPr lang="en-US" altLang="ja-JP" sz="2400" dirty="0" smtClean="0"/>
+              <a:rPr lang="en-US" altLang="ja-JP" sz="2400" dirty="0"/>
               <a:t>(</a:t>
             </a:r>
             <a:r>
-              <a:rPr lang="ja-JP" altLang="en-US" sz="2400" dirty="0" smtClean="0"/>
+              <a:rPr lang="ja-JP" altLang="en-US" sz="2400" dirty="0"/>
               <a:t>面積</a:t>
             </a:r>
             <a:r>
-              <a:rPr lang="en-US" altLang="ja-JP" sz="2400" dirty="0" smtClean="0"/>
+              <a:rPr lang="en-US" altLang="ja-JP" sz="2400" dirty="0"/>
               <a:t>)</a:t>
             </a:r>
             <a:r>
-              <a:rPr lang="ja-JP" altLang="en-US" sz="2400" dirty="0" smtClean="0"/>
+              <a:rPr lang="ja-JP" altLang="en-US" sz="2400" dirty="0"/>
               <a:t>の合計は</a:t>
             </a:r>
             <a:r>
-              <a:rPr lang="en-US" altLang="ja-JP" sz="2400" dirty="0" smtClean="0"/>
+              <a:rPr lang="en-US" altLang="ja-JP" sz="2400" dirty="0"/>
               <a:t>C</a:t>
             </a:r>
             <a:r>
-              <a:rPr lang="ja-JP" altLang="en-US" sz="2400" dirty="0" smtClean="0"/>
+              <a:rPr lang="ja-JP" altLang="en-US" sz="2400" dirty="0"/>
               <a:t>の要素数より小さい</a:t>
             </a:r>
             <a:endParaRPr kumimoji="1" lang="ja-JP" altLang="en-US" sz="2400" dirty="0"/>
@@ -1466,36 +6644,32 @@
           <a:lstStyle/>
           <a:p>
             <a:r>
-              <a:rPr lang="ja-JP" altLang="en-US" sz="2400" dirty="0" smtClean="0"/>
+              <a:rPr lang="ja-JP" altLang="en-US" sz="2400" dirty="0"/>
               <a:t>行列</a:t>
             </a:r>
             <a:r>
-              <a:rPr lang="en-US" altLang="ja-JP" sz="2400" dirty="0" smtClean="0"/>
+              <a:rPr lang="en-US" altLang="ja-JP" sz="2400" dirty="0"/>
               <a:t>C</a:t>
             </a:r>
             <a:r>
-              <a:rPr lang="ja-JP" altLang="en-US" sz="2400" dirty="0" smtClean="0"/>
+              <a:rPr lang="ja-JP" altLang="en-US" sz="2400" dirty="0"/>
               <a:t>を</a:t>
             </a:r>
             <a:r>
-              <a:rPr lang="en-US" altLang="ja-JP" sz="2400" dirty="0" smtClean="0"/>
+              <a:rPr lang="en-US" altLang="ja-JP" sz="2400" dirty="0"/>
               <a:t>A</a:t>
             </a:r>
             <a:r>
-              <a:rPr lang="ja-JP" altLang="en-US" sz="2400" dirty="0" smtClean="0"/>
+              <a:rPr lang="ja-JP" altLang="en-US" sz="2400" dirty="0"/>
               <a:t>と</a:t>
             </a:r>
             <a:r>
-              <a:rPr lang="en-US" altLang="ja-JP" sz="2400" dirty="0" smtClean="0"/>
+              <a:rPr lang="en-US" altLang="ja-JP" sz="2400" dirty="0"/>
               <a:t>B</a:t>
             </a:r>
             <a:r>
-              <a:rPr lang="ja-JP" altLang="en-US" sz="2400" dirty="0" smtClean="0"/>
-              <a:t>で近</a:t>
-            </a:r>
-            <a:r>
-              <a:rPr lang="ja-JP" altLang="en-US" sz="2400" dirty="0" smtClean="0"/>
-              <a:t>似する</a:t>
+              <a:rPr lang="ja-JP" altLang="en-US" sz="2400" dirty="0"/>
+              <a:t>で近似する</a:t>
             </a:r>
             <a:endParaRPr kumimoji="1" lang="ja-JP" altLang="en-US" sz="2400" dirty="0"/>
           </a:p>
@@ -1514,7 +6688,7 @@
 </p:sld>
 </file>
 
-<file path=ppt/slides/slide3.xml><?xml version="1.0" encoding="utf-8"?>
+<file path=ppt/slides/slide5.xml><?xml version="1.0" encoding="utf-8"?>
 <p:sld xmlns:a="http://schemas.openxmlformats.org/drawingml/2006/main" xmlns:r="http://schemas.openxmlformats.org/officeDocument/2006/relationships" xmlns:p="http://schemas.openxmlformats.org/presentationml/2006/main">
   <p:cSld>
     <p:spTree>
@@ -1554,15 +6728,14 @@
           <a:lstStyle/>
           <a:p>
             <a:r>
-              <a:rPr kumimoji="1" lang="ja-JP" altLang="en-US" sz="4000" dirty="0" smtClean="0"/>
+              <a:rPr kumimoji="1" lang="ja-JP" altLang="en-US" sz="4000" dirty="0"/>
               <a:t>特異値分解</a:t>
             </a:r>
-            <a:endParaRPr kumimoji="1" lang="ja-JP" altLang="en-US" sz="4000" dirty="0"/>
           </a:p>
         </p:txBody>
       </p:sp>
-      <mc:AlternateContent xmlns:mc="http://schemas.openxmlformats.org/markup-compatibility/2006">
-        <mc:Choice xmlns:a14="http://schemas.microsoft.com/office/drawing/2010/main" Requires="a14">
+      <mc:AlternateContent xmlns:mc="http://schemas.openxmlformats.org/markup-compatibility/2006" xmlns:a14="http://schemas.microsoft.com/office/drawing/2010/main">
+        <mc:Choice Requires="a14">
           <p:sp>
             <p:nvSpPr>
               <p:cNvPr id="3" name="テキスト ボックス 2"/>
@@ -1585,6 +6758,7 @@
               </a:bodyPr>
               <a:lstStyle/>
               <a:p>
+                <a:pPr/>
                 <a14:m>
                   <m:oMathPara xmlns:m="http://schemas.openxmlformats.org/officeDocument/2006/math">
                     <m:oMathParaPr>
@@ -1655,7 +6829,7 @@
             </p:txBody>
           </p:sp>
         </mc:Choice>
-        <mc:Fallback>
+        <mc:Fallback xmlns="">
           <p:sp>
             <p:nvSpPr>
               <p:cNvPr id="3" name="テキスト ボックス 2"/>
@@ -1901,7 +7075,7 @@
           <a:lstStyle/>
           <a:p>
             <a:r>
-              <a:rPr kumimoji="1" lang="en-US" altLang="ja-JP" sz="3200" dirty="0" smtClean="0"/>
+              <a:rPr kumimoji="1" lang="en-US" altLang="ja-JP" sz="3200" dirty="0"/>
               <a:t>x</a:t>
             </a:r>
             <a:endParaRPr kumimoji="1" lang="ja-JP" altLang="en-US" sz="3200" dirty="0"/>
@@ -1931,7 +7105,7 @@
           <a:lstStyle/>
           <a:p>
             <a:r>
-              <a:rPr kumimoji="1" lang="en-US" altLang="ja-JP" sz="3200" dirty="0" smtClean="0"/>
+              <a:rPr kumimoji="1" lang="en-US" altLang="ja-JP" sz="3200" dirty="0"/>
               <a:t>x</a:t>
             </a:r>
             <a:endParaRPr kumimoji="1" lang="ja-JP" altLang="en-US" sz="3200" dirty="0"/>
@@ -1968,8 +7142,8 @@
           </a:p>
         </p:txBody>
       </p:sp>
-      <mc:AlternateContent xmlns:mc="http://schemas.openxmlformats.org/markup-compatibility/2006">
-        <mc:Choice xmlns:a14="http://schemas.microsoft.com/office/drawing/2010/main" Requires="a14">
+      <mc:AlternateContent xmlns:mc="http://schemas.openxmlformats.org/markup-compatibility/2006" xmlns:a14="http://schemas.microsoft.com/office/drawing/2010/main">
+        <mc:Choice Requires="a14">
           <p:sp>
             <p:nvSpPr>
               <p:cNvPr id="12" name="テキスト ボックス 11"/>
@@ -1992,6 +7166,7 @@
               </a:bodyPr>
               <a:lstStyle/>
               <a:p>
+                <a:pPr/>
                 <a14:m>
                   <m:oMathPara xmlns:m="http://schemas.openxmlformats.org/officeDocument/2006/math">
                     <m:oMathParaPr>
@@ -2012,7 +7187,7 @@
             </p:txBody>
           </p:sp>
         </mc:Choice>
-        <mc:Fallback>
+        <mc:Fallback xmlns="">
           <p:sp>
             <p:nvSpPr>
               <p:cNvPr id="12" name="テキスト ボックス 11"/>
@@ -2051,8 +7226,8 @@
           </p:sp>
         </mc:Fallback>
       </mc:AlternateContent>
-      <mc:AlternateContent xmlns:mc="http://schemas.openxmlformats.org/markup-compatibility/2006">
-        <mc:Choice xmlns:a14="http://schemas.microsoft.com/office/drawing/2010/main" Requires="a14">
+      <mc:AlternateContent xmlns:mc="http://schemas.openxmlformats.org/markup-compatibility/2006" xmlns:a14="http://schemas.microsoft.com/office/drawing/2010/main">
+        <mc:Choice Requires="a14">
           <p:sp>
             <p:nvSpPr>
               <p:cNvPr id="14" name="テキスト ボックス 13"/>
@@ -2075,6 +7250,7 @@
               </a:bodyPr>
               <a:lstStyle/>
               <a:p>
+                <a:pPr/>
                 <a14:m>
                   <m:oMathPara xmlns:m="http://schemas.openxmlformats.org/officeDocument/2006/math">
                     <m:oMathParaPr>
@@ -2095,7 +7271,7 @@
             </p:txBody>
           </p:sp>
         </mc:Choice>
-        <mc:Fallback>
+        <mc:Fallback xmlns="">
           <p:sp>
             <p:nvSpPr>
               <p:cNvPr id="14" name="テキスト ボックス 13"/>
@@ -2134,8 +7310,8 @@
           </p:sp>
         </mc:Fallback>
       </mc:AlternateContent>
-      <mc:AlternateContent xmlns:mc="http://schemas.openxmlformats.org/markup-compatibility/2006">
-        <mc:Choice xmlns:a14="http://schemas.microsoft.com/office/drawing/2010/main" Requires="a14">
+      <mc:AlternateContent xmlns:mc="http://schemas.openxmlformats.org/markup-compatibility/2006" xmlns:a14="http://schemas.microsoft.com/office/drawing/2010/main">
+        <mc:Choice Requires="a14">
           <p:sp>
             <p:nvSpPr>
               <p:cNvPr id="15" name="テキスト ボックス 14"/>
@@ -2158,6 +7334,7 @@
               </a:bodyPr>
               <a:lstStyle/>
               <a:p>
+                <a:pPr/>
                 <a14:m>
                   <m:oMathPara xmlns:m="http://schemas.openxmlformats.org/officeDocument/2006/math">
                     <m:oMathParaPr>
@@ -2200,7 +7377,7 @@
             </p:txBody>
           </p:sp>
         </mc:Choice>
-        <mc:Fallback>
+        <mc:Fallback xmlns="">
           <p:sp>
             <p:nvSpPr>
               <p:cNvPr id="15" name="テキスト ボックス 14"/>
@@ -2239,8 +7416,8 @@
           </p:sp>
         </mc:Fallback>
       </mc:AlternateContent>
-      <mc:AlternateContent xmlns:mc="http://schemas.openxmlformats.org/markup-compatibility/2006">
-        <mc:Choice xmlns:a14="http://schemas.microsoft.com/office/drawing/2010/main" Requires="a14">
+      <mc:AlternateContent xmlns:mc="http://schemas.openxmlformats.org/markup-compatibility/2006" xmlns:a14="http://schemas.microsoft.com/office/drawing/2010/main">
+        <mc:Choice Requires="a14">
           <p:sp>
             <p:nvSpPr>
               <p:cNvPr id="16" name="テキスト ボックス 15"/>
@@ -2263,6 +7440,7 @@
               </a:bodyPr>
               <a:lstStyle/>
               <a:p>
+                <a:pPr/>
                 <a14:m>
                   <m:oMathPara xmlns:m="http://schemas.openxmlformats.org/officeDocument/2006/math">
                     <m:oMathParaPr>
@@ -2287,7 +7465,7 @@
             </p:txBody>
           </p:sp>
         </mc:Choice>
-        <mc:Fallback>
+        <mc:Fallback xmlns="">
           <p:sp>
             <p:nvSpPr>
               <p:cNvPr id="16" name="テキスト ボックス 15"/>
@@ -2372,8 +7550,8 @@
           </a:p>
         </p:txBody>
       </p:sp>
-      <mc:AlternateContent xmlns:mc="http://schemas.openxmlformats.org/markup-compatibility/2006">
-        <mc:Choice xmlns:a14="http://schemas.microsoft.com/office/drawing/2010/main" Requires="a14">
+      <mc:AlternateContent xmlns:mc="http://schemas.openxmlformats.org/markup-compatibility/2006" xmlns:a14="http://schemas.microsoft.com/office/drawing/2010/main">
+        <mc:Choice Requires="a14">
           <p:sp>
             <p:nvSpPr>
               <p:cNvPr id="18" name="テキスト ボックス 17"/>
@@ -2396,6 +7574,7 @@
               </a:bodyPr>
               <a:lstStyle/>
               <a:p>
+                <a:pPr/>
                 <a14:m>
                   <m:oMathPara xmlns:m="http://schemas.openxmlformats.org/officeDocument/2006/math">
                     <m:oMathParaPr>
@@ -2439,7 +7618,7 @@
             </p:txBody>
           </p:sp>
         </mc:Choice>
-        <mc:Fallback>
+        <mc:Fallback xmlns="">
           <p:sp>
             <p:nvSpPr>
               <p:cNvPr id="18" name="テキスト ボックス 17"/>
@@ -2547,15 +7726,15 @@
           <a:lstStyle/>
           <a:p>
             <a:r>
-              <a:rPr kumimoji="1" lang="en-US" altLang="ja-JP" sz="3200" dirty="0" smtClean="0"/>
+              <a:rPr kumimoji="1" lang="en-US" altLang="ja-JP" sz="3200" dirty="0"/>
               <a:t>x</a:t>
             </a:r>
             <a:endParaRPr kumimoji="1" lang="ja-JP" altLang="en-US" sz="3200" dirty="0"/>
           </a:p>
         </p:txBody>
       </p:sp>
-      <mc:AlternateContent xmlns:mc="http://schemas.openxmlformats.org/markup-compatibility/2006">
-        <mc:Choice xmlns:a14="http://schemas.microsoft.com/office/drawing/2010/main" Requires="a14">
+      <mc:AlternateContent xmlns:mc="http://schemas.openxmlformats.org/markup-compatibility/2006" xmlns:a14="http://schemas.microsoft.com/office/drawing/2010/main">
+        <mc:Choice Requires="a14">
           <p:sp>
             <p:nvSpPr>
               <p:cNvPr id="21" name="テキスト ボックス 20"/>
@@ -2578,6 +7757,7 @@
               </a:bodyPr>
               <a:lstStyle/>
               <a:p>
+                <a:pPr/>
                 <a14:m>
                   <m:oMathPara xmlns:m="http://schemas.openxmlformats.org/officeDocument/2006/math">
                     <m:oMathParaPr>
@@ -2643,7 +7823,7 @@
             </p:txBody>
           </p:sp>
         </mc:Choice>
-        <mc:Fallback>
+        <mc:Fallback xmlns="">
           <p:sp>
             <p:nvSpPr>
               <p:cNvPr id="21" name="テキスト ボックス 20"/>
@@ -2758,8 +7938,8 @@
           </a:p>
         </p:txBody>
       </p:sp>
-      <mc:AlternateContent xmlns:mc="http://schemas.openxmlformats.org/markup-compatibility/2006">
-        <mc:Choice xmlns:a14="http://schemas.microsoft.com/office/drawing/2010/main" Requires="a14">
+      <mc:AlternateContent xmlns:mc="http://schemas.openxmlformats.org/markup-compatibility/2006" xmlns:a14="http://schemas.microsoft.com/office/drawing/2010/main">
+        <mc:Choice Requires="a14">
           <p:sp>
             <p:nvSpPr>
               <p:cNvPr id="24" name="テキスト ボックス 23"/>
@@ -2782,6 +7962,7 @@
               </a:bodyPr>
               <a:lstStyle/>
               <a:p>
+                <a:pPr/>
                 <a14:m>
                   <m:oMathPara xmlns:m="http://schemas.openxmlformats.org/officeDocument/2006/math">
                     <m:oMathParaPr>
@@ -2814,7 +7995,7 @@
             </p:txBody>
           </p:sp>
         </mc:Choice>
-        <mc:Fallback>
+        <mc:Fallback xmlns="">
           <p:sp>
             <p:nvSpPr>
               <p:cNvPr id="24" name="テキスト ボックス 23"/>
@@ -2998,7 +8179,7 @@
           <a:lstStyle/>
           <a:p>
             <a:r>
-              <a:rPr kumimoji="1" lang="en-US" altLang="ja-JP" sz="3200" dirty="0" smtClean="0"/>
+              <a:rPr kumimoji="1" lang="en-US" altLang="ja-JP" sz="3200" dirty="0"/>
               <a:t>x</a:t>
             </a:r>
             <a:endParaRPr kumimoji="1" lang="ja-JP" altLang="en-US" sz="3200" dirty="0"/>
@@ -3101,8 +8282,8 @@
           </a:p>
         </p:txBody>
       </p:sp>
-      <mc:AlternateContent xmlns:mc="http://schemas.openxmlformats.org/markup-compatibility/2006">
-        <mc:Choice xmlns:a14="http://schemas.microsoft.com/office/drawing/2010/main" Requires="a14">
+      <mc:AlternateContent xmlns:mc="http://schemas.openxmlformats.org/markup-compatibility/2006" xmlns:a14="http://schemas.microsoft.com/office/drawing/2010/main">
+        <mc:Choice Requires="a14">
           <p:sp>
             <p:nvSpPr>
               <p:cNvPr id="33" name="テキスト ボックス 32"/>
@@ -3125,6 +8306,7 @@
               </a:bodyPr>
               <a:lstStyle/>
               <a:p>
+                <a:pPr/>
                 <a14:m>
                   <m:oMathPara xmlns:m="http://schemas.openxmlformats.org/officeDocument/2006/math">
                     <m:oMathParaPr>
@@ -3189,7 +8371,7 @@
             </p:txBody>
           </p:sp>
         </mc:Choice>
-        <mc:Fallback>
+        <mc:Fallback xmlns="">
           <p:sp>
             <p:nvSpPr>
               <p:cNvPr id="33" name="テキスト ボックス 32"/>
@@ -3228,8 +8410,8 @@
           </p:sp>
         </mc:Fallback>
       </mc:AlternateContent>
-      <mc:AlternateContent xmlns:mc="http://schemas.openxmlformats.org/markup-compatibility/2006">
-        <mc:Choice xmlns:a14="http://schemas.microsoft.com/office/drawing/2010/main" Requires="a14">
+      <mc:AlternateContent xmlns:mc="http://schemas.openxmlformats.org/markup-compatibility/2006" xmlns:a14="http://schemas.microsoft.com/office/drawing/2010/main">
+        <mc:Choice Requires="a14">
           <p:sp>
             <p:nvSpPr>
               <p:cNvPr id="34" name="テキスト ボックス 33"/>
@@ -3252,6 +8434,7 @@
               </a:bodyPr>
               <a:lstStyle/>
               <a:p>
+                <a:pPr/>
                 <a14:m>
                   <m:oMathPara xmlns:m="http://schemas.openxmlformats.org/officeDocument/2006/math">
                     <m:oMathParaPr>
@@ -3348,7 +8531,7 @@
             </p:txBody>
           </p:sp>
         </mc:Choice>
-        <mc:Fallback>
+        <mc:Fallback xmlns="">
           <p:sp>
             <p:nvSpPr>
               <p:cNvPr id="34" name="テキスト ボックス 33"/>
@@ -3410,7 +8593,7 @@
           <a:lstStyle/>
           <a:p>
             <a:r>
-              <a:rPr kumimoji="1" lang="ja-JP" altLang="en-US" b="1" dirty="0" smtClean="0">
+              <a:rPr kumimoji="1" lang="ja-JP" altLang="en-US" b="1" dirty="0">
                 <a:solidFill>
                   <a:srgbClr val="FF0000"/>
                 </a:solidFill>
@@ -3418,11 +8601,11 @@
               <a:t>ここ</a:t>
             </a:r>
             <a:r>
-              <a:rPr lang="ja-JP" altLang="en-US" dirty="0" smtClean="0"/>
+              <a:rPr lang="ja-JP" altLang="en-US" dirty="0"/>
               <a:t>と</a:t>
             </a:r>
             <a:r>
-              <a:rPr lang="ja-JP" altLang="en-US" b="1" dirty="0" smtClean="0">
+              <a:rPr lang="ja-JP" altLang="en-US" b="1" dirty="0">
                 <a:solidFill>
                   <a:srgbClr val="0070C0"/>
                 </a:solidFill>
@@ -3430,10 +8613,9 @@
               <a:t>ここ</a:t>
             </a:r>
             <a:r>
-              <a:rPr kumimoji="1" lang="ja-JP" altLang="en-US" dirty="0" smtClean="0"/>
+              <a:rPr kumimoji="1" lang="ja-JP" altLang="en-US" dirty="0"/>
               <a:t>だけ使って再構成</a:t>
             </a:r>
-            <a:endParaRPr kumimoji="1" lang="ja-JP" altLang="en-US" dirty="0"/>
           </a:p>
         </p:txBody>
       </p:sp>
